--- a/Content/Storage/Azure Storage and CLI.pptx
+++ b/Content/Storage/Azure Storage and CLI.pptx
@@ -5,24 +5,19 @@
     <p:sldMasterId id="2147483680" r:id="rId1"/>
   </p:sldMasterIdLst>
   <p:notesMasterIdLst>
-    <p:notesMasterId r:id="rId17"/>
+    <p:notesMasterId r:id="rId12"/>
   </p:notesMasterIdLst>
   <p:sldIdLst>
     <p:sldId id="256" r:id="rId2"/>
     <p:sldId id="257" r:id="rId3"/>
-    <p:sldId id="268" r:id="rId4"/>
-    <p:sldId id="276" r:id="rId5"/>
-    <p:sldId id="261" r:id="rId6"/>
-    <p:sldId id="275" r:id="rId7"/>
-    <p:sldId id="260" r:id="rId8"/>
-    <p:sldId id="269" r:id="rId9"/>
-    <p:sldId id="266" r:id="rId10"/>
-    <p:sldId id="267" r:id="rId11"/>
-    <p:sldId id="263" r:id="rId12"/>
-    <p:sldId id="264" r:id="rId13"/>
-    <p:sldId id="270" r:id="rId14"/>
-    <p:sldId id="265" r:id="rId15"/>
-    <p:sldId id="271" r:id="rId16"/>
+    <p:sldId id="280" r:id="rId4"/>
+    <p:sldId id="281" r:id="rId5"/>
+    <p:sldId id="275" r:id="rId6"/>
+    <p:sldId id="276" r:id="rId7"/>
+    <p:sldId id="284" r:id="rId8"/>
+    <p:sldId id="264" r:id="rId9"/>
+    <p:sldId id="270" r:id="rId10"/>
+    <p:sldId id="271" r:id="rId11"/>
   </p:sldIdLst>
   <p:sldSz cx="12192000" cy="6858000"/>
   <p:notesSz cx="6858000" cy="9144000"/>
@@ -211,7 +206,7 @@
           <a:p>
             <a:fld id="{2E5CA586-3557-4985-BCD4-35EF5AC8B4A4}" type="datetimeFigureOut">
               <a:rPr lang="en-US" smtClean="0"/>
-              <a:t>9/14/2015</a:t>
+              <a:t>10/6/2015</a:t>
             </a:fld>
             <a:endParaRPr lang="en-US"/>
           </a:p>
@@ -11342,1500 +11337,17 @@
   <p:transition>
     <p:fade/>
   </p:transition>
+  <p:timing>
+    <p:tnLst>
+      <p:par>
+        <p:cTn id="1" dur="indefinite" restart="never" nodeType="tmRoot"/>
+      </p:par>
+    </p:tnLst>
+  </p:timing>
 </p:sld>
 </file>
 
 <file path=ppt/slides/slide10.xml><?xml version="1.0" encoding="utf-8"?>
-<p:sld xmlns:a="http://schemas.openxmlformats.org/drawingml/2006/main" xmlns:r="http://schemas.openxmlformats.org/officeDocument/2006/relationships" xmlns:p="http://schemas.openxmlformats.org/presentationml/2006/main">
-  <p:cSld>
-    <p:spTree>
-      <p:nvGrpSpPr>
-        <p:cNvPr id="1" name=""/>
-        <p:cNvGrpSpPr/>
-        <p:nvPr/>
-      </p:nvGrpSpPr>
-      <p:grpSpPr>
-        <a:xfrm>
-          <a:off x="0" y="0"/>
-          <a:ext cx="0" cy="0"/>
-          <a:chOff x="0" y="0"/>
-          <a:chExt cx="0" cy="0"/>
-        </a:xfrm>
-      </p:grpSpPr>
-      <p:sp>
-        <p:nvSpPr>
-          <p:cNvPr id="2" name="Title 1"/>
-          <p:cNvSpPr>
-            <a:spLocks noGrp="1"/>
-          </p:cNvSpPr>
-          <p:nvPr>
-            <p:ph type="title"/>
-          </p:nvPr>
-        </p:nvSpPr>
-        <p:spPr/>
-        <p:txBody>
-          <a:bodyPr/>
-          <a:lstStyle/>
-          <a:p>
-            <a:r>
-              <a:rPr lang="en-US" dirty="0" smtClean="0"/>
-              <a:t>Azure Storage Explorer (Windows)</a:t>
-            </a:r>
-            <a:endParaRPr lang="en-US" dirty="0"/>
-          </a:p>
-        </p:txBody>
-      </p:sp>
-      <p:sp>
-        <p:nvSpPr>
-          <p:cNvPr id="3" name="Content Placeholder 2"/>
-          <p:cNvSpPr>
-            <a:spLocks noGrp="1"/>
-          </p:cNvSpPr>
-          <p:nvPr>
-            <p:ph idx="1"/>
-          </p:nvPr>
-        </p:nvSpPr>
-        <p:spPr>
-          <a:xfrm>
-            <a:off x="519248" y="1447800"/>
-            <a:ext cx="11151916" cy="443070"/>
-          </a:xfrm>
-        </p:spPr>
-        <p:txBody>
-          <a:bodyPr/>
-          <a:lstStyle/>
-          <a:p>
-            <a:r>
-              <a:rPr lang="en-US" dirty="0"/>
-              <a:t>http://azurestorageexplorer.codeplex.com/</a:t>
-            </a:r>
-          </a:p>
-        </p:txBody>
-      </p:sp>
-      <p:pic>
-        <p:nvPicPr>
-          <p:cNvPr id="4" name="Picture 3"/>
-          <p:cNvPicPr>
-            <a:picLocks noChangeAspect="1"/>
-          </p:cNvPicPr>
-          <p:nvPr/>
-        </p:nvPicPr>
-        <p:blipFill>
-          <a:blip r:embed="rId2"/>
-          <a:stretch>
-            <a:fillRect/>
-          </a:stretch>
-        </p:blipFill>
-        <p:spPr>
-          <a:xfrm>
-            <a:off x="2366756" y="2100913"/>
-            <a:ext cx="7456900" cy="4249631"/>
-          </a:xfrm>
-          <a:prstGeom prst="rect">
-            <a:avLst/>
-          </a:prstGeom>
-        </p:spPr>
-      </p:pic>
-    </p:spTree>
-    <p:extLst>
-      <p:ext uri="{BB962C8B-B14F-4D97-AF65-F5344CB8AC3E}">
-        <p14:creationId xmlns:p14="http://schemas.microsoft.com/office/powerpoint/2010/main" val="1006471683"/>
-      </p:ext>
-    </p:extLst>
-  </p:cSld>
-  <p:clrMapOvr>
-    <a:masterClrMapping/>
-  </p:clrMapOvr>
-  <p:transition>
-    <p:fade/>
-  </p:transition>
-</p:sld>
-</file>
-
-<file path=ppt/slides/slide11.xml><?xml version="1.0" encoding="utf-8"?>
-<p:sld xmlns:a="http://schemas.openxmlformats.org/drawingml/2006/main" xmlns:r="http://schemas.openxmlformats.org/officeDocument/2006/relationships" xmlns:p="http://schemas.openxmlformats.org/presentationml/2006/main">
-  <p:cSld>
-    <p:spTree>
-      <p:nvGrpSpPr>
-        <p:cNvPr id="1" name=""/>
-        <p:cNvGrpSpPr/>
-        <p:nvPr/>
-      </p:nvGrpSpPr>
-      <p:grpSpPr>
-        <a:xfrm>
-          <a:off x="0" y="0"/>
-          <a:ext cx="0" cy="0"/>
-          <a:chOff x="0" y="0"/>
-          <a:chExt cx="0" cy="0"/>
-        </a:xfrm>
-      </p:grpSpPr>
-      <p:sp>
-        <p:nvSpPr>
-          <p:cNvPr id="2" name="Title 1"/>
-          <p:cNvSpPr>
-            <a:spLocks noGrp="1"/>
-          </p:cNvSpPr>
-          <p:nvPr>
-            <p:ph type="title"/>
-          </p:nvPr>
-        </p:nvSpPr>
-        <p:spPr/>
-        <p:txBody>
-          <a:bodyPr/>
-          <a:lstStyle/>
-          <a:p>
-            <a:r>
-              <a:rPr lang="en-US" dirty="0" err="1" smtClean="0"/>
-              <a:t>blobxfer</a:t>
-            </a:r>
-            <a:r>
-              <a:rPr lang="en-US" dirty="0" smtClean="0"/>
-              <a:t> (Linux and OS X)</a:t>
-            </a:r>
-            <a:endParaRPr lang="en-US" dirty="0"/>
-          </a:p>
-        </p:txBody>
-      </p:sp>
-      <p:sp>
-        <p:nvSpPr>
-          <p:cNvPr id="3" name="Content Placeholder 2"/>
-          <p:cNvSpPr>
-            <a:spLocks noGrp="1"/>
-          </p:cNvSpPr>
-          <p:nvPr>
-            <p:ph idx="1"/>
-          </p:nvPr>
-        </p:nvSpPr>
-        <p:spPr>
-          <a:xfrm>
-            <a:off x="519248" y="1447800"/>
-            <a:ext cx="11151916" cy="886140"/>
-          </a:xfrm>
-        </p:spPr>
-        <p:txBody>
-          <a:bodyPr/>
-          <a:lstStyle/>
-          <a:p>
-            <a:r>
-              <a:rPr lang="en-US" dirty="0" smtClean="0"/>
-              <a:t>https</a:t>
-            </a:r>
-            <a:r>
-              <a:rPr lang="en-US" dirty="0"/>
-              <a:t>://github.com/Azure/azure-batch-samples/tree/master/Python/Storage</a:t>
-            </a:r>
-          </a:p>
-        </p:txBody>
-      </p:sp>
-      <p:sp>
-        <p:nvSpPr>
-          <p:cNvPr id="4" name="Rectangle 3"/>
-          <p:cNvSpPr/>
-          <p:nvPr/>
-        </p:nvSpPr>
-        <p:spPr bwMode="auto">
-          <a:xfrm>
-            <a:off x="876001" y="3703058"/>
-            <a:ext cx="10438410" cy="1662545"/>
-          </a:xfrm>
-          <a:prstGeom prst="rect">
-            <a:avLst/>
-          </a:prstGeom>
-          <a:solidFill>
-            <a:schemeClr val="tx1">
-              <a:lumMod val="10000"/>
-              <a:lumOff val="90000"/>
-            </a:schemeClr>
-          </a:solidFill>
-          <a:ln w="38100">
-            <a:solidFill>
-              <a:schemeClr val="tx1">
-                <a:lumMod val="50000"/>
-                <a:lumOff val="50000"/>
-              </a:schemeClr>
-            </a:solidFill>
-            <a:headEnd type="none" w="med" len="med"/>
-            <a:tailEnd type="none" w="med" len="med"/>
-          </a:ln>
-          <a:effectLst/>
-        </p:spPr>
-        <p:style>
-          <a:lnRef idx="1">
-            <a:schemeClr val="accent2"/>
-          </a:lnRef>
-          <a:fillRef idx="3">
-            <a:schemeClr val="accent2"/>
-          </a:fillRef>
-          <a:effectRef idx="2">
-            <a:schemeClr val="accent2"/>
-          </a:effectRef>
-          <a:fontRef idx="minor">
-            <a:schemeClr val="lt1"/>
-          </a:fontRef>
-        </p:style>
-        <p:txBody>
-          <a:bodyPr vert="horz" wrap="square" lIns="91436" tIns="45718" rIns="91436" bIns="45718" numCol="1" rtlCol="0" anchor="ctr" anchorCtr="0" compatLnSpc="1">
-            <a:prstTxWarp prst="textNoShape">
-              <a:avLst/>
-            </a:prstTxWarp>
-          </a:bodyPr>
-          <a:lstStyle/>
-          <a:p>
-            <a:pPr defTabSz="914099" fontAlgn="base">
-              <a:spcBef>
-                <a:spcPct val="0"/>
-              </a:spcBef>
-              <a:spcAft>
-                <a:spcPct val="0"/>
-              </a:spcAft>
-            </a:pPr>
-            <a:r>
-              <a:rPr lang="en-US" sz="2200" dirty="0">
-                <a:solidFill>
-                  <a:schemeClr val="tx1"/>
-                </a:solidFill>
-                <a:latin typeface="Lucida Console" panose="020B0609040504020204" pitchFamily="49" charset="0"/>
-              </a:rPr>
-              <a:t> </a:t>
-            </a:r>
-            <a:r>
-              <a:rPr lang="en-US" sz="2200" dirty="0" err="1" smtClean="0">
-                <a:solidFill>
-                  <a:schemeClr val="tx1"/>
-                </a:solidFill>
-                <a:latin typeface="Lucida Console" panose="020B0609040504020204" pitchFamily="49" charset="0"/>
-              </a:rPr>
-              <a:t>blobxfer</a:t>
-            </a:r>
-            <a:r>
-              <a:rPr lang="en-US" sz="2200" dirty="0" smtClean="0">
-                <a:solidFill>
-                  <a:schemeClr val="tx1"/>
-                </a:solidFill>
-                <a:latin typeface="Lucida Console" panose="020B0609040504020204" pitchFamily="49" charset="0"/>
-              </a:rPr>
-              <a:t> a4rlabs </a:t>
-            </a:r>
-            <a:r>
-              <a:rPr lang="en-US" sz="2200" dirty="0" err="1" smtClean="0">
-                <a:solidFill>
-                  <a:schemeClr val="tx1"/>
-                </a:solidFill>
-                <a:latin typeface="Lucida Console" panose="020B0609040504020204" pitchFamily="49" charset="0"/>
-              </a:rPr>
-              <a:t>contoso</a:t>
-            </a:r>
-            <a:r>
-              <a:rPr lang="en-US" sz="2200" dirty="0" smtClean="0">
-                <a:solidFill>
-                  <a:schemeClr val="tx1"/>
-                </a:solidFill>
-                <a:latin typeface="Lucida Console" panose="020B0609040504020204" pitchFamily="49" charset="0"/>
-              </a:rPr>
-              <a:t> banner.jpg</a:t>
-            </a:r>
-          </a:p>
-          <a:p>
-            <a:pPr defTabSz="914099" fontAlgn="base">
-              <a:spcBef>
-                <a:spcPct val="0"/>
-              </a:spcBef>
-              <a:spcAft>
-                <a:spcPct val="0"/>
-              </a:spcAft>
-            </a:pPr>
-            <a:r>
-              <a:rPr lang="en-US" sz="2200" dirty="0" smtClean="0">
-                <a:solidFill>
-                  <a:schemeClr val="tx1"/>
-                </a:solidFill>
-                <a:latin typeface="Lucida Console" panose="020B0609040504020204" pitchFamily="49" charset="0"/>
-              </a:rPr>
-              <a:t>  --</a:t>
-            </a:r>
-            <a:r>
-              <a:rPr lang="en-US" sz="2200" dirty="0" err="1" smtClean="0">
-                <a:solidFill>
-                  <a:schemeClr val="tx1"/>
-                </a:solidFill>
-                <a:latin typeface="Lucida Console" panose="020B0609040504020204" pitchFamily="49" charset="0"/>
-              </a:rPr>
-              <a:t>storageaccountkey</a:t>
-            </a:r>
-            <a:r>
-              <a:rPr lang="en-US" sz="2200" dirty="0">
-                <a:solidFill>
-                  <a:schemeClr val="tx1"/>
-                </a:solidFill>
-                <a:latin typeface="Lucida Console" panose="020B0609040504020204" pitchFamily="49" charset="0"/>
-              </a:rPr>
-              <a:t> </a:t>
-            </a:r>
-            <a:r>
-              <a:rPr lang="en-US" sz="2200" dirty="0" smtClean="0">
-                <a:solidFill>
-                  <a:schemeClr val="tx1"/>
-                </a:solidFill>
-                <a:latin typeface="Lucida Console" panose="020B0609040504020204" pitchFamily="49" charset="0"/>
-              </a:rPr>
-              <a:t>[</a:t>
-            </a:r>
-            <a:r>
-              <a:rPr lang="en-US" sz="2200" dirty="0" err="1" smtClean="0">
-                <a:solidFill>
-                  <a:schemeClr val="tx1"/>
-                </a:solidFill>
-                <a:latin typeface="Lucida Console" panose="020B0609040504020204" pitchFamily="49" charset="0"/>
-              </a:rPr>
-              <a:t>accountkey</a:t>
-            </a:r>
-            <a:r>
-              <a:rPr lang="en-US" sz="2200" dirty="0" smtClean="0">
-                <a:solidFill>
-                  <a:schemeClr val="tx1"/>
-                </a:solidFill>
-                <a:latin typeface="Lucida Console" panose="020B0609040504020204" pitchFamily="49" charset="0"/>
-              </a:rPr>
-              <a:t>]</a:t>
-            </a:r>
-            <a:endParaRPr lang="en-US" sz="2200" dirty="0">
-              <a:solidFill>
-                <a:schemeClr val="tx1"/>
-              </a:solidFill>
-              <a:latin typeface="Lucida Console" panose="020B0609040504020204" pitchFamily="49" charset="0"/>
-            </a:endParaRPr>
-          </a:p>
-        </p:txBody>
-      </p:sp>
-      <p:sp>
-        <p:nvSpPr>
-          <p:cNvPr id="6" name="TextBox 5"/>
-          <p:cNvSpPr txBox="1"/>
-          <p:nvPr/>
-        </p:nvSpPr>
-        <p:spPr>
-          <a:xfrm>
-            <a:off x="6319014" y="2830420"/>
-            <a:ext cx="4858702" cy="387798"/>
-          </a:xfrm>
-          <a:prstGeom prst="rect">
-            <a:avLst/>
-          </a:prstGeom>
-          <a:noFill/>
-        </p:spPr>
-        <p:txBody>
-          <a:bodyPr wrap="none" lIns="0" tIns="0" rIns="0" bIns="0" rtlCol="0">
-            <a:spAutoFit/>
-          </a:bodyPr>
-          <a:lstStyle/>
-          <a:p>
-            <a:pPr>
-              <a:lnSpc>
-                <a:spcPct val="90000"/>
-              </a:lnSpc>
-              <a:spcBef>
-                <a:spcPct val="20000"/>
-              </a:spcBef>
-              <a:buSzPct val="80000"/>
-            </a:pPr>
-            <a:r>
-              <a:rPr lang="en-US" sz="2800" dirty="0" smtClean="0">
-                <a:solidFill>
-                  <a:schemeClr val="accent1"/>
-                </a:solidFill>
-              </a:rPr>
-              <a:t>Local file name and blob name</a:t>
-            </a:r>
-            <a:endParaRPr lang="en-US" sz="2800" dirty="0">
-              <a:solidFill>
-                <a:schemeClr val="accent1"/>
-              </a:solidFill>
-            </a:endParaRPr>
-          </a:p>
-        </p:txBody>
-      </p:sp>
-      <p:sp>
-        <p:nvSpPr>
-          <p:cNvPr id="7" name="TextBox 6"/>
-          <p:cNvSpPr txBox="1"/>
-          <p:nvPr/>
-        </p:nvSpPr>
-        <p:spPr>
-          <a:xfrm>
-            <a:off x="3122551" y="2805240"/>
-            <a:ext cx="2524730" cy="387798"/>
-          </a:xfrm>
-          <a:prstGeom prst="rect">
-            <a:avLst/>
-          </a:prstGeom>
-          <a:noFill/>
-        </p:spPr>
-        <p:txBody>
-          <a:bodyPr wrap="none" lIns="0" tIns="0" rIns="0" bIns="0" rtlCol="0">
-            <a:spAutoFit/>
-          </a:bodyPr>
-          <a:lstStyle/>
-          <a:p>
-            <a:pPr>
-              <a:lnSpc>
-                <a:spcPct val="90000"/>
-              </a:lnSpc>
-              <a:spcBef>
-                <a:spcPct val="20000"/>
-              </a:spcBef>
-              <a:buSzPct val="80000"/>
-            </a:pPr>
-            <a:r>
-              <a:rPr lang="en-US" sz="2800" dirty="0" smtClean="0">
-                <a:solidFill>
-                  <a:schemeClr val="accent1"/>
-                </a:solidFill>
-              </a:rPr>
-              <a:t>Container name</a:t>
-            </a:r>
-            <a:endParaRPr lang="en-US" sz="2800" dirty="0">
-              <a:solidFill>
-                <a:schemeClr val="accent1"/>
-              </a:solidFill>
-            </a:endParaRPr>
-          </a:p>
-        </p:txBody>
-      </p:sp>
-      <p:cxnSp>
-        <p:nvCxnSpPr>
-          <p:cNvPr id="8" name="Straight Arrow Connector 7"/>
-          <p:cNvCxnSpPr/>
-          <p:nvPr/>
-        </p:nvCxnSpPr>
-        <p:spPr>
-          <a:xfrm flipH="1">
-            <a:off x="6095206" y="3270957"/>
-            <a:ext cx="603654" cy="873531"/>
-          </a:xfrm>
-          <a:prstGeom prst="straightConnector1">
-            <a:avLst/>
-          </a:prstGeom>
-          <a:ln w="38100">
-            <a:tailEnd type="triangle" w="lg" len="lg"/>
-          </a:ln>
-        </p:spPr>
-        <p:style>
-          <a:lnRef idx="1">
-            <a:schemeClr val="accent1"/>
-          </a:lnRef>
-          <a:fillRef idx="0">
-            <a:schemeClr val="accent1"/>
-          </a:fillRef>
-          <a:effectRef idx="0">
-            <a:schemeClr val="accent1"/>
-          </a:effectRef>
-          <a:fontRef idx="minor">
-            <a:schemeClr val="tx1"/>
-          </a:fontRef>
-        </p:style>
-      </p:cxnSp>
-      <p:cxnSp>
-        <p:nvCxnSpPr>
-          <p:cNvPr id="9" name="Straight Arrow Connector 8"/>
-          <p:cNvCxnSpPr/>
-          <p:nvPr/>
-        </p:nvCxnSpPr>
-        <p:spPr>
-          <a:xfrm>
-            <a:off x="4206181" y="3193038"/>
-            <a:ext cx="231568" cy="951450"/>
-          </a:xfrm>
-          <a:prstGeom prst="straightConnector1">
-            <a:avLst/>
-          </a:prstGeom>
-          <a:ln w="38100">
-            <a:tailEnd type="triangle" w="lg" len="lg"/>
-          </a:ln>
-        </p:spPr>
-        <p:style>
-          <a:lnRef idx="1">
-            <a:schemeClr val="accent1"/>
-          </a:lnRef>
-          <a:fillRef idx="0">
-            <a:schemeClr val="accent1"/>
-          </a:fillRef>
-          <a:effectRef idx="0">
-            <a:schemeClr val="accent1"/>
-          </a:effectRef>
-          <a:fontRef idx="minor">
-            <a:schemeClr val="tx1"/>
-          </a:fontRef>
-        </p:style>
-      </p:cxnSp>
-    </p:spTree>
-    <p:extLst>
-      <p:ext uri="{BB962C8B-B14F-4D97-AF65-F5344CB8AC3E}">
-        <p14:creationId xmlns:p14="http://schemas.microsoft.com/office/powerpoint/2010/main" val="2426565669"/>
-      </p:ext>
-    </p:extLst>
-  </p:cSld>
-  <p:clrMapOvr>
-    <a:masterClrMapping/>
-  </p:clrMapOvr>
-  <p:transition>
-    <p:fade/>
-  </p:transition>
-</p:sld>
-</file>
-
-<file path=ppt/slides/slide12.xml><?xml version="1.0" encoding="utf-8"?>
-<p:sld xmlns:a="http://schemas.openxmlformats.org/drawingml/2006/main" xmlns:r="http://schemas.openxmlformats.org/officeDocument/2006/relationships" xmlns:p="http://schemas.openxmlformats.org/presentationml/2006/main">
-  <p:cSld>
-    <p:spTree>
-      <p:nvGrpSpPr>
-        <p:cNvPr id="1" name=""/>
-        <p:cNvGrpSpPr/>
-        <p:nvPr/>
-      </p:nvGrpSpPr>
-      <p:grpSpPr>
-        <a:xfrm>
-          <a:off x="0" y="0"/>
-          <a:ext cx="0" cy="0"/>
-          <a:chOff x="0" y="0"/>
-          <a:chExt cx="0" cy="0"/>
-        </a:xfrm>
-      </p:grpSpPr>
-      <p:sp>
-        <p:nvSpPr>
-          <p:cNvPr id="2" name="Title 1"/>
-          <p:cNvSpPr>
-            <a:spLocks noGrp="1"/>
-          </p:cNvSpPr>
-          <p:nvPr>
-            <p:ph type="title"/>
-          </p:nvPr>
-        </p:nvSpPr>
-        <p:spPr/>
-        <p:txBody>
-          <a:bodyPr/>
-          <a:lstStyle/>
-          <a:p>
-            <a:r>
-              <a:rPr lang="en-US" dirty="0" smtClean="0"/>
-              <a:t>Azure CLI (All Platforms)</a:t>
-            </a:r>
-            <a:endParaRPr lang="en-US" dirty="0"/>
-          </a:p>
-        </p:txBody>
-      </p:sp>
-      <p:sp>
-        <p:nvSpPr>
-          <p:cNvPr id="3" name="Content Placeholder 2"/>
-          <p:cNvSpPr>
-            <a:spLocks noGrp="1"/>
-          </p:cNvSpPr>
-          <p:nvPr>
-            <p:ph idx="1"/>
-          </p:nvPr>
-        </p:nvSpPr>
-        <p:spPr>
-          <a:xfrm>
-            <a:off x="519248" y="1447800"/>
-            <a:ext cx="11151916" cy="886140"/>
-          </a:xfrm>
-        </p:spPr>
-        <p:txBody>
-          <a:bodyPr/>
-          <a:lstStyle/>
-          <a:p>
-            <a:r>
-              <a:rPr lang="en-US" dirty="0"/>
-              <a:t>https://azure.microsoft.com/en-us/documentation/articles/xplat-cli/</a:t>
-            </a:r>
-          </a:p>
-        </p:txBody>
-      </p:sp>
-      <p:sp>
-        <p:nvSpPr>
-          <p:cNvPr id="4" name="Rectangle 3"/>
-          <p:cNvSpPr/>
-          <p:nvPr/>
-        </p:nvSpPr>
-        <p:spPr bwMode="auto">
-          <a:xfrm>
-            <a:off x="876001" y="3703058"/>
-            <a:ext cx="10438410" cy="1662545"/>
-          </a:xfrm>
-          <a:prstGeom prst="rect">
-            <a:avLst/>
-          </a:prstGeom>
-          <a:solidFill>
-            <a:schemeClr val="tx1">
-              <a:lumMod val="10000"/>
-              <a:lumOff val="90000"/>
-            </a:schemeClr>
-          </a:solidFill>
-          <a:ln w="38100">
-            <a:solidFill>
-              <a:schemeClr val="tx1">
-                <a:lumMod val="50000"/>
-                <a:lumOff val="50000"/>
-              </a:schemeClr>
-            </a:solidFill>
-            <a:headEnd type="none" w="med" len="med"/>
-            <a:tailEnd type="none" w="med" len="med"/>
-          </a:ln>
-          <a:effectLst/>
-        </p:spPr>
-        <p:style>
-          <a:lnRef idx="1">
-            <a:schemeClr val="accent2"/>
-          </a:lnRef>
-          <a:fillRef idx="3">
-            <a:schemeClr val="accent2"/>
-          </a:fillRef>
-          <a:effectRef idx="2">
-            <a:schemeClr val="accent2"/>
-          </a:effectRef>
-          <a:fontRef idx="minor">
-            <a:schemeClr val="lt1"/>
-          </a:fontRef>
-        </p:style>
-        <p:txBody>
-          <a:bodyPr vert="horz" wrap="square" lIns="91436" tIns="45718" rIns="91436" bIns="45718" numCol="1" rtlCol="0" anchor="ctr" anchorCtr="0" compatLnSpc="1">
-            <a:prstTxWarp prst="textNoShape">
-              <a:avLst/>
-            </a:prstTxWarp>
-          </a:bodyPr>
-          <a:lstStyle/>
-          <a:p>
-            <a:pPr defTabSz="914099" fontAlgn="base">
-              <a:spcBef>
-                <a:spcPct val="0"/>
-              </a:spcBef>
-              <a:spcAft>
-                <a:spcPct val="0"/>
-              </a:spcAft>
-            </a:pPr>
-            <a:r>
-              <a:rPr lang="en-US" sz="2200" dirty="0">
-                <a:solidFill>
-                  <a:schemeClr val="tx1"/>
-                </a:solidFill>
-                <a:latin typeface="Lucida Console" panose="020B0609040504020204" pitchFamily="49" charset="0"/>
-              </a:rPr>
-              <a:t> azure storage blob upload </a:t>
-            </a:r>
-            <a:r>
-              <a:rPr lang="en-US" sz="2200" dirty="0" smtClean="0">
-                <a:solidFill>
-                  <a:schemeClr val="tx1"/>
-                </a:solidFill>
-                <a:latin typeface="Lucida Console" panose="020B0609040504020204" pitchFamily="49" charset="0"/>
-              </a:rPr>
-              <a:t>banner.jpg </a:t>
-            </a:r>
-            <a:r>
-              <a:rPr lang="en-US" sz="2200" dirty="0">
-                <a:solidFill>
-                  <a:schemeClr val="tx1"/>
-                </a:solidFill>
-                <a:latin typeface="Lucida Console" panose="020B0609040504020204" pitchFamily="49" charset="0"/>
-              </a:rPr>
-              <a:t>images </a:t>
-            </a:r>
-            <a:r>
-              <a:rPr lang="en-US" sz="2200" dirty="0" smtClean="0">
-                <a:solidFill>
-                  <a:schemeClr val="tx1"/>
-                </a:solidFill>
-                <a:latin typeface="Lucida Console" panose="020B0609040504020204" pitchFamily="49" charset="0"/>
-              </a:rPr>
-              <a:t>banner.jpg</a:t>
-            </a:r>
-          </a:p>
-          <a:p>
-            <a:pPr defTabSz="914099" fontAlgn="base">
-              <a:spcBef>
-                <a:spcPct val="0"/>
-              </a:spcBef>
-              <a:spcAft>
-                <a:spcPct val="0"/>
-              </a:spcAft>
-            </a:pPr>
-            <a:r>
-              <a:rPr lang="en-US" sz="2200" dirty="0">
-                <a:solidFill>
-                  <a:schemeClr val="tx1"/>
-                </a:solidFill>
-                <a:latin typeface="Lucida Console" panose="020B0609040504020204" pitchFamily="49" charset="0"/>
-              </a:rPr>
-              <a:t> -a </a:t>
-            </a:r>
-            <a:r>
-              <a:rPr lang="en-US" sz="2200" dirty="0" smtClean="0">
-                <a:solidFill>
-                  <a:schemeClr val="tx1"/>
-                </a:solidFill>
-                <a:latin typeface="Lucida Console" panose="020B0609040504020204" pitchFamily="49" charset="0"/>
-              </a:rPr>
-              <a:t>a4rlabs </a:t>
-            </a:r>
-            <a:r>
-              <a:rPr lang="en-US" sz="2200" dirty="0">
-                <a:solidFill>
-                  <a:schemeClr val="tx1"/>
-                </a:solidFill>
-                <a:latin typeface="Lucida Console" panose="020B0609040504020204" pitchFamily="49" charset="0"/>
-              </a:rPr>
-              <a:t>-k [</a:t>
-            </a:r>
-            <a:r>
-              <a:rPr lang="en-US" sz="2200" dirty="0" err="1" smtClean="0">
-                <a:solidFill>
-                  <a:schemeClr val="tx1"/>
-                </a:solidFill>
-                <a:latin typeface="Lucida Console" panose="020B0609040504020204" pitchFamily="49" charset="0"/>
-              </a:rPr>
-              <a:t>accountkey</a:t>
-            </a:r>
-            <a:r>
-              <a:rPr lang="en-US" sz="2200" dirty="0" smtClean="0">
-                <a:solidFill>
-                  <a:schemeClr val="tx1"/>
-                </a:solidFill>
-                <a:latin typeface="Lucida Console" panose="020B0609040504020204" pitchFamily="49" charset="0"/>
-              </a:rPr>
-              <a:t>]</a:t>
-            </a:r>
-            <a:endParaRPr lang="en-US" sz="2200" dirty="0">
-              <a:solidFill>
-                <a:schemeClr val="tx1"/>
-              </a:solidFill>
-              <a:latin typeface="Lucida Console" panose="020B0609040504020204" pitchFamily="49" charset="0"/>
-            </a:endParaRPr>
-          </a:p>
-        </p:txBody>
-      </p:sp>
-      <p:sp>
-        <p:nvSpPr>
-          <p:cNvPr id="5" name="TextBox 4"/>
-          <p:cNvSpPr txBox="1"/>
-          <p:nvPr/>
-        </p:nvSpPr>
-        <p:spPr>
-          <a:xfrm>
-            <a:off x="3730776" y="2805240"/>
-            <a:ext cx="2364430" cy="387798"/>
-          </a:xfrm>
-          <a:prstGeom prst="rect">
-            <a:avLst/>
-          </a:prstGeom>
-          <a:noFill/>
-        </p:spPr>
-        <p:txBody>
-          <a:bodyPr wrap="none" lIns="0" tIns="0" rIns="0" bIns="0" rtlCol="0">
-            <a:spAutoFit/>
-          </a:bodyPr>
-          <a:lstStyle/>
-          <a:p>
-            <a:pPr>
-              <a:lnSpc>
-                <a:spcPct val="90000"/>
-              </a:lnSpc>
-              <a:spcBef>
-                <a:spcPct val="20000"/>
-              </a:spcBef>
-              <a:buSzPct val="80000"/>
-            </a:pPr>
-            <a:r>
-              <a:rPr lang="en-US" sz="2800" dirty="0" smtClean="0">
-                <a:solidFill>
-                  <a:schemeClr val="accent1"/>
-                </a:solidFill>
-              </a:rPr>
-              <a:t>Local file name</a:t>
-            </a:r>
-            <a:endParaRPr lang="en-US" sz="2800" dirty="0">
-              <a:solidFill>
-                <a:schemeClr val="accent1"/>
-              </a:solidFill>
-            </a:endParaRPr>
-          </a:p>
-        </p:txBody>
-      </p:sp>
-      <p:sp>
-        <p:nvSpPr>
-          <p:cNvPr id="6" name="TextBox 5"/>
-          <p:cNvSpPr txBox="1"/>
-          <p:nvPr/>
-        </p:nvSpPr>
-        <p:spPr>
-          <a:xfrm>
-            <a:off x="6424551" y="2805240"/>
-            <a:ext cx="2524730" cy="387798"/>
-          </a:xfrm>
-          <a:prstGeom prst="rect">
-            <a:avLst/>
-          </a:prstGeom>
-          <a:noFill/>
-        </p:spPr>
-        <p:txBody>
-          <a:bodyPr wrap="none" lIns="0" tIns="0" rIns="0" bIns="0" rtlCol="0">
-            <a:spAutoFit/>
-          </a:bodyPr>
-          <a:lstStyle/>
-          <a:p>
-            <a:pPr>
-              <a:lnSpc>
-                <a:spcPct val="90000"/>
-              </a:lnSpc>
-              <a:spcBef>
-                <a:spcPct val="20000"/>
-              </a:spcBef>
-              <a:buSzPct val="80000"/>
-            </a:pPr>
-            <a:r>
-              <a:rPr lang="en-US" sz="2800" dirty="0" smtClean="0">
-                <a:solidFill>
-                  <a:schemeClr val="accent1"/>
-                </a:solidFill>
-              </a:rPr>
-              <a:t>Container name</a:t>
-            </a:r>
-            <a:endParaRPr lang="en-US" sz="2800" dirty="0">
-              <a:solidFill>
-                <a:schemeClr val="accent1"/>
-              </a:solidFill>
-            </a:endParaRPr>
-          </a:p>
-        </p:txBody>
-      </p:sp>
-      <p:sp>
-        <p:nvSpPr>
-          <p:cNvPr id="7" name="TextBox 6"/>
-          <p:cNvSpPr txBox="1"/>
-          <p:nvPr/>
-        </p:nvSpPr>
-        <p:spPr>
-          <a:xfrm>
-            <a:off x="9147151" y="2805240"/>
-            <a:ext cx="1694375" cy="387798"/>
-          </a:xfrm>
-          <a:prstGeom prst="rect">
-            <a:avLst/>
-          </a:prstGeom>
-          <a:noFill/>
-        </p:spPr>
-        <p:txBody>
-          <a:bodyPr wrap="none" lIns="0" tIns="0" rIns="0" bIns="0" rtlCol="0">
-            <a:spAutoFit/>
-          </a:bodyPr>
-          <a:lstStyle/>
-          <a:p>
-            <a:pPr>
-              <a:lnSpc>
-                <a:spcPct val="90000"/>
-              </a:lnSpc>
-              <a:spcBef>
-                <a:spcPct val="20000"/>
-              </a:spcBef>
-              <a:buSzPct val="80000"/>
-            </a:pPr>
-            <a:r>
-              <a:rPr lang="en-US" sz="2800" dirty="0" smtClean="0">
-                <a:solidFill>
-                  <a:schemeClr val="accent1"/>
-                </a:solidFill>
-              </a:rPr>
-              <a:t>Blob name</a:t>
-            </a:r>
-            <a:endParaRPr lang="en-US" sz="2800" dirty="0">
-              <a:solidFill>
-                <a:schemeClr val="accent1"/>
-              </a:solidFill>
-            </a:endParaRPr>
-          </a:p>
-        </p:txBody>
-      </p:sp>
-      <p:cxnSp>
-        <p:nvCxnSpPr>
-          <p:cNvPr id="9" name="Straight Arrow Connector 8"/>
-          <p:cNvCxnSpPr/>
-          <p:nvPr/>
-        </p:nvCxnSpPr>
-        <p:spPr>
-          <a:xfrm>
-            <a:off x="5545777" y="3193038"/>
-            <a:ext cx="463137" cy="951450"/>
-          </a:xfrm>
-          <a:prstGeom prst="straightConnector1">
-            <a:avLst/>
-          </a:prstGeom>
-          <a:ln w="38100">
-            <a:tailEnd type="triangle" w="lg" len="lg"/>
-          </a:ln>
-        </p:spPr>
-        <p:style>
-          <a:lnRef idx="1">
-            <a:schemeClr val="accent1"/>
-          </a:lnRef>
-          <a:fillRef idx="0">
-            <a:schemeClr val="accent1"/>
-          </a:fillRef>
-          <a:effectRef idx="0">
-            <a:schemeClr val="accent1"/>
-          </a:effectRef>
-          <a:fontRef idx="minor">
-            <a:schemeClr val="tx1"/>
-          </a:fontRef>
-        </p:style>
-      </p:cxnSp>
-      <p:cxnSp>
-        <p:nvCxnSpPr>
-          <p:cNvPr id="10" name="Straight Arrow Connector 9"/>
-          <p:cNvCxnSpPr/>
-          <p:nvPr/>
-        </p:nvCxnSpPr>
-        <p:spPr>
-          <a:xfrm>
-            <a:off x="7508181" y="3193038"/>
-            <a:ext cx="231568" cy="951450"/>
-          </a:xfrm>
-          <a:prstGeom prst="straightConnector1">
-            <a:avLst/>
-          </a:prstGeom>
-          <a:ln w="38100">
-            <a:tailEnd type="triangle" w="lg" len="lg"/>
-          </a:ln>
-        </p:spPr>
-        <p:style>
-          <a:lnRef idx="1">
-            <a:schemeClr val="accent1"/>
-          </a:lnRef>
-          <a:fillRef idx="0">
-            <a:schemeClr val="accent1"/>
-          </a:fillRef>
-          <a:effectRef idx="0">
-            <a:schemeClr val="accent1"/>
-          </a:effectRef>
-          <a:fontRef idx="minor">
-            <a:schemeClr val="tx1"/>
-          </a:fontRef>
-        </p:style>
-      </p:cxnSp>
-      <p:cxnSp>
-        <p:nvCxnSpPr>
-          <p:cNvPr id="12" name="Straight Arrow Connector 11"/>
-          <p:cNvCxnSpPr/>
-          <p:nvPr/>
-        </p:nvCxnSpPr>
-        <p:spPr>
-          <a:xfrm flipH="1">
-            <a:off x="9239016" y="3193038"/>
-            <a:ext cx="289998" cy="951450"/>
-          </a:xfrm>
-          <a:prstGeom prst="straightConnector1">
-            <a:avLst/>
-          </a:prstGeom>
-          <a:ln w="38100">
-            <a:tailEnd type="triangle" w="lg" len="lg"/>
-          </a:ln>
-        </p:spPr>
-        <p:style>
-          <a:lnRef idx="1">
-            <a:schemeClr val="accent1"/>
-          </a:lnRef>
-          <a:fillRef idx="0">
-            <a:schemeClr val="accent1"/>
-          </a:fillRef>
-          <a:effectRef idx="0">
-            <a:schemeClr val="accent1"/>
-          </a:effectRef>
-          <a:fontRef idx="minor">
-            <a:schemeClr val="tx1"/>
-          </a:fontRef>
-        </p:style>
-      </p:cxnSp>
-    </p:spTree>
-    <p:extLst>
-      <p:ext uri="{BB962C8B-B14F-4D97-AF65-F5344CB8AC3E}">
-        <p14:creationId xmlns:p14="http://schemas.microsoft.com/office/powerpoint/2010/main" val="3305319333"/>
-      </p:ext>
-    </p:extLst>
-  </p:cSld>
-  <p:clrMapOvr>
-    <a:masterClrMapping/>
-  </p:clrMapOvr>
-  <p:transition>
-    <p:fade/>
-  </p:transition>
-</p:sld>
-</file>
-
-<file path=ppt/slides/slide13.xml><?xml version="1.0" encoding="utf-8"?>
-<p:sld xmlns:a="http://schemas.openxmlformats.org/drawingml/2006/main" xmlns:r="http://schemas.openxmlformats.org/officeDocument/2006/relationships" xmlns:p="http://schemas.openxmlformats.org/presentationml/2006/main">
-  <p:cSld>
-    <p:spTree>
-      <p:nvGrpSpPr>
-        <p:cNvPr id="1" name=""/>
-        <p:cNvGrpSpPr/>
-        <p:nvPr/>
-      </p:nvGrpSpPr>
-      <p:grpSpPr>
-        <a:xfrm>
-          <a:off x="0" y="0"/>
-          <a:ext cx="0" cy="0"/>
-          <a:chOff x="0" y="0"/>
-          <a:chExt cx="0" cy="0"/>
-        </a:xfrm>
-      </p:grpSpPr>
-      <p:sp>
-        <p:nvSpPr>
-          <p:cNvPr id="2" name="Title 1"/>
-          <p:cNvSpPr>
-            <a:spLocks noGrp="1"/>
-          </p:cNvSpPr>
-          <p:nvPr>
-            <p:ph type="ctrTitle"/>
-          </p:nvPr>
-        </p:nvSpPr>
-        <p:spPr>
-          <a:xfrm>
-            <a:off x="1889616" y="1447800"/>
-            <a:ext cx="7076253" cy="1523494"/>
-          </a:xfrm>
-        </p:spPr>
-        <p:txBody>
-          <a:bodyPr/>
-          <a:lstStyle/>
-          <a:p>
-            <a:r>
-              <a:rPr lang="en-US" dirty="0" smtClean="0"/>
-              <a:t>Demo</a:t>
-            </a:r>
-            <a:endParaRPr lang="en-US" dirty="0"/>
-          </a:p>
-        </p:txBody>
-      </p:sp>
-      <p:sp>
-        <p:nvSpPr>
-          <p:cNvPr id="3" name="Subtitle 2"/>
-          <p:cNvSpPr>
-            <a:spLocks noGrp="1"/>
-          </p:cNvSpPr>
-          <p:nvPr>
-            <p:ph type="subTitle" idx="1"/>
-          </p:nvPr>
-        </p:nvSpPr>
-        <p:spPr/>
-        <p:txBody>
-          <a:bodyPr/>
-          <a:lstStyle/>
-          <a:p>
-            <a:endParaRPr lang="en-US"/>
-          </a:p>
-        </p:txBody>
-      </p:sp>
-      <p:sp>
-        <p:nvSpPr>
-          <p:cNvPr id="4" name="Text Placeholder 3"/>
-          <p:cNvSpPr>
-            <a:spLocks noGrp="1"/>
-          </p:cNvSpPr>
-          <p:nvPr>
-            <p:ph type="body" sz="quarter" idx="10"/>
-          </p:nvPr>
-        </p:nvSpPr>
-        <p:spPr/>
-        <p:txBody>
-          <a:bodyPr/>
-          <a:lstStyle/>
-          <a:p>
-            <a:r>
-              <a:rPr lang="en-US" dirty="0" smtClean="0"/>
-              <a:t>Uploading a Blob</a:t>
-            </a:r>
-            <a:endParaRPr lang="en-US" dirty="0"/>
-          </a:p>
-        </p:txBody>
-      </p:sp>
-    </p:spTree>
-    <p:extLst>
-      <p:ext uri="{BB962C8B-B14F-4D97-AF65-F5344CB8AC3E}">
-        <p14:creationId xmlns:p14="http://schemas.microsoft.com/office/powerpoint/2010/main" val="505314086"/>
-      </p:ext>
-    </p:extLst>
-  </p:cSld>
-  <p:clrMapOvr>
-    <a:masterClrMapping/>
-  </p:clrMapOvr>
-  <p:transition>
-    <p:fade/>
-  </p:transition>
-</p:sld>
-</file>
-
-<file path=ppt/slides/slide14.xml><?xml version="1.0" encoding="utf-8"?>
-<p:sld xmlns:a="http://schemas.openxmlformats.org/drawingml/2006/main" xmlns:r="http://schemas.openxmlformats.org/officeDocument/2006/relationships" xmlns:p="http://schemas.openxmlformats.org/presentationml/2006/main">
-  <p:cSld>
-    <p:spTree>
-      <p:nvGrpSpPr>
-        <p:cNvPr id="1" name=""/>
-        <p:cNvGrpSpPr/>
-        <p:nvPr/>
-      </p:nvGrpSpPr>
-      <p:grpSpPr>
-        <a:xfrm>
-          <a:off x="0" y="0"/>
-          <a:ext cx="0" cy="0"/>
-          <a:chOff x="0" y="0"/>
-          <a:chExt cx="0" cy="0"/>
-        </a:xfrm>
-      </p:grpSpPr>
-      <p:sp>
-        <p:nvSpPr>
-          <p:cNvPr id="2" name="Title 1"/>
-          <p:cNvSpPr>
-            <a:spLocks noGrp="1"/>
-          </p:cNvSpPr>
-          <p:nvPr>
-            <p:ph type="title"/>
-          </p:nvPr>
-        </p:nvSpPr>
-        <p:spPr/>
-        <p:txBody>
-          <a:bodyPr/>
-          <a:lstStyle/>
-          <a:p>
-            <a:r>
-              <a:rPr lang="en-US" dirty="0" smtClean="0"/>
-              <a:t>Scripting the Azure CLI</a:t>
-            </a:r>
-            <a:endParaRPr lang="en-US" dirty="0"/>
-          </a:p>
-        </p:txBody>
-      </p:sp>
-      <p:sp>
-        <p:nvSpPr>
-          <p:cNvPr id="3" name="Content Placeholder 2"/>
-          <p:cNvSpPr>
-            <a:spLocks noGrp="1"/>
-          </p:cNvSpPr>
-          <p:nvPr>
-            <p:ph idx="1"/>
-          </p:nvPr>
-        </p:nvSpPr>
-        <p:spPr>
-          <a:xfrm>
-            <a:off x="519248" y="1447800"/>
-            <a:ext cx="11151916" cy="886140"/>
-          </a:xfrm>
-        </p:spPr>
-        <p:txBody>
-          <a:bodyPr/>
-          <a:lstStyle/>
-          <a:p>
-            <a:r>
-              <a:rPr lang="en-US" dirty="0" smtClean="0"/>
-              <a:t>CLI commands can be scripted to automate common storage tasks such as uploading groups of files</a:t>
-            </a:r>
-          </a:p>
-        </p:txBody>
-      </p:sp>
-      <p:sp>
-        <p:nvSpPr>
-          <p:cNvPr id="4" name="Rectangle 3"/>
-          <p:cNvSpPr/>
-          <p:nvPr/>
-        </p:nvSpPr>
-        <p:spPr bwMode="auto">
-          <a:xfrm>
-            <a:off x="876001" y="2805859"/>
-            <a:ext cx="10438410" cy="3013050"/>
-          </a:xfrm>
-          <a:prstGeom prst="rect">
-            <a:avLst/>
-          </a:prstGeom>
-          <a:solidFill>
-            <a:schemeClr val="tx1">
-              <a:lumMod val="10000"/>
-              <a:lumOff val="90000"/>
-            </a:schemeClr>
-          </a:solidFill>
-          <a:ln w="38100">
-            <a:solidFill>
-              <a:schemeClr val="tx1">
-                <a:lumMod val="50000"/>
-                <a:lumOff val="50000"/>
-              </a:schemeClr>
-            </a:solidFill>
-            <a:headEnd type="none" w="med" len="med"/>
-            <a:tailEnd type="none" w="med" len="med"/>
-          </a:ln>
-          <a:effectLst/>
-        </p:spPr>
-        <p:style>
-          <a:lnRef idx="1">
-            <a:schemeClr val="accent2"/>
-          </a:lnRef>
-          <a:fillRef idx="3">
-            <a:schemeClr val="accent2"/>
-          </a:fillRef>
-          <a:effectRef idx="2">
-            <a:schemeClr val="accent2"/>
-          </a:effectRef>
-          <a:fontRef idx="minor">
-            <a:schemeClr val="lt1"/>
-          </a:fontRef>
-        </p:style>
-        <p:txBody>
-          <a:bodyPr vert="horz" wrap="square" lIns="91436" tIns="45718" rIns="91436" bIns="45718" numCol="1" rtlCol="0" anchor="ctr" anchorCtr="0" compatLnSpc="1">
-            <a:prstTxWarp prst="textNoShape">
-              <a:avLst/>
-            </a:prstTxWarp>
-          </a:bodyPr>
-          <a:lstStyle/>
-          <a:p>
-            <a:pPr defTabSz="914099" fontAlgn="base">
-              <a:spcBef>
-                <a:spcPct val="0"/>
-              </a:spcBef>
-              <a:spcAft>
-                <a:spcPct val="0"/>
-              </a:spcAft>
-            </a:pPr>
-            <a:r>
-              <a:rPr lang="en-US" sz="2200" dirty="0" smtClean="0">
-                <a:solidFill>
-                  <a:schemeClr val="tx1"/>
-                </a:solidFill>
-                <a:latin typeface="Lucida Console" panose="020B0609040504020204" pitchFamily="49" charset="0"/>
-              </a:rPr>
-              <a:t> # Bash script for uploading JPG files in current directory</a:t>
-            </a:r>
-          </a:p>
-          <a:p>
-            <a:pPr defTabSz="914099" fontAlgn="base">
-              <a:spcBef>
-                <a:spcPct val="0"/>
-              </a:spcBef>
-              <a:spcAft>
-                <a:spcPct val="0"/>
-              </a:spcAft>
-            </a:pPr>
-            <a:r>
-              <a:rPr lang="en-US" sz="2200" dirty="0">
-                <a:solidFill>
-                  <a:schemeClr val="tx1"/>
-                </a:solidFill>
-                <a:latin typeface="Lucida Console" panose="020B0609040504020204" pitchFamily="49" charset="0"/>
-              </a:rPr>
-              <a:t> </a:t>
-            </a:r>
-            <a:r>
-              <a:rPr lang="en-US" sz="2200" dirty="0" smtClean="0">
-                <a:solidFill>
-                  <a:schemeClr val="tx1"/>
-                </a:solidFill>
-                <a:latin typeface="Lucida Console" panose="020B0609040504020204" pitchFamily="49" charset="0"/>
-              </a:rPr>
-              <a:t># to "images" container in "a4rlabs" storage account  </a:t>
-            </a:r>
-          </a:p>
-          <a:p>
-            <a:pPr defTabSz="914099" fontAlgn="base">
-              <a:spcBef>
-                <a:spcPct val="0"/>
-              </a:spcBef>
-              <a:spcAft>
-                <a:spcPct val="0"/>
-              </a:spcAft>
-            </a:pPr>
-            <a:r>
-              <a:rPr lang="en-US" sz="2200" dirty="0" smtClean="0">
-                <a:solidFill>
-                  <a:schemeClr val="tx1"/>
-                </a:solidFill>
-                <a:latin typeface="Lucida Console" panose="020B0609040504020204" pitchFamily="49" charset="0"/>
-              </a:rPr>
-              <a:t> for </a:t>
-            </a:r>
-            <a:r>
-              <a:rPr lang="en-US" sz="2200" dirty="0">
-                <a:solidFill>
-                  <a:schemeClr val="tx1"/>
-                </a:solidFill>
-                <a:latin typeface="Lucida Console" panose="020B0609040504020204" pitchFamily="49" charset="0"/>
-              </a:rPr>
-              <a:t>f in *.jpg </a:t>
-            </a:r>
-          </a:p>
-          <a:p>
-            <a:pPr defTabSz="914099" fontAlgn="base">
-              <a:spcBef>
-                <a:spcPct val="0"/>
-              </a:spcBef>
-              <a:spcAft>
-                <a:spcPct val="0"/>
-              </a:spcAft>
-            </a:pPr>
-            <a:r>
-              <a:rPr lang="en-US" sz="2200" dirty="0" smtClean="0">
-                <a:solidFill>
-                  <a:schemeClr val="tx1"/>
-                </a:solidFill>
-                <a:latin typeface="Lucida Console" panose="020B0609040504020204" pitchFamily="49" charset="0"/>
-              </a:rPr>
-              <a:t> do </a:t>
-            </a:r>
-            <a:endParaRPr lang="en-US" sz="2200" dirty="0">
-              <a:solidFill>
-                <a:schemeClr val="tx1"/>
-              </a:solidFill>
-              <a:latin typeface="Lucida Console" panose="020B0609040504020204" pitchFamily="49" charset="0"/>
-            </a:endParaRPr>
-          </a:p>
-          <a:p>
-            <a:pPr defTabSz="914099" fontAlgn="base">
-              <a:spcBef>
-                <a:spcPct val="0"/>
-              </a:spcBef>
-              <a:spcAft>
-                <a:spcPct val="0"/>
-              </a:spcAft>
-            </a:pPr>
-            <a:r>
-              <a:rPr lang="en-US" sz="2200" dirty="0">
-                <a:solidFill>
-                  <a:schemeClr val="tx1"/>
-                </a:solidFill>
-                <a:latin typeface="Lucida Console" panose="020B0609040504020204" pitchFamily="49" charset="0"/>
-              </a:rPr>
-              <a:t> </a:t>
-            </a:r>
-            <a:r>
-              <a:rPr lang="en-US" sz="2200" dirty="0" smtClean="0">
-                <a:solidFill>
-                  <a:schemeClr val="tx1"/>
-                </a:solidFill>
-                <a:latin typeface="Lucida Console" panose="020B0609040504020204" pitchFamily="49" charset="0"/>
-              </a:rPr>
-              <a:t>    azure </a:t>
-            </a:r>
-            <a:r>
-              <a:rPr lang="en-US" sz="2200" dirty="0">
-                <a:solidFill>
-                  <a:schemeClr val="tx1"/>
-                </a:solidFill>
-                <a:latin typeface="Lucida Console" panose="020B0609040504020204" pitchFamily="49" charset="0"/>
-              </a:rPr>
-              <a:t>storage blob upload -a </a:t>
-            </a:r>
-            <a:r>
-              <a:rPr lang="en-US" sz="2200" dirty="0" smtClean="0">
-                <a:solidFill>
-                  <a:schemeClr val="tx1"/>
-                </a:solidFill>
-                <a:latin typeface="Lucida Console" panose="020B0609040504020204" pitchFamily="49" charset="0"/>
-              </a:rPr>
-              <a:t>a4rlabs</a:t>
-            </a:r>
-          </a:p>
-          <a:p>
-            <a:pPr defTabSz="914099" fontAlgn="base">
-              <a:spcBef>
-                <a:spcPct val="0"/>
-              </a:spcBef>
-              <a:spcAft>
-                <a:spcPct val="0"/>
-              </a:spcAft>
-            </a:pPr>
-            <a:r>
-              <a:rPr lang="en-US" sz="2200" dirty="0">
-                <a:solidFill>
-                  <a:schemeClr val="tx1"/>
-                </a:solidFill>
-                <a:latin typeface="Lucida Console" panose="020B0609040504020204" pitchFamily="49" charset="0"/>
-              </a:rPr>
-              <a:t> </a:t>
-            </a:r>
-            <a:r>
-              <a:rPr lang="en-US" sz="2200" dirty="0" smtClean="0">
-                <a:solidFill>
-                  <a:schemeClr val="tx1"/>
-                </a:solidFill>
-                <a:latin typeface="Lucida Console" panose="020B0609040504020204" pitchFamily="49" charset="0"/>
-              </a:rPr>
-              <a:t>    -</a:t>
-            </a:r>
-            <a:r>
-              <a:rPr lang="en-US" sz="2200" dirty="0">
-                <a:solidFill>
-                  <a:schemeClr val="tx1"/>
-                </a:solidFill>
-                <a:latin typeface="Lucida Console" panose="020B0609040504020204" pitchFamily="49" charset="0"/>
-              </a:rPr>
-              <a:t>k [</a:t>
-            </a:r>
-            <a:r>
-              <a:rPr lang="en-US" sz="2200" dirty="0" err="1">
-                <a:solidFill>
-                  <a:schemeClr val="tx1"/>
-                </a:solidFill>
-                <a:latin typeface="Lucida Console" panose="020B0609040504020204" pitchFamily="49" charset="0"/>
-              </a:rPr>
-              <a:t>accountkey</a:t>
-            </a:r>
-            <a:r>
-              <a:rPr lang="en-US" sz="2200" dirty="0">
-                <a:solidFill>
-                  <a:schemeClr val="tx1"/>
-                </a:solidFill>
-                <a:latin typeface="Lucida Console" panose="020B0609040504020204" pitchFamily="49" charset="0"/>
-              </a:rPr>
-              <a:t>] "${f##*/}" images "${f##*/}" </a:t>
-            </a:r>
-          </a:p>
-          <a:p>
-            <a:pPr defTabSz="914099" fontAlgn="base">
-              <a:spcBef>
-                <a:spcPct val="0"/>
-              </a:spcBef>
-              <a:spcAft>
-                <a:spcPct val="0"/>
-              </a:spcAft>
-            </a:pPr>
-            <a:r>
-              <a:rPr lang="en-US" sz="2200" dirty="0" smtClean="0">
-                <a:solidFill>
-                  <a:schemeClr val="tx1"/>
-                </a:solidFill>
-                <a:latin typeface="Lucida Console" panose="020B0609040504020204" pitchFamily="49" charset="0"/>
-              </a:rPr>
-              <a:t> done</a:t>
-            </a:r>
-            <a:endParaRPr lang="en-US" sz="2200" dirty="0">
-              <a:solidFill>
-                <a:schemeClr val="tx1"/>
-              </a:solidFill>
-              <a:latin typeface="Lucida Console" panose="020B0609040504020204" pitchFamily="49" charset="0"/>
-            </a:endParaRPr>
-          </a:p>
-        </p:txBody>
-      </p:sp>
-    </p:spTree>
-    <p:extLst>
-      <p:ext uri="{BB962C8B-B14F-4D97-AF65-F5344CB8AC3E}">
-        <p14:creationId xmlns:p14="http://schemas.microsoft.com/office/powerpoint/2010/main" val="1120086422"/>
-      </p:ext>
-    </p:extLst>
-  </p:cSld>
-  <p:clrMapOvr>
-    <a:masterClrMapping/>
-  </p:clrMapOvr>
-  <p:transition>
-    <p:fade/>
-  </p:transition>
-</p:sld>
-</file>
-
-<file path=ppt/slides/slide15.xml><?xml version="1.0" encoding="utf-8"?>
 <p:sld xmlns:a="http://schemas.openxmlformats.org/drawingml/2006/main" xmlns:r="http://schemas.openxmlformats.org/officeDocument/2006/relationships" xmlns:p="http://schemas.openxmlformats.org/presentationml/2006/main">
   <p:cSld>
     <p:spTree>
@@ -13077,6 +11589,8 @@
                   </a:gsLst>
                   <a:lin ang="5400000" scaled="0"/>
                 </a:gradFill>
+                <a:latin typeface="Segoe UI Light" panose="020B0502040204020203" pitchFamily="34" charset="0"/>
+                <a:cs typeface="Segoe UI Light" panose="020B0502040204020203" pitchFamily="34" charset="0"/>
               </a:rPr>
               <a:t>Blobs</a:t>
             </a:r>
@@ -13098,7 +11612,7 @@
             <a:avLst/>
           </a:prstGeom>
           <a:solidFill>
-            <a:schemeClr val="accent2"/>
+            <a:srgbClr val="CC99FF"/>
           </a:solidFill>
           <a:ln>
             <a:noFill/>
@@ -13150,6 +11664,8 @@
                   </a:gsLst>
                   <a:lin ang="5400000" scaled="0"/>
                 </a:gradFill>
+                <a:latin typeface="Segoe UI Light" panose="020B0502040204020203" pitchFamily="34" charset="0"/>
+                <a:cs typeface="Segoe UI Light" panose="020B0502040204020203" pitchFamily="34" charset="0"/>
               </a:rPr>
               <a:t>Tables</a:t>
             </a:r>
@@ -13165,6 +11681,8 @@
                 </a:gsLst>
                 <a:lin ang="5400000" scaled="0"/>
               </a:gradFill>
+              <a:latin typeface="Segoe UI Light" panose="020B0502040204020203" pitchFamily="34" charset="0"/>
+              <a:cs typeface="Segoe UI Light" panose="020B0502040204020203" pitchFamily="34" charset="0"/>
             </a:endParaRPr>
           </a:p>
         </p:txBody>
@@ -13184,7 +11702,7 @@
             <a:avLst/>
           </a:prstGeom>
           <a:solidFill>
-            <a:schemeClr val="accent2"/>
+            <a:srgbClr val="CC99FF"/>
           </a:solidFill>
           <a:ln>
             <a:noFill/>
@@ -13236,6 +11754,8 @@
                   </a:gsLst>
                   <a:lin ang="5400000" scaled="0"/>
                 </a:gradFill>
+                <a:latin typeface="Segoe UI Light" panose="020B0502040204020203" pitchFamily="34" charset="0"/>
+                <a:cs typeface="Segoe UI Light" panose="020B0502040204020203" pitchFamily="34" charset="0"/>
               </a:rPr>
               <a:t>Queues</a:t>
             </a:r>
@@ -13251,6 +11771,8 @@
                 </a:gsLst>
                 <a:lin ang="5400000" scaled="0"/>
               </a:gradFill>
+              <a:latin typeface="Segoe UI Light" panose="020B0502040204020203" pitchFamily="34" charset="0"/>
+              <a:cs typeface="Segoe UI Light" panose="020B0502040204020203" pitchFamily="34" charset="0"/>
             </a:endParaRPr>
           </a:p>
         </p:txBody>
@@ -13270,7 +11792,7 @@
             <a:avLst/>
           </a:prstGeom>
           <a:solidFill>
-            <a:schemeClr val="accent2"/>
+            <a:srgbClr val="CC99FF"/>
           </a:solidFill>
           <a:ln>
             <a:noFill/>
@@ -13322,6 +11844,8 @@
                   </a:gsLst>
                   <a:lin ang="5400000" scaled="0"/>
                 </a:gradFill>
+                <a:latin typeface="Segoe UI Light" panose="020B0502040204020203" pitchFamily="34" charset="0"/>
+                <a:cs typeface="Segoe UI Light" panose="020B0502040204020203" pitchFamily="34" charset="0"/>
               </a:rPr>
               <a:t>Files</a:t>
             </a:r>
@@ -13337,6 +11861,8 @@
                 </a:gsLst>
                 <a:lin ang="5400000" scaled="0"/>
               </a:gradFill>
+              <a:latin typeface="Segoe UI Light" panose="020B0502040204020203" pitchFamily="34" charset="0"/>
+              <a:cs typeface="Segoe UI Light" panose="020B0502040204020203" pitchFamily="34" charset="0"/>
             </a:endParaRPr>
           </a:p>
         </p:txBody>
@@ -13356,7 +11882,7 @@
             <a:avLst/>
           </a:prstGeom>
           <a:solidFill>
-            <a:schemeClr val="accent2"/>
+            <a:srgbClr val="CC99FF"/>
           </a:solidFill>
           <a:ln w="57150">
             <a:solidFill>
@@ -13428,7 +11954,7 @@
             <a:avLst/>
           </a:prstGeom>
           <a:solidFill>
-            <a:schemeClr val="accent2"/>
+            <a:srgbClr val="CC99FF"/>
           </a:solidFill>
           <a:ln w="57150">
             <a:solidFill>
@@ -13500,7 +12026,7 @@
             <a:avLst/>
           </a:prstGeom>
           <a:solidFill>
-            <a:schemeClr val="accent2"/>
+            <a:srgbClr val="CC99FF"/>
           </a:solidFill>
           <a:ln w="57150">
             <a:solidFill>
@@ -13572,7 +12098,7 @@
             <a:avLst/>
           </a:prstGeom>
           <a:solidFill>
-            <a:schemeClr val="accent2"/>
+            <a:srgbClr val="CC99FF"/>
           </a:solidFill>
           <a:ln w="57150">
             <a:solidFill>
@@ -13644,7 +12170,7 @@
             <a:avLst/>
           </a:prstGeom>
           <a:solidFill>
-            <a:schemeClr val="accent2"/>
+            <a:srgbClr val="CC99FF"/>
           </a:solidFill>
           <a:ln w="57150">
             <a:solidFill>
@@ -13716,7 +12242,7 @@
             <a:avLst/>
           </a:prstGeom>
           <a:solidFill>
-            <a:schemeClr val="accent2"/>
+            <a:srgbClr val="CC99FF"/>
           </a:solidFill>
           <a:ln w="57150">
             <a:solidFill>
@@ -13788,7 +12314,7 @@
             <a:avLst/>
           </a:prstGeom>
           <a:solidFill>
-            <a:schemeClr val="accent2"/>
+            <a:srgbClr val="CC99FF"/>
           </a:solidFill>
           <a:ln w="57150">
             <a:solidFill>
@@ -13860,7 +12386,7 @@
             <a:avLst/>
           </a:prstGeom>
           <a:solidFill>
-            <a:schemeClr val="accent2"/>
+            <a:srgbClr val="CC99FF"/>
           </a:solidFill>
           <a:ln w="57150">
             <a:solidFill>
@@ -13932,7 +12458,7 @@
             <a:avLst/>
           </a:prstGeom>
           <a:solidFill>
-            <a:schemeClr val="accent2"/>
+            <a:srgbClr val="CC99FF"/>
           </a:solidFill>
           <a:ln w="57150">
             <a:solidFill>
@@ -14004,7 +12530,7 @@
             <a:avLst/>
           </a:prstGeom>
           <a:solidFill>
-            <a:schemeClr val="accent2"/>
+            <a:srgbClr val="CC99FF"/>
           </a:solidFill>
           <a:ln w="57150">
             <a:solidFill>
@@ -14076,7 +12602,7 @@
             <a:avLst/>
           </a:prstGeom>
           <a:solidFill>
-            <a:schemeClr val="accent2"/>
+            <a:srgbClr val="CC99FF"/>
           </a:solidFill>
           <a:ln w="57150">
             <a:solidFill>
@@ -14148,7 +12674,7 @@
             <a:avLst/>
           </a:prstGeom>
           <a:solidFill>
-            <a:schemeClr val="accent2"/>
+            <a:srgbClr val="CC99FF"/>
           </a:solidFill>
           <a:ln w="57150">
             <a:solidFill>
@@ -14213,14 +12739,14 @@
         </p:nvSpPr>
         <p:spPr bwMode="auto">
           <a:xfrm>
-            <a:off x="6707908" y="3686175"/>
-            <a:ext cx="1521691" cy="933450"/>
+            <a:off x="6718300" y="3686175"/>
+            <a:ext cx="1511300" cy="933450"/>
           </a:xfrm>
           <a:prstGeom prst="rightArrow">
             <a:avLst/>
           </a:prstGeom>
           <a:solidFill>
-            <a:schemeClr val="accent2"/>
+            <a:srgbClr val="CC99FF"/>
           </a:solidFill>
           <a:ln w="57150">
             <a:solidFill>
@@ -14432,6 +12958,13 @@
   <p:transition>
     <p:fade/>
   </p:transition>
+  <p:timing>
+    <p:tnLst>
+      <p:par>
+        <p:cTn id="1" dur="indefinite" restart="never" nodeType="tmRoot"/>
+      </p:par>
+    </p:tnLst>
+  </p:timing>
 </p:sld>
 </file>
 
@@ -14454,6 +12987,155 @@
       </p:grpSpPr>
       <p:sp>
         <p:nvSpPr>
+          <p:cNvPr id="38" name="Rounded Rectangle 37"/>
+          <p:cNvSpPr/>
+          <p:nvPr/>
+        </p:nvSpPr>
+        <p:spPr bwMode="auto">
+          <a:xfrm>
+            <a:off x="1688123" y="1225340"/>
+            <a:ext cx="2331218" cy="3728497"/>
+          </a:xfrm>
+          <a:prstGeom prst="roundRect">
+            <a:avLst>
+              <a:gd name="adj" fmla="val 12442"/>
+            </a:avLst>
+          </a:prstGeom>
+          <a:solidFill>
+            <a:schemeClr val="bg1"/>
+          </a:solidFill>
+          <a:ln w="57150">
+            <a:solidFill>
+              <a:schemeClr val="accent2"/>
+            </a:solidFill>
+            <a:headEnd type="none" w="med" len="med"/>
+            <a:tailEnd type="none" w="med" len="med"/>
+          </a:ln>
+          <a:effectLst/>
+        </p:spPr>
+        <p:style>
+          <a:lnRef idx="1">
+            <a:schemeClr val="accent2"/>
+          </a:lnRef>
+          <a:fillRef idx="3">
+            <a:schemeClr val="accent2"/>
+          </a:fillRef>
+          <a:effectRef idx="2">
+            <a:schemeClr val="accent2"/>
+          </a:effectRef>
+          <a:fontRef idx="minor">
+            <a:schemeClr val="lt1"/>
+          </a:fontRef>
+        </p:style>
+        <p:txBody>
+          <a:bodyPr vert="horz" wrap="square" lIns="91436" tIns="45718" rIns="91436" bIns="45718" numCol="1" rtlCol="0" anchor="t" anchorCtr="0" compatLnSpc="1">
+            <a:prstTxWarp prst="textNoShape">
+              <a:avLst/>
+            </a:prstTxWarp>
+          </a:bodyPr>
+          <a:lstStyle/>
+          <a:p>
+            <a:pPr algn="ctr" defTabSz="914099" fontAlgn="base">
+              <a:spcBef>
+                <a:spcPct val="0"/>
+              </a:spcBef>
+              <a:spcAft>
+                <a:spcPct val="0"/>
+              </a:spcAft>
+            </a:pPr>
+            <a:r>
+              <a:rPr lang="en-US" sz="3200" dirty="0" smtClean="0">
+                <a:solidFill>
+                  <a:schemeClr val="accent2"/>
+                </a:solidFill>
+                <a:latin typeface="Segoe UI Light" panose="020B0502040204020203" pitchFamily="34" charset="0"/>
+                <a:cs typeface="Segoe UI Light" panose="020B0502040204020203" pitchFamily="34" charset="0"/>
+              </a:rPr>
+              <a:t>Accounts</a:t>
+            </a:r>
+            <a:endParaRPr lang="en-US" sz="3200" dirty="0" smtClean="0">
+              <a:solidFill>
+                <a:schemeClr val="accent2"/>
+              </a:solidFill>
+              <a:latin typeface="Segoe UI Light" panose="020B0502040204020203" pitchFamily="34" charset="0"/>
+              <a:cs typeface="Segoe UI Light" panose="020B0502040204020203" pitchFamily="34" charset="0"/>
+            </a:endParaRPr>
+          </a:p>
+        </p:txBody>
+      </p:sp>
+      <p:sp>
+        <p:nvSpPr>
+          <p:cNvPr id="37" name="Rounded Rectangle 36"/>
+          <p:cNvSpPr/>
+          <p:nvPr/>
+        </p:nvSpPr>
+        <p:spPr bwMode="auto">
+          <a:xfrm>
+            <a:off x="4989562" y="1225340"/>
+            <a:ext cx="2331218" cy="3728497"/>
+          </a:xfrm>
+          <a:prstGeom prst="roundRect">
+            <a:avLst>
+              <a:gd name="adj" fmla="val 12442"/>
+            </a:avLst>
+          </a:prstGeom>
+          <a:solidFill>
+            <a:schemeClr val="bg1"/>
+          </a:solidFill>
+          <a:ln w="57150">
+            <a:solidFill>
+              <a:schemeClr val="accent2"/>
+            </a:solidFill>
+            <a:headEnd type="none" w="med" len="med"/>
+            <a:tailEnd type="none" w="med" len="med"/>
+          </a:ln>
+          <a:effectLst/>
+        </p:spPr>
+        <p:style>
+          <a:lnRef idx="1">
+            <a:schemeClr val="accent2"/>
+          </a:lnRef>
+          <a:fillRef idx="3">
+            <a:schemeClr val="accent2"/>
+          </a:fillRef>
+          <a:effectRef idx="2">
+            <a:schemeClr val="accent2"/>
+          </a:effectRef>
+          <a:fontRef idx="minor">
+            <a:schemeClr val="lt1"/>
+          </a:fontRef>
+        </p:style>
+        <p:txBody>
+          <a:bodyPr vert="horz" wrap="square" lIns="91436" tIns="45718" rIns="91436" bIns="45718" numCol="1" rtlCol="0" anchor="t" anchorCtr="0" compatLnSpc="1">
+            <a:prstTxWarp prst="textNoShape">
+              <a:avLst/>
+            </a:prstTxWarp>
+          </a:bodyPr>
+          <a:lstStyle/>
+          <a:p>
+            <a:pPr algn="ctr" defTabSz="914099" fontAlgn="base">
+              <a:spcBef>
+                <a:spcPct val="0"/>
+              </a:spcBef>
+              <a:spcAft>
+                <a:spcPct val="0"/>
+              </a:spcAft>
+            </a:pPr>
+            <a:r>
+              <a:rPr lang="en-US" sz="3200" dirty="0">
+                <a:solidFill>
+                  <a:schemeClr val="accent2"/>
+                </a:solidFill>
+                <a:latin typeface="Segoe UI Light" panose="020B0502040204020203" pitchFamily="34" charset="0"/>
+                <a:cs typeface="Segoe UI Light" panose="020B0502040204020203" pitchFamily="34" charset="0"/>
+              </a:rPr>
+              <a:t>Containers</a:t>
+            </a:r>
+          </a:p>
+        </p:txBody>
+      </p:sp>
+      <p:sp>
+        <p:nvSpPr>
           <p:cNvPr id="2" name="Title 1"/>
           <p:cNvSpPr>
             <a:spLocks noGrp="1"/>
@@ -14469,7 +13151,7 @@
           <a:p>
             <a:r>
               <a:rPr lang="en-US" dirty="0" smtClean="0"/>
-              <a:t>Azure Storage Accounts</a:t>
+              <a:t>Blob Storage</a:t>
             </a:r>
             <a:endParaRPr lang="en-US" dirty="0"/>
           </a:p>
@@ -14477,130 +13159,1284 @@
       </p:sp>
       <p:sp>
         <p:nvSpPr>
-          <p:cNvPr id="3" name="Content Placeholder 2"/>
-          <p:cNvSpPr>
-            <a:spLocks noGrp="1"/>
-          </p:cNvSpPr>
-          <p:nvPr>
-            <p:ph idx="1"/>
-          </p:nvPr>
+          <p:cNvPr id="6" name="Rounded Rectangle 5"/>
+          <p:cNvSpPr/>
+          <p:nvPr/>
+        </p:nvSpPr>
+        <p:spPr bwMode="auto">
+          <a:xfrm>
+            <a:off x="8292124" y="1225340"/>
+            <a:ext cx="2331218" cy="3728497"/>
+          </a:xfrm>
+          <a:prstGeom prst="roundRect">
+            <a:avLst>
+              <a:gd name="adj" fmla="val 12442"/>
+            </a:avLst>
+          </a:prstGeom>
+          <a:solidFill>
+            <a:schemeClr val="bg1"/>
+          </a:solidFill>
+          <a:ln w="57150">
+            <a:solidFill>
+              <a:schemeClr val="accent2"/>
+            </a:solidFill>
+            <a:headEnd type="none" w="med" len="med"/>
+            <a:tailEnd type="none" w="med" len="med"/>
+          </a:ln>
+          <a:effectLst/>
+        </p:spPr>
+        <p:style>
+          <a:lnRef idx="1">
+            <a:schemeClr val="accent2"/>
+          </a:lnRef>
+          <a:fillRef idx="3">
+            <a:schemeClr val="accent2"/>
+          </a:fillRef>
+          <a:effectRef idx="2">
+            <a:schemeClr val="accent2"/>
+          </a:effectRef>
+          <a:fontRef idx="minor">
+            <a:schemeClr val="lt1"/>
+          </a:fontRef>
+        </p:style>
+        <p:txBody>
+          <a:bodyPr vert="horz" wrap="square" lIns="91436" tIns="45718" rIns="91436" bIns="45718" numCol="1" rtlCol="0" anchor="t" anchorCtr="0" compatLnSpc="1">
+            <a:prstTxWarp prst="textNoShape">
+              <a:avLst/>
+            </a:prstTxWarp>
+          </a:bodyPr>
+          <a:lstStyle/>
+          <a:p>
+            <a:pPr algn="ctr" defTabSz="914099" fontAlgn="base">
+              <a:spcBef>
+                <a:spcPct val="0"/>
+              </a:spcBef>
+              <a:spcAft>
+                <a:spcPct val="0"/>
+              </a:spcAft>
+            </a:pPr>
+            <a:r>
+              <a:rPr lang="en-US" sz="3200" dirty="0">
+                <a:solidFill>
+                  <a:schemeClr val="accent2"/>
+                </a:solidFill>
+                <a:latin typeface="Segoe UI Light" panose="020B0502040204020203" pitchFamily="34" charset="0"/>
+                <a:cs typeface="Segoe UI Light" panose="020B0502040204020203" pitchFamily="34" charset="0"/>
+              </a:rPr>
+              <a:t>Blobs</a:t>
+            </a:r>
+          </a:p>
+        </p:txBody>
+      </p:sp>
+      <p:sp>
+        <p:nvSpPr>
+          <p:cNvPr id="7" name="Rounded Rectangle 6"/>
+          <p:cNvSpPr/>
+          <p:nvPr/>
+        </p:nvSpPr>
+        <p:spPr bwMode="auto">
+          <a:xfrm>
+            <a:off x="1927607" y="2973544"/>
+            <a:ext cx="1854200" cy="800100"/>
+          </a:xfrm>
+          <a:prstGeom prst="roundRect">
+            <a:avLst/>
+          </a:prstGeom>
+          <a:solidFill>
+            <a:srgbClr val="CC99FF"/>
+          </a:solidFill>
+          <a:ln>
+            <a:noFill/>
+            <a:headEnd type="none" w="med" len="med"/>
+            <a:tailEnd type="none" w="med" len="med"/>
+          </a:ln>
+          <a:effectLst/>
+        </p:spPr>
+        <p:style>
+          <a:lnRef idx="1">
+            <a:schemeClr val="accent2"/>
+          </a:lnRef>
+          <a:fillRef idx="3">
+            <a:schemeClr val="accent2"/>
+          </a:fillRef>
+          <a:effectRef idx="2">
+            <a:schemeClr val="accent2"/>
+          </a:effectRef>
+          <a:fontRef idx="minor">
+            <a:schemeClr val="lt1"/>
+          </a:fontRef>
+        </p:style>
+        <p:txBody>
+          <a:bodyPr vert="horz" wrap="square" lIns="91436" tIns="45718" rIns="91436" bIns="45718" numCol="1" rtlCol="0" anchor="ctr" anchorCtr="0" compatLnSpc="1">
+            <a:prstTxWarp prst="textNoShape">
+              <a:avLst/>
+            </a:prstTxWarp>
+          </a:bodyPr>
+          <a:lstStyle/>
+          <a:p>
+            <a:pPr algn="ctr" defTabSz="914099" fontAlgn="base">
+              <a:spcBef>
+                <a:spcPct val="0"/>
+              </a:spcBef>
+              <a:spcAft>
+                <a:spcPct val="0"/>
+              </a:spcAft>
+            </a:pPr>
+            <a:r>
+              <a:rPr lang="en-US" sz="2200" dirty="0" smtClean="0">
+                <a:solidFill>
+                  <a:schemeClr val="bg1"/>
+                </a:solidFill>
+                <a:latin typeface="Segoe UI Light" panose="020B0502040204020203" pitchFamily="34" charset="0"/>
+                <a:cs typeface="Segoe UI Light" panose="020B0502040204020203" pitchFamily="34" charset="0"/>
+              </a:rPr>
+              <a:t>a4rlabs</a:t>
+            </a:r>
+            <a:endParaRPr lang="en-US" sz="2200" dirty="0" smtClean="0">
+              <a:solidFill>
+                <a:schemeClr val="bg1"/>
+              </a:solidFill>
+              <a:latin typeface="Segoe UI Light" panose="020B0502040204020203" pitchFamily="34" charset="0"/>
+              <a:cs typeface="Segoe UI Light" panose="020B0502040204020203" pitchFamily="34" charset="0"/>
+            </a:endParaRPr>
+          </a:p>
+        </p:txBody>
+      </p:sp>
+      <p:sp>
+        <p:nvSpPr>
+          <p:cNvPr id="8" name="Rounded Rectangle 7"/>
+          <p:cNvSpPr/>
+          <p:nvPr/>
+        </p:nvSpPr>
+        <p:spPr bwMode="auto">
+          <a:xfrm>
+            <a:off x="5229607" y="2033880"/>
+            <a:ext cx="1854200" cy="800100"/>
+          </a:xfrm>
+          <a:prstGeom prst="roundRect">
+            <a:avLst/>
+          </a:prstGeom>
+          <a:solidFill>
+            <a:srgbClr val="CC99FF"/>
+          </a:solidFill>
+          <a:ln>
+            <a:noFill/>
+            <a:headEnd type="none" w="med" len="med"/>
+            <a:tailEnd type="none" w="med" len="med"/>
+          </a:ln>
+          <a:effectLst/>
+        </p:spPr>
+        <p:style>
+          <a:lnRef idx="1">
+            <a:schemeClr val="accent2"/>
+          </a:lnRef>
+          <a:fillRef idx="3">
+            <a:schemeClr val="accent2"/>
+          </a:fillRef>
+          <a:effectRef idx="2">
+            <a:schemeClr val="accent2"/>
+          </a:effectRef>
+          <a:fontRef idx="minor">
+            <a:schemeClr val="lt1"/>
+          </a:fontRef>
+        </p:style>
+        <p:txBody>
+          <a:bodyPr vert="horz" wrap="square" lIns="91436" tIns="45718" rIns="91436" bIns="45718" numCol="1" rtlCol="0" anchor="ctr" anchorCtr="0" compatLnSpc="1">
+            <a:prstTxWarp prst="textNoShape">
+              <a:avLst/>
+            </a:prstTxWarp>
+          </a:bodyPr>
+          <a:lstStyle/>
+          <a:p>
+            <a:pPr algn="ctr" defTabSz="914099" fontAlgn="base">
+              <a:spcBef>
+                <a:spcPct val="0"/>
+              </a:spcBef>
+              <a:spcAft>
+                <a:spcPct val="0"/>
+              </a:spcAft>
+            </a:pPr>
+            <a:r>
+              <a:rPr lang="en-US" sz="2200" dirty="0" smtClean="0">
+                <a:solidFill>
+                  <a:schemeClr val="bg1"/>
+                </a:solidFill>
+                <a:latin typeface="Segoe UI Light" panose="020B0502040204020203" pitchFamily="34" charset="0"/>
+                <a:cs typeface="Segoe UI Light" panose="020B0502040204020203" pitchFamily="34" charset="0"/>
+              </a:rPr>
+              <a:t>images</a:t>
+            </a:r>
+            <a:endParaRPr lang="en-US" sz="2200" dirty="0">
+              <a:solidFill>
+                <a:schemeClr val="bg1"/>
+              </a:solidFill>
+              <a:latin typeface="Segoe UI Light" panose="020B0502040204020203" pitchFamily="34" charset="0"/>
+              <a:cs typeface="Segoe UI Light" panose="020B0502040204020203" pitchFamily="34" charset="0"/>
+            </a:endParaRPr>
+          </a:p>
+        </p:txBody>
+      </p:sp>
+      <p:sp>
+        <p:nvSpPr>
+          <p:cNvPr id="9" name="Rounded Rectangle 8"/>
+          <p:cNvSpPr/>
+          <p:nvPr/>
+        </p:nvSpPr>
+        <p:spPr bwMode="auto">
+          <a:xfrm>
+            <a:off x="5229607" y="3913208"/>
+            <a:ext cx="1854200" cy="800100"/>
+          </a:xfrm>
+          <a:prstGeom prst="roundRect">
+            <a:avLst/>
+          </a:prstGeom>
+          <a:solidFill>
+            <a:srgbClr val="CC99FF"/>
+          </a:solidFill>
+          <a:ln>
+            <a:noFill/>
+            <a:headEnd type="none" w="med" len="med"/>
+            <a:tailEnd type="none" w="med" len="med"/>
+          </a:ln>
+          <a:effectLst/>
+        </p:spPr>
+        <p:style>
+          <a:lnRef idx="1">
+            <a:schemeClr val="accent2"/>
+          </a:lnRef>
+          <a:fillRef idx="3">
+            <a:schemeClr val="accent2"/>
+          </a:fillRef>
+          <a:effectRef idx="2">
+            <a:schemeClr val="accent2"/>
+          </a:effectRef>
+          <a:fontRef idx="minor">
+            <a:schemeClr val="lt1"/>
+          </a:fontRef>
+        </p:style>
+        <p:txBody>
+          <a:bodyPr vert="horz" wrap="square" lIns="91436" tIns="45718" rIns="91436" bIns="45718" numCol="1" rtlCol="0" anchor="ctr" anchorCtr="0" compatLnSpc="1">
+            <a:prstTxWarp prst="textNoShape">
+              <a:avLst/>
+            </a:prstTxWarp>
+          </a:bodyPr>
+          <a:lstStyle/>
+          <a:p>
+            <a:pPr algn="ctr" defTabSz="914099" fontAlgn="base">
+              <a:spcBef>
+                <a:spcPct val="0"/>
+              </a:spcBef>
+              <a:spcAft>
+                <a:spcPct val="0"/>
+              </a:spcAft>
+            </a:pPr>
+            <a:r>
+              <a:rPr lang="en-US" sz="2200" dirty="0" smtClean="0">
+                <a:solidFill>
+                  <a:schemeClr val="bg1"/>
+                </a:solidFill>
+                <a:latin typeface="Segoe UI Light" panose="020B0502040204020203" pitchFamily="34" charset="0"/>
+                <a:cs typeface="Segoe UI Light" panose="020B0502040204020203" pitchFamily="34" charset="0"/>
+              </a:rPr>
+              <a:t>documents</a:t>
+            </a:r>
+            <a:endParaRPr lang="en-US" sz="2200" dirty="0">
+              <a:solidFill>
+                <a:schemeClr val="bg1"/>
+              </a:solidFill>
+              <a:latin typeface="Segoe UI Light" panose="020B0502040204020203" pitchFamily="34" charset="0"/>
+              <a:cs typeface="Segoe UI Light" panose="020B0502040204020203" pitchFamily="34" charset="0"/>
+            </a:endParaRPr>
+          </a:p>
+        </p:txBody>
+      </p:sp>
+      <p:sp>
+        <p:nvSpPr>
+          <p:cNvPr id="14" name="Rounded Rectangle 13"/>
+          <p:cNvSpPr/>
+          <p:nvPr/>
+        </p:nvSpPr>
+        <p:spPr bwMode="auto">
+          <a:xfrm>
+            <a:off x="8531607" y="2033880"/>
+            <a:ext cx="1854200" cy="800100"/>
+          </a:xfrm>
+          <a:prstGeom prst="roundRect">
+            <a:avLst/>
+          </a:prstGeom>
+          <a:solidFill>
+            <a:srgbClr val="CC99FF"/>
+          </a:solidFill>
+          <a:ln>
+            <a:noFill/>
+            <a:headEnd type="none" w="med" len="med"/>
+            <a:tailEnd type="none" w="med" len="med"/>
+          </a:ln>
+          <a:effectLst/>
+        </p:spPr>
+        <p:style>
+          <a:lnRef idx="1">
+            <a:schemeClr val="accent2"/>
+          </a:lnRef>
+          <a:fillRef idx="3">
+            <a:schemeClr val="accent2"/>
+          </a:fillRef>
+          <a:effectRef idx="2">
+            <a:schemeClr val="accent2"/>
+          </a:effectRef>
+          <a:fontRef idx="minor">
+            <a:schemeClr val="lt1"/>
+          </a:fontRef>
+        </p:style>
+        <p:txBody>
+          <a:bodyPr vert="horz" wrap="square" lIns="91436" tIns="45718" rIns="91436" bIns="45718" numCol="1" rtlCol="0" anchor="ctr" anchorCtr="0" compatLnSpc="1">
+            <a:prstTxWarp prst="textNoShape">
+              <a:avLst/>
+            </a:prstTxWarp>
+          </a:bodyPr>
+          <a:lstStyle/>
+          <a:p>
+            <a:pPr algn="ctr" defTabSz="914099" fontAlgn="base">
+              <a:spcBef>
+                <a:spcPct val="0"/>
+              </a:spcBef>
+              <a:spcAft>
+                <a:spcPct val="0"/>
+              </a:spcAft>
+            </a:pPr>
+            <a:r>
+              <a:rPr lang="en-US" sz="2200" dirty="0" smtClean="0">
+                <a:solidFill>
+                  <a:schemeClr val="bg1"/>
+                </a:solidFill>
+                <a:latin typeface="Segoe UI Light" panose="020B0502040204020203" pitchFamily="34" charset="0"/>
+                <a:cs typeface="Segoe UI Light" panose="020B0502040204020203" pitchFamily="34" charset="0"/>
+              </a:rPr>
+              <a:t>schema.jpg</a:t>
+            </a:r>
+            <a:endParaRPr lang="en-US" sz="2200" dirty="0">
+              <a:solidFill>
+                <a:schemeClr val="bg1"/>
+              </a:solidFill>
+              <a:latin typeface="Segoe UI Light" panose="020B0502040204020203" pitchFamily="34" charset="0"/>
+              <a:cs typeface="Segoe UI Light" panose="020B0502040204020203" pitchFamily="34" charset="0"/>
+            </a:endParaRPr>
+          </a:p>
+        </p:txBody>
+      </p:sp>
+      <p:sp>
+        <p:nvSpPr>
+          <p:cNvPr id="15" name="Rounded Rectangle 14"/>
+          <p:cNvSpPr/>
+          <p:nvPr/>
+        </p:nvSpPr>
+        <p:spPr bwMode="auto">
+          <a:xfrm>
+            <a:off x="8531607" y="3913208"/>
+            <a:ext cx="1854200" cy="800100"/>
+          </a:xfrm>
+          <a:prstGeom prst="roundRect">
+            <a:avLst/>
+          </a:prstGeom>
+          <a:solidFill>
+            <a:srgbClr val="CC99FF"/>
+          </a:solidFill>
+          <a:ln>
+            <a:noFill/>
+            <a:headEnd type="none" w="med" len="med"/>
+            <a:tailEnd type="none" w="med" len="med"/>
+          </a:ln>
+          <a:effectLst/>
+        </p:spPr>
+        <p:style>
+          <a:lnRef idx="1">
+            <a:schemeClr val="accent2"/>
+          </a:lnRef>
+          <a:fillRef idx="3">
+            <a:schemeClr val="accent2"/>
+          </a:fillRef>
+          <a:effectRef idx="2">
+            <a:schemeClr val="accent2"/>
+          </a:effectRef>
+          <a:fontRef idx="minor">
+            <a:schemeClr val="lt1"/>
+          </a:fontRef>
+        </p:style>
+        <p:txBody>
+          <a:bodyPr vert="horz" wrap="square" lIns="91436" tIns="45718" rIns="91436" bIns="45718" numCol="1" rtlCol="0" anchor="ctr" anchorCtr="0" compatLnSpc="1">
+            <a:prstTxWarp prst="textNoShape">
+              <a:avLst/>
+            </a:prstTxWarp>
+          </a:bodyPr>
+          <a:lstStyle/>
+          <a:p>
+            <a:pPr algn="ctr" defTabSz="914099" fontAlgn="base">
+              <a:spcBef>
+                <a:spcPct val="0"/>
+              </a:spcBef>
+              <a:spcAft>
+                <a:spcPct val="0"/>
+              </a:spcAft>
+            </a:pPr>
+            <a:r>
+              <a:rPr lang="en-US" sz="2200" dirty="0" smtClean="0">
+                <a:solidFill>
+                  <a:schemeClr val="bg1"/>
+                </a:solidFill>
+                <a:latin typeface="Segoe UI Light" panose="020B0502040204020203" pitchFamily="34" charset="0"/>
+                <a:cs typeface="Segoe UI Light" panose="020B0502040204020203" pitchFamily="34" charset="0"/>
+              </a:rPr>
+              <a:t>Labs.pdf</a:t>
+            </a:r>
+            <a:endParaRPr lang="en-US" sz="2200" dirty="0">
+              <a:solidFill>
+                <a:schemeClr val="bg1"/>
+              </a:solidFill>
+              <a:latin typeface="Segoe UI Light" panose="020B0502040204020203" pitchFamily="34" charset="0"/>
+              <a:cs typeface="Segoe UI Light" panose="020B0502040204020203" pitchFamily="34" charset="0"/>
+            </a:endParaRPr>
+          </a:p>
+        </p:txBody>
+      </p:sp>
+      <p:sp>
+        <p:nvSpPr>
+          <p:cNvPr id="16" name="Rounded Rectangle 15"/>
+          <p:cNvSpPr/>
+          <p:nvPr/>
+        </p:nvSpPr>
+        <p:spPr bwMode="auto">
+          <a:xfrm>
+            <a:off x="8531607" y="2973544"/>
+            <a:ext cx="1854200" cy="800100"/>
+          </a:xfrm>
+          <a:prstGeom prst="roundRect">
+            <a:avLst/>
+          </a:prstGeom>
+          <a:solidFill>
+            <a:srgbClr val="CC99FF"/>
+          </a:solidFill>
+          <a:ln>
+            <a:noFill/>
+            <a:headEnd type="none" w="med" len="med"/>
+            <a:tailEnd type="none" w="med" len="med"/>
+          </a:ln>
+          <a:effectLst/>
+        </p:spPr>
+        <p:style>
+          <a:lnRef idx="1">
+            <a:schemeClr val="accent2"/>
+          </a:lnRef>
+          <a:fillRef idx="3">
+            <a:schemeClr val="accent2"/>
+          </a:fillRef>
+          <a:effectRef idx="2">
+            <a:schemeClr val="accent2"/>
+          </a:effectRef>
+          <a:fontRef idx="minor">
+            <a:schemeClr val="lt1"/>
+          </a:fontRef>
+        </p:style>
+        <p:txBody>
+          <a:bodyPr vert="horz" wrap="square" lIns="91436" tIns="45718" rIns="91436" bIns="45718" numCol="1" rtlCol="0" anchor="ctr" anchorCtr="0" compatLnSpc="1">
+            <a:prstTxWarp prst="textNoShape">
+              <a:avLst/>
+            </a:prstTxWarp>
+          </a:bodyPr>
+          <a:lstStyle/>
+          <a:p>
+            <a:pPr algn="ctr" defTabSz="914099" fontAlgn="base">
+              <a:spcBef>
+                <a:spcPct val="0"/>
+              </a:spcBef>
+              <a:spcAft>
+                <a:spcPct val="0"/>
+              </a:spcAft>
+            </a:pPr>
+            <a:r>
+              <a:rPr lang="en-US" sz="2200" dirty="0" err="1" smtClean="0">
+                <a:solidFill>
+                  <a:schemeClr val="bg1"/>
+                </a:solidFill>
+                <a:latin typeface="Segoe UI Light" panose="020B0502040204020203" pitchFamily="34" charset="0"/>
+                <a:cs typeface="Segoe UI Light" panose="020B0502040204020203" pitchFamily="34" charset="0"/>
+              </a:rPr>
+              <a:t>Png</a:t>
+            </a:r>
+            <a:r>
+              <a:rPr lang="en-US" sz="2200" dirty="0" smtClean="0">
+                <a:solidFill>
+                  <a:schemeClr val="bg1"/>
+                </a:solidFill>
+                <a:latin typeface="Segoe UI Light" panose="020B0502040204020203" pitchFamily="34" charset="0"/>
+                <a:cs typeface="Segoe UI Light" panose="020B0502040204020203" pitchFamily="34" charset="0"/>
+              </a:rPr>
+              <a:t>/flow.png</a:t>
+            </a:r>
+            <a:endParaRPr lang="en-US" sz="2200" dirty="0">
+              <a:solidFill>
+                <a:schemeClr val="bg1"/>
+              </a:solidFill>
+              <a:latin typeface="Segoe UI Light" panose="020B0502040204020203" pitchFamily="34" charset="0"/>
+              <a:cs typeface="Segoe UI Light" panose="020B0502040204020203" pitchFamily="34" charset="0"/>
+            </a:endParaRPr>
+          </a:p>
+        </p:txBody>
+      </p:sp>
+      <p:cxnSp>
+        <p:nvCxnSpPr>
+          <p:cNvPr id="18" name="Straight Connector 17"/>
+          <p:cNvCxnSpPr/>
+          <p:nvPr/>
+        </p:nvCxnSpPr>
+        <p:spPr>
+          <a:xfrm>
+            <a:off x="3781807" y="3363545"/>
+            <a:ext cx="723340" cy="0"/>
+          </a:xfrm>
+          <a:prstGeom prst="line">
+            <a:avLst/>
+          </a:prstGeom>
+          <a:ln>
+            <a:solidFill>
+              <a:srgbClr val="CCCCFF"/>
+            </a:solidFill>
+          </a:ln>
+        </p:spPr>
+        <p:style>
+          <a:lnRef idx="3">
+            <a:schemeClr val="accent1"/>
+          </a:lnRef>
+          <a:fillRef idx="0">
+            <a:schemeClr val="accent1"/>
+          </a:fillRef>
+          <a:effectRef idx="2">
+            <a:schemeClr val="accent1"/>
+          </a:effectRef>
+          <a:fontRef idx="minor">
+            <a:schemeClr val="tx1"/>
+          </a:fontRef>
+        </p:style>
+      </p:cxnSp>
+      <p:cxnSp>
+        <p:nvCxnSpPr>
+          <p:cNvPr id="19" name="Straight Connector 18"/>
+          <p:cNvCxnSpPr/>
+          <p:nvPr/>
+        </p:nvCxnSpPr>
+        <p:spPr>
+          <a:xfrm flipV="1">
+            <a:off x="4505148" y="2422766"/>
+            <a:ext cx="724460" cy="11164"/>
+          </a:xfrm>
+          <a:prstGeom prst="line">
+            <a:avLst/>
+          </a:prstGeom>
+          <a:ln>
+            <a:solidFill>
+              <a:srgbClr val="CCCCFF"/>
+            </a:solidFill>
+          </a:ln>
+        </p:spPr>
+        <p:style>
+          <a:lnRef idx="3">
+            <a:schemeClr val="accent1"/>
+          </a:lnRef>
+          <a:fillRef idx="0">
+            <a:schemeClr val="accent1"/>
+          </a:fillRef>
+          <a:effectRef idx="2">
+            <a:schemeClr val="accent1"/>
+          </a:effectRef>
+          <a:fontRef idx="minor">
+            <a:schemeClr val="tx1"/>
+          </a:fontRef>
+        </p:style>
+      </p:cxnSp>
+      <p:cxnSp>
+        <p:nvCxnSpPr>
+          <p:cNvPr id="20" name="Straight Connector 19"/>
+          <p:cNvCxnSpPr/>
+          <p:nvPr/>
+        </p:nvCxnSpPr>
+        <p:spPr>
+          <a:xfrm>
+            <a:off x="4505147" y="4293095"/>
+            <a:ext cx="724461" cy="7533"/>
+          </a:xfrm>
+          <a:prstGeom prst="line">
+            <a:avLst/>
+          </a:prstGeom>
+          <a:ln>
+            <a:solidFill>
+              <a:srgbClr val="CCCCFF"/>
+            </a:solidFill>
+          </a:ln>
+        </p:spPr>
+        <p:style>
+          <a:lnRef idx="3">
+            <a:schemeClr val="accent1"/>
+          </a:lnRef>
+          <a:fillRef idx="0">
+            <a:schemeClr val="accent1"/>
+          </a:fillRef>
+          <a:effectRef idx="2">
+            <a:schemeClr val="accent1"/>
+          </a:effectRef>
+          <a:fontRef idx="minor">
+            <a:schemeClr val="tx1"/>
+          </a:fontRef>
+        </p:style>
+      </p:cxnSp>
+      <p:cxnSp>
+        <p:nvCxnSpPr>
+          <p:cNvPr id="22" name="Straight Connector 21"/>
+          <p:cNvCxnSpPr/>
+          <p:nvPr/>
+        </p:nvCxnSpPr>
+        <p:spPr>
+          <a:xfrm>
+            <a:off x="4505148" y="2433930"/>
+            <a:ext cx="0" cy="1877862"/>
+          </a:xfrm>
+          <a:prstGeom prst="line">
+            <a:avLst/>
+          </a:prstGeom>
+          <a:ln>
+            <a:solidFill>
+              <a:srgbClr val="CCCCFF"/>
+            </a:solidFill>
+          </a:ln>
+        </p:spPr>
+        <p:style>
+          <a:lnRef idx="3">
+            <a:schemeClr val="accent1"/>
+          </a:lnRef>
+          <a:fillRef idx="0">
+            <a:schemeClr val="accent1"/>
+          </a:fillRef>
+          <a:effectRef idx="2">
+            <a:schemeClr val="accent1"/>
+          </a:effectRef>
+          <a:fontRef idx="minor">
+            <a:schemeClr val="tx1"/>
+          </a:fontRef>
+        </p:style>
+      </p:cxnSp>
+      <p:cxnSp>
+        <p:nvCxnSpPr>
+          <p:cNvPr id="23" name="Straight Connector 22"/>
+          <p:cNvCxnSpPr/>
+          <p:nvPr/>
+        </p:nvCxnSpPr>
+        <p:spPr>
+          <a:xfrm flipV="1">
+            <a:off x="7083807" y="2422766"/>
+            <a:ext cx="1447800" cy="11164"/>
+          </a:xfrm>
+          <a:prstGeom prst="line">
+            <a:avLst/>
+          </a:prstGeom>
+          <a:ln>
+            <a:solidFill>
+              <a:srgbClr val="CCCCFF"/>
+            </a:solidFill>
+          </a:ln>
+        </p:spPr>
+        <p:style>
+          <a:lnRef idx="3">
+            <a:schemeClr val="accent1"/>
+          </a:lnRef>
+          <a:fillRef idx="0">
+            <a:schemeClr val="accent1"/>
+          </a:fillRef>
+          <a:effectRef idx="2">
+            <a:schemeClr val="accent1"/>
+          </a:effectRef>
+          <a:fontRef idx="minor">
+            <a:schemeClr val="tx1"/>
+          </a:fontRef>
+        </p:style>
+      </p:cxnSp>
+      <p:cxnSp>
+        <p:nvCxnSpPr>
+          <p:cNvPr id="24" name="Straight Connector 23"/>
+          <p:cNvCxnSpPr/>
+          <p:nvPr/>
+        </p:nvCxnSpPr>
+        <p:spPr>
+          <a:xfrm>
+            <a:off x="7083807" y="4293095"/>
+            <a:ext cx="1447800" cy="0"/>
+          </a:xfrm>
+          <a:prstGeom prst="line">
+            <a:avLst/>
+          </a:prstGeom>
+          <a:ln>
+            <a:solidFill>
+              <a:srgbClr val="CCCCFF"/>
+            </a:solidFill>
+          </a:ln>
+        </p:spPr>
+        <p:style>
+          <a:lnRef idx="3">
+            <a:schemeClr val="accent1"/>
+          </a:lnRef>
+          <a:fillRef idx="0">
+            <a:schemeClr val="accent1"/>
+          </a:fillRef>
+          <a:effectRef idx="2">
+            <a:schemeClr val="accent1"/>
+          </a:effectRef>
+          <a:fontRef idx="minor">
+            <a:schemeClr val="tx1"/>
+          </a:fontRef>
+        </p:style>
+      </p:cxnSp>
+      <p:cxnSp>
+        <p:nvCxnSpPr>
+          <p:cNvPr id="25" name="Straight Connector 24"/>
+          <p:cNvCxnSpPr/>
+          <p:nvPr/>
+        </p:nvCxnSpPr>
+        <p:spPr>
+          <a:xfrm>
+            <a:off x="7807147" y="2433930"/>
+            <a:ext cx="0" cy="918766"/>
+          </a:xfrm>
+          <a:prstGeom prst="line">
+            <a:avLst/>
+          </a:prstGeom>
+          <a:ln>
+            <a:solidFill>
+              <a:srgbClr val="CCCCFF"/>
+            </a:solidFill>
+          </a:ln>
+        </p:spPr>
+        <p:style>
+          <a:lnRef idx="3">
+            <a:schemeClr val="accent1"/>
+          </a:lnRef>
+          <a:fillRef idx="0">
+            <a:schemeClr val="accent1"/>
+          </a:fillRef>
+          <a:effectRef idx="2">
+            <a:schemeClr val="accent1"/>
+          </a:effectRef>
+          <a:fontRef idx="minor">
+            <a:schemeClr val="tx1"/>
+          </a:fontRef>
+        </p:style>
+      </p:cxnSp>
+      <p:cxnSp>
+        <p:nvCxnSpPr>
+          <p:cNvPr id="26" name="Straight Connector 25"/>
+          <p:cNvCxnSpPr/>
+          <p:nvPr/>
+        </p:nvCxnSpPr>
+        <p:spPr>
+          <a:xfrm>
+            <a:off x="7807146" y="3352696"/>
+            <a:ext cx="724461" cy="735"/>
+          </a:xfrm>
+          <a:prstGeom prst="line">
+            <a:avLst/>
+          </a:prstGeom>
+          <a:ln>
+            <a:solidFill>
+              <a:srgbClr val="CCCCFF"/>
+            </a:solidFill>
+          </a:ln>
+        </p:spPr>
+        <p:style>
+          <a:lnRef idx="3">
+            <a:schemeClr val="accent1"/>
+          </a:lnRef>
+          <a:fillRef idx="0">
+            <a:schemeClr val="accent1"/>
+          </a:fillRef>
+          <a:effectRef idx="2">
+            <a:schemeClr val="accent1"/>
+          </a:effectRef>
+          <a:fontRef idx="minor">
+            <a:schemeClr val="tx1"/>
+          </a:fontRef>
+        </p:style>
+      </p:cxnSp>
+      <p:sp>
+        <p:nvSpPr>
+          <p:cNvPr id="33" name="TextBox 32"/>
+          <p:cNvSpPr txBox="1"/>
+          <p:nvPr/>
         </p:nvSpPr>
         <p:spPr>
           <a:xfrm>
-            <a:off x="519248" y="1447800"/>
-            <a:ext cx="11151916" cy="4756943"/>
+            <a:off x="1769634" y="5183318"/>
+            <a:ext cx="2170145" cy="954107"/>
           </a:xfrm>
+          <a:prstGeom prst="rect">
+            <a:avLst/>
+          </a:prstGeom>
+          <a:noFill/>
         </p:spPr>
         <p:txBody>
-          <a:bodyPr/>
+          <a:bodyPr wrap="none" lIns="0" tIns="0" rIns="0" bIns="0" rtlCol="0">
+            <a:spAutoFit/>
+          </a:bodyPr>
           <a:lstStyle/>
           <a:p>
-            <a:r>
-              <a:rPr lang="en-US" dirty="0" smtClean="0"/>
-              <a:t>Storage-account </a:t>
-            </a:r>
-            <a:r>
-              <a:rPr lang="en-US" dirty="0"/>
-              <a:t>name forms part of the path to an item</a:t>
-            </a:r>
-          </a:p>
-          <a:p>
-            <a:pPr lvl="1"/>
-            <a:r>
-              <a:rPr lang="en-US" dirty="0"/>
-              <a:t>e.g., </a:t>
-            </a:r>
-            <a:r>
-              <a:rPr lang="en-US" dirty="0">
-                <a:solidFill>
-                  <a:schemeClr val="accent1"/>
-                </a:solidFill>
+            <a:pPr algn="ctr">
+              <a:lnSpc>
+                <a:spcPct val="90000"/>
+              </a:lnSpc>
+              <a:spcBef>
+                <a:spcPct val="20000"/>
+              </a:spcBef>
+              <a:buSzPct val="80000"/>
+            </a:pPr>
+            <a:r>
+              <a:rPr lang="en-US" sz="2000" dirty="0" smtClean="0">
+                <a:gradFill>
+                  <a:gsLst>
+                    <a:gs pos="0">
+                      <a:srgbClr val="292929">
+                        <a:lumMod val="90000"/>
+                        <a:lumOff val="10000"/>
+                      </a:srgbClr>
+                    </a:gs>
+                    <a:gs pos="86000">
+                      <a:srgbClr val="292929">
+                        <a:lumMod val="90000"/>
+                        <a:lumOff val="10000"/>
+                      </a:srgbClr>
+                    </a:gs>
+                  </a:gsLst>
+                  <a:lin ang="5400000" scaled="0"/>
+                </a:gradFill>
+                <a:latin typeface="Segoe UI Light" panose="020B0502040204020203" pitchFamily="34" charset="0"/>
+                <a:cs typeface="Segoe UI Light" panose="020B0502040204020203" pitchFamily="34" charset="0"/>
               </a:rPr>
-              <a:t>a4rlabs</a:t>
-            </a:r>
-            <a:r>
-              <a:rPr lang="en-US" dirty="0"/>
-              <a:t>.blob.core.windows.net/container-name/blob-name</a:t>
-            </a:r>
-          </a:p>
-          <a:p>
-            <a:r>
-              <a:rPr lang="en-US" dirty="0" smtClean="0"/>
-              <a:t>Storage-account names must conform to these rules:</a:t>
-            </a:r>
-          </a:p>
-          <a:p>
-            <a:pPr lvl="1"/>
-            <a:r>
-              <a:rPr lang="en-US" dirty="0" smtClean="0"/>
-              <a:t>Must be unique within Azure</a:t>
-            </a:r>
-          </a:p>
-          <a:p>
-            <a:pPr lvl="1"/>
-            <a:r>
-              <a:rPr lang="en-US" dirty="0" smtClean="0"/>
-              <a:t>3 to 24 characters in length</a:t>
-            </a:r>
-          </a:p>
-          <a:p>
-            <a:pPr lvl="1"/>
-            <a:r>
-              <a:rPr lang="en-US" dirty="0" smtClean="0"/>
-              <a:t>Contain numbers and </a:t>
-            </a:r>
-            <a:r>
-              <a:rPr lang="en-US" u="sng" dirty="0" smtClean="0"/>
-              <a:t>lowercase letters </a:t>
-            </a:r>
-            <a:r>
-              <a:rPr lang="en-US" dirty="0" smtClean="0"/>
-              <a:t>only</a:t>
-            </a:r>
-          </a:p>
-          <a:p>
-            <a:r>
-              <a:rPr lang="en-US" dirty="0" smtClean="0"/>
-              <a:t>The basis for billing</a:t>
-            </a:r>
-          </a:p>
-          <a:p>
-            <a:pPr lvl="1"/>
-            <a:r>
-              <a:rPr lang="en-US" dirty="0" smtClean="0"/>
-              <a:t>Charges based on storage volume, replication scheme, number of read/write operations, and data egress across </a:t>
-            </a:r>
-            <a:r>
-              <a:rPr lang="en-US" dirty="0" smtClean="0"/>
-              <a:t>regions</a:t>
-            </a:r>
-          </a:p>
-          <a:p>
-            <a:pPr lvl="1"/>
-            <a:r>
-              <a:rPr lang="en-US" dirty="0" smtClean="0"/>
-              <a:t>See </a:t>
-            </a:r>
-            <a:r>
-              <a:rPr lang="en-US" dirty="0">
-                <a:hlinkClick r:id="rId2"/>
+              <a:t>3 to 24 characters</a:t>
+            </a:r>
+          </a:p>
+          <a:p>
+            <a:pPr algn="ctr">
+              <a:lnSpc>
+                <a:spcPct val="90000"/>
+              </a:lnSpc>
+              <a:spcBef>
+                <a:spcPct val="20000"/>
+              </a:spcBef>
+              <a:buSzPct val="80000"/>
+            </a:pPr>
+            <a:r>
+              <a:rPr lang="en-US" sz="2000" dirty="0" smtClean="0">
+                <a:gradFill>
+                  <a:gsLst>
+                    <a:gs pos="0">
+                      <a:srgbClr val="292929">
+                        <a:lumMod val="90000"/>
+                        <a:lumOff val="10000"/>
+                      </a:srgbClr>
+                    </a:gs>
+                    <a:gs pos="86000">
+                      <a:srgbClr val="292929">
+                        <a:lumMod val="90000"/>
+                        <a:lumOff val="10000"/>
+                      </a:srgbClr>
+                    </a:gs>
+                  </a:gsLst>
+                  <a:lin ang="5400000" scaled="0"/>
+                </a:gradFill>
+                <a:latin typeface="Segoe UI Light" panose="020B0502040204020203" pitchFamily="34" charset="0"/>
+                <a:cs typeface="Segoe UI Light" panose="020B0502040204020203" pitchFamily="34" charset="0"/>
               </a:rPr>
-              <a:t>http://azure.microsoft.com/en-us/pricing/details/storage</a:t>
-            </a:r>
-            <a:r>
-              <a:rPr lang="en-US" dirty="0" smtClean="0">
-                <a:hlinkClick r:id="rId2"/>
+              <a:t>0-9 and a-z</a:t>
+            </a:r>
+          </a:p>
+          <a:p>
+            <a:pPr algn="ctr">
+              <a:lnSpc>
+                <a:spcPct val="90000"/>
+              </a:lnSpc>
+              <a:spcBef>
+                <a:spcPct val="20000"/>
+              </a:spcBef>
+              <a:buSzPct val="80000"/>
+            </a:pPr>
+            <a:r>
+              <a:rPr lang="en-US" sz="2000" dirty="0" smtClean="0">
+                <a:gradFill>
+                  <a:gsLst>
+                    <a:gs pos="0">
+                      <a:srgbClr val="292929">
+                        <a:lumMod val="90000"/>
+                        <a:lumOff val="10000"/>
+                      </a:srgbClr>
+                    </a:gs>
+                    <a:gs pos="86000">
+                      <a:srgbClr val="292929">
+                        <a:lumMod val="90000"/>
+                        <a:lumOff val="10000"/>
+                      </a:srgbClr>
+                    </a:gs>
+                  </a:gsLst>
+                  <a:lin ang="5400000" scaled="0"/>
+                </a:gradFill>
+                <a:latin typeface="Segoe UI Light" panose="020B0502040204020203" pitchFamily="34" charset="0"/>
+                <a:cs typeface="Segoe UI Light" panose="020B0502040204020203" pitchFamily="34" charset="0"/>
               </a:rPr>
-              <a:t>/</a:t>
-            </a:r>
-            <a:endParaRPr lang="en-US" dirty="0" smtClean="0"/>
+              <a:t>Unique within Azure</a:t>
+            </a:r>
+            <a:endParaRPr lang="en-US" sz="2000" dirty="0">
+              <a:gradFill>
+                <a:gsLst>
+                  <a:gs pos="0">
+                    <a:srgbClr val="292929">
+                      <a:lumMod val="90000"/>
+                      <a:lumOff val="10000"/>
+                    </a:srgbClr>
+                  </a:gs>
+                  <a:gs pos="86000">
+                    <a:srgbClr val="292929">
+                      <a:lumMod val="90000"/>
+                      <a:lumOff val="10000"/>
+                    </a:srgbClr>
+                  </a:gs>
+                </a:gsLst>
+                <a:lin ang="5400000" scaled="0"/>
+              </a:gradFill>
+              <a:latin typeface="Segoe UI Light" panose="020B0502040204020203" pitchFamily="34" charset="0"/>
+              <a:cs typeface="Segoe UI Light" panose="020B0502040204020203" pitchFamily="34" charset="0"/>
+            </a:endParaRPr>
+          </a:p>
+        </p:txBody>
+      </p:sp>
+      <p:sp>
+        <p:nvSpPr>
+          <p:cNvPr id="39" name="TextBox 38"/>
+          <p:cNvSpPr txBox="1"/>
+          <p:nvPr/>
+        </p:nvSpPr>
+        <p:spPr>
+          <a:xfrm>
+            <a:off x="5028435" y="5183318"/>
+            <a:ext cx="2255426" cy="615553"/>
+          </a:xfrm>
+          <a:prstGeom prst="rect">
+            <a:avLst/>
+          </a:prstGeom>
+          <a:noFill/>
+        </p:spPr>
+        <p:txBody>
+          <a:bodyPr wrap="none" lIns="0" tIns="0" rIns="0" bIns="0" rtlCol="0">
+            <a:spAutoFit/>
+          </a:bodyPr>
+          <a:lstStyle/>
+          <a:p>
+            <a:pPr algn="ctr">
+              <a:lnSpc>
+                <a:spcPct val="90000"/>
+              </a:lnSpc>
+              <a:spcBef>
+                <a:spcPct val="20000"/>
+              </a:spcBef>
+              <a:buSzPct val="80000"/>
+            </a:pPr>
+            <a:r>
+              <a:rPr lang="en-US" sz="2000" dirty="0" smtClean="0">
+                <a:gradFill>
+                  <a:gsLst>
+                    <a:gs pos="0">
+                      <a:srgbClr val="292929">
+                        <a:lumMod val="90000"/>
+                        <a:lumOff val="10000"/>
+                      </a:srgbClr>
+                    </a:gs>
+                    <a:gs pos="86000">
+                      <a:srgbClr val="292929">
+                        <a:lumMod val="90000"/>
+                        <a:lumOff val="10000"/>
+                      </a:srgbClr>
+                    </a:gs>
+                  </a:gsLst>
+                  <a:lin ang="5400000" scaled="0"/>
+                </a:gradFill>
+                <a:latin typeface="Segoe UI Light" panose="020B0502040204020203" pitchFamily="34" charset="0"/>
+                <a:cs typeface="Segoe UI Light" panose="020B0502040204020203" pitchFamily="34" charset="0"/>
+              </a:rPr>
+              <a:t>3 to 63 characters</a:t>
+            </a:r>
+          </a:p>
+          <a:p>
+            <a:pPr algn="ctr">
+              <a:lnSpc>
+                <a:spcPct val="90000"/>
+              </a:lnSpc>
+              <a:spcBef>
+                <a:spcPct val="20000"/>
+              </a:spcBef>
+              <a:buSzPct val="80000"/>
+            </a:pPr>
+            <a:r>
+              <a:rPr lang="en-US" sz="2000" dirty="0" smtClean="0">
+                <a:gradFill>
+                  <a:gsLst>
+                    <a:gs pos="0">
+                      <a:srgbClr val="292929">
+                        <a:lumMod val="90000"/>
+                        <a:lumOff val="10000"/>
+                      </a:srgbClr>
+                    </a:gs>
+                    <a:gs pos="86000">
+                      <a:srgbClr val="292929">
+                        <a:lumMod val="90000"/>
+                        <a:lumOff val="10000"/>
+                      </a:srgbClr>
+                    </a:gs>
+                  </a:gsLst>
+                  <a:lin ang="5400000" scaled="0"/>
+                </a:gradFill>
+                <a:latin typeface="Segoe UI Light" panose="020B0502040204020203" pitchFamily="34" charset="0"/>
+                <a:cs typeface="Segoe UI Light" panose="020B0502040204020203" pitchFamily="34" charset="0"/>
+              </a:rPr>
+              <a:t>0-9, a-z, and dashes</a:t>
+            </a:r>
+            <a:endParaRPr lang="en-US" sz="2000" dirty="0">
+              <a:gradFill>
+                <a:gsLst>
+                  <a:gs pos="0">
+                    <a:srgbClr val="292929">
+                      <a:lumMod val="90000"/>
+                      <a:lumOff val="10000"/>
+                    </a:srgbClr>
+                  </a:gs>
+                  <a:gs pos="86000">
+                    <a:srgbClr val="292929">
+                      <a:lumMod val="90000"/>
+                      <a:lumOff val="10000"/>
+                    </a:srgbClr>
+                  </a:gs>
+                </a:gsLst>
+                <a:lin ang="5400000" scaled="0"/>
+              </a:gradFill>
+              <a:latin typeface="Segoe UI Light" panose="020B0502040204020203" pitchFamily="34" charset="0"/>
+              <a:cs typeface="Segoe UI Light" panose="020B0502040204020203" pitchFamily="34" charset="0"/>
+            </a:endParaRPr>
+          </a:p>
+        </p:txBody>
+      </p:sp>
+      <p:sp>
+        <p:nvSpPr>
+          <p:cNvPr id="40" name="TextBox 39"/>
+          <p:cNvSpPr txBox="1"/>
+          <p:nvPr/>
+        </p:nvSpPr>
+        <p:spPr>
+          <a:xfrm>
+            <a:off x="7663695" y="5183318"/>
+            <a:ext cx="3590021" cy="1292662"/>
+          </a:xfrm>
+          <a:prstGeom prst="rect">
+            <a:avLst/>
+          </a:prstGeom>
+          <a:noFill/>
+        </p:spPr>
+        <p:txBody>
+          <a:bodyPr wrap="none" lIns="0" tIns="0" rIns="0" bIns="0" rtlCol="0">
+            <a:spAutoFit/>
+          </a:bodyPr>
+          <a:lstStyle/>
+          <a:p>
+            <a:pPr algn="ctr">
+              <a:lnSpc>
+                <a:spcPct val="90000"/>
+              </a:lnSpc>
+              <a:spcBef>
+                <a:spcPct val="20000"/>
+              </a:spcBef>
+              <a:buSzPct val="80000"/>
+            </a:pPr>
+            <a:r>
+              <a:rPr lang="en-US" sz="2000" dirty="0" smtClean="0">
+                <a:gradFill>
+                  <a:gsLst>
+                    <a:gs pos="0">
+                      <a:srgbClr val="292929">
+                        <a:lumMod val="90000"/>
+                        <a:lumOff val="10000"/>
+                      </a:srgbClr>
+                    </a:gs>
+                    <a:gs pos="86000">
+                      <a:srgbClr val="292929">
+                        <a:lumMod val="90000"/>
+                        <a:lumOff val="10000"/>
+                      </a:srgbClr>
+                    </a:gs>
+                  </a:gsLst>
+                  <a:lin ang="5400000" scaled="0"/>
+                </a:gradFill>
+                <a:latin typeface="Segoe UI Light" panose="020B0502040204020203" pitchFamily="34" charset="0"/>
+                <a:cs typeface="Segoe UI Light" panose="020B0502040204020203" pitchFamily="34" charset="0"/>
+              </a:rPr>
+              <a:t>1 to 1,024 characters</a:t>
+            </a:r>
+          </a:p>
+          <a:p>
+            <a:pPr algn="ctr">
+              <a:lnSpc>
+                <a:spcPct val="90000"/>
+              </a:lnSpc>
+              <a:spcBef>
+                <a:spcPct val="20000"/>
+              </a:spcBef>
+              <a:buSzPct val="80000"/>
+            </a:pPr>
+            <a:r>
+              <a:rPr lang="en-US" sz="2000" u="sng" dirty="0" smtClean="0">
+                <a:gradFill>
+                  <a:gsLst>
+                    <a:gs pos="0">
+                      <a:srgbClr val="292929">
+                        <a:lumMod val="90000"/>
+                        <a:lumOff val="10000"/>
+                      </a:srgbClr>
+                    </a:gs>
+                    <a:gs pos="86000">
+                      <a:srgbClr val="292929">
+                        <a:lumMod val="90000"/>
+                        <a:lumOff val="10000"/>
+                      </a:srgbClr>
+                    </a:gs>
+                  </a:gsLst>
+                  <a:lin ang="5400000" scaled="0"/>
+                </a:gradFill>
+                <a:latin typeface="Segoe UI Light" panose="020B0502040204020203" pitchFamily="34" charset="0"/>
+                <a:cs typeface="Segoe UI Light" panose="020B0502040204020203" pitchFamily="34" charset="0"/>
+              </a:rPr>
+              <a:t>Any</a:t>
+            </a:r>
+            <a:r>
+              <a:rPr lang="en-US" sz="2000" dirty="0" smtClean="0">
+                <a:gradFill>
+                  <a:gsLst>
+                    <a:gs pos="0">
+                      <a:srgbClr val="292929">
+                        <a:lumMod val="90000"/>
+                        <a:lumOff val="10000"/>
+                      </a:srgbClr>
+                    </a:gs>
+                    <a:gs pos="86000">
+                      <a:srgbClr val="292929">
+                        <a:lumMod val="90000"/>
+                        <a:lumOff val="10000"/>
+                      </a:srgbClr>
+                    </a:gs>
+                  </a:gsLst>
+                  <a:lin ang="5400000" scaled="0"/>
+                </a:gradFill>
+                <a:latin typeface="Segoe UI Light" panose="020B0502040204020203" pitchFamily="34" charset="0"/>
+                <a:cs typeface="Segoe UI Light" panose="020B0502040204020203" pitchFamily="34" charset="0"/>
+              </a:rPr>
+              <a:t> characters (including slashes)</a:t>
+            </a:r>
+          </a:p>
+          <a:p>
+            <a:pPr algn="ctr">
+              <a:lnSpc>
+                <a:spcPct val="90000"/>
+              </a:lnSpc>
+              <a:spcBef>
+                <a:spcPct val="20000"/>
+              </a:spcBef>
+              <a:buSzPct val="80000"/>
+            </a:pPr>
+            <a:r>
+              <a:rPr lang="en-US" sz="2000" dirty="0" smtClean="0">
+                <a:gradFill>
+                  <a:gsLst>
+                    <a:gs pos="0">
+                      <a:srgbClr val="292929">
+                        <a:lumMod val="90000"/>
+                        <a:lumOff val="10000"/>
+                      </a:srgbClr>
+                    </a:gs>
+                    <a:gs pos="86000">
+                      <a:srgbClr val="292929">
+                        <a:lumMod val="90000"/>
+                        <a:lumOff val="10000"/>
+                      </a:srgbClr>
+                    </a:gs>
+                  </a:gsLst>
+                  <a:lin ang="5400000" scaled="0"/>
+                </a:gradFill>
+                <a:latin typeface="Segoe UI Light" panose="020B0502040204020203" pitchFamily="34" charset="0"/>
+                <a:cs typeface="Segoe UI Light" panose="020B0502040204020203" pitchFamily="34" charset="0"/>
+              </a:rPr>
+              <a:t>URL characters must be escaped</a:t>
+            </a:r>
+          </a:p>
+          <a:p>
+            <a:pPr algn="ctr">
+              <a:lnSpc>
+                <a:spcPct val="90000"/>
+              </a:lnSpc>
+              <a:spcBef>
+                <a:spcPct val="20000"/>
+              </a:spcBef>
+              <a:buSzPct val="80000"/>
+            </a:pPr>
+            <a:r>
+              <a:rPr lang="en-US" sz="2000" dirty="0" smtClean="0">
+                <a:gradFill>
+                  <a:gsLst>
+                    <a:gs pos="0">
+                      <a:srgbClr val="292929">
+                        <a:lumMod val="90000"/>
+                        <a:lumOff val="10000"/>
+                      </a:srgbClr>
+                    </a:gs>
+                    <a:gs pos="86000">
+                      <a:srgbClr val="292929">
+                        <a:lumMod val="90000"/>
+                        <a:lumOff val="10000"/>
+                      </a:srgbClr>
+                    </a:gs>
+                  </a:gsLst>
+                  <a:lin ang="5400000" scaled="0"/>
+                </a:gradFill>
+                <a:latin typeface="Segoe UI Light" panose="020B0502040204020203" pitchFamily="34" charset="0"/>
+                <a:cs typeface="Segoe UI Light" panose="020B0502040204020203" pitchFamily="34" charset="0"/>
+              </a:rPr>
+              <a:t>Max. 254 path segments</a:t>
+            </a:r>
+            <a:endParaRPr lang="en-US" sz="2000" dirty="0">
+              <a:gradFill>
+                <a:gsLst>
+                  <a:gs pos="0">
+                    <a:srgbClr val="292929">
+                      <a:lumMod val="90000"/>
+                      <a:lumOff val="10000"/>
+                    </a:srgbClr>
+                  </a:gs>
+                  <a:gs pos="86000">
+                    <a:srgbClr val="292929">
+                      <a:lumMod val="90000"/>
+                      <a:lumOff val="10000"/>
+                    </a:srgbClr>
+                  </a:gs>
+                </a:gsLst>
+                <a:lin ang="5400000" scaled="0"/>
+              </a:gradFill>
+              <a:latin typeface="Segoe UI Light" panose="020B0502040204020203" pitchFamily="34" charset="0"/>
+              <a:cs typeface="Segoe UI Light" panose="020B0502040204020203" pitchFamily="34" charset="0"/>
+            </a:endParaRPr>
           </a:p>
         </p:txBody>
       </p:sp>
     </p:spTree>
     <p:extLst>
       <p:ext uri="{BB962C8B-B14F-4D97-AF65-F5344CB8AC3E}">
-        <p14:creationId xmlns:p14="http://schemas.microsoft.com/office/powerpoint/2010/main" val="3440550369"/>
+        <p14:creationId xmlns:p14="http://schemas.microsoft.com/office/powerpoint/2010/main" val="134281230"/>
       </p:ext>
     </p:extLst>
   </p:cSld>
@@ -14610,6 +14446,13 @@
   <p:transition>
     <p:fade/>
   </p:transition>
+  <p:timing>
+    <p:tnLst>
+      <p:par>
+        <p:cTn id="1" dur="indefinite" restart="never" nodeType="tmRoot"/>
+      </p:par>
+    </p:tnLst>
+  </p:timing>
 </p:sld>
 </file>
 
@@ -14632,145 +14475,153 @@
       </p:grpSpPr>
       <p:sp>
         <p:nvSpPr>
-          <p:cNvPr id="2" name="Title 1"/>
-          <p:cNvSpPr>
-            <a:spLocks noGrp="1"/>
-          </p:cNvSpPr>
-          <p:nvPr>
-            <p:ph type="title"/>
-          </p:nvPr>
+          <p:cNvPr id="38" name="Rounded Rectangle 37"/>
+          <p:cNvSpPr/>
+          <p:nvPr/>
         </p:nvSpPr>
-        <p:spPr/>
+        <p:spPr bwMode="auto">
+          <a:xfrm>
+            <a:off x="1688123" y="1225340"/>
+            <a:ext cx="2331218" cy="3728497"/>
+          </a:xfrm>
+          <a:prstGeom prst="roundRect">
+            <a:avLst>
+              <a:gd name="adj" fmla="val 12442"/>
+            </a:avLst>
+          </a:prstGeom>
+          <a:solidFill>
+            <a:schemeClr val="bg1"/>
+          </a:solidFill>
+          <a:ln w="57150">
+            <a:solidFill>
+              <a:schemeClr val="accent2"/>
+            </a:solidFill>
+            <a:headEnd type="none" w="med" len="med"/>
+            <a:tailEnd type="none" w="med" len="med"/>
+          </a:ln>
+          <a:effectLst/>
+        </p:spPr>
+        <p:style>
+          <a:lnRef idx="1">
+            <a:schemeClr val="accent2"/>
+          </a:lnRef>
+          <a:fillRef idx="3">
+            <a:schemeClr val="accent2"/>
+          </a:fillRef>
+          <a:effectRef idx="2">
+            <a:schemeClr val="accent2"/>
+          </a:effectRef>
+          <a:fontRef idx="minor">
+            <a:schemeClr val="lt1"/>
+          </a:fontRef>
+        </p:style>
         <p:txBody>
-          <a:bodyPr/>
+          <a:bodyPr vert="horz" wrap="square" lIns="91436" tIns="45718" rIns="91436" bIns="45718" numCol="1" rtlCol="0" anchor="t" anchorCtr="0" compatLnSpc="1">
+            <a:prstTxWarp prst="textNoShape">
+              <a:avLst/>
+            </a:prstTxWarp>
+          </a:bodyPr>
           <a:lstStyle/>
           <a:p>
-            <a:r>
-              <a:rPr lang="en-US" dirty="0" smtClean="0"/>
-              <a:t>Access Keys</a:t>
-            </a:r>
-            <a:endParaRPr lang="en-US" dirty="0"/>
+            <a:pPr algn="ctr" defTabSz="914099" fontAlgn="base">
+              <a:spcBef>
+                <a:spcPct val="0"/>
+              </a:spcBef>
+              <a:spcAft>
+                <a:spcPct val="0"/>
+              </a:spcAft>
+            </a:pPr>
+            <a:r>
+              <a:rPr lang="en-US" sz="3200" dirty="0" smtClean="0">
+                <a:solidFill>
+                  <a:schemeClr val="accent2"/>
+                </a:solidFill>
+                <a:latin typeface="Segoe UI Light" panose="020B0502040204020203" pitchFamily="34" charset="0"/>
+                <a:cs typeface="Segoe UI Light" panose="020B0502040204020203" pitchFamily="34" charset="0"/>
+              </a:rPr>
+              <a:t>Accounts</a:t>
+            </a:r>
+            <a:endParaRPr lang="en-US" sz="3200" dirty="0" smtClean="0">
+              <a:solidFill>
+                <a:schemeClr val="accent2"/>
+              </a:solidFill>
+              <a:latin typeface="Segoe UI Light" panose="020B0502040204020203" pitchFamily="34" charset="0"/>
+              <a:cs typeface="Segoe UI Light" panose="020B0502040204020203" pitchFamily="34" charset="0"/>
+            </a:endParaRPr>
           </a:p>
         </p:txBody>
       </p:sp>
       <p:sp>
         <p:nvSpPr>
-          <p:cNvPr id="3" name="Content Placeholder 2"/>
-          <p:cNvSpPr>
-            <a:spLocks noGrp="1"/>
-          </p:cNvSpPr>
-          <p:nvPr>
-            <p:ph sz="half" idx="1"/>
-          </p:nvPr>
+          <p:cNvPr id="37" name="Rounded Rectangle 36"/>
+          <p:cNvSpPr/>
+          <p:nvPr/>
         </p:nvSpPr>
-        <p:spPr>
+        <p:spPr bwMode="auto">
           <a:xfrm>
-            <a:off x="519248" y="1447800"/>
-            <a:ext cx="5487829" cy="4658455"/>
+            <a:off x="4989562" y="1225340"/>
+            <a:ext cx="2331218" cy="3728497"/>
           </a:xfrm>
+          <a:prstGeom prst="roundRect">
+            <a:avLst>
+              <a:gd name="adj" fmla="val 12442"/>
+            </a:avLst>
+          </a:prstGeom>
+          <a:solidFill>
+            <a:schemeClr val="bg1"/>
+          </a:solidFill>
+          <a:ln w="57150">
+            <a:solidFill>
+              <a:schemeClr val="accent2"/>
+            </a:solidFill>
+            <a:headEnd type="none" w="med" len="med"/>
+            <a:tailEnd type="none" w="med" len="med"/>
+          </a:ln>
+          <a:effectLst/>
         </p:spPr>
+        <p:style>
+          <a:lnRef idx="1">
+            <a:schemeClr val="accent2"/>
+          </a:lnRef>
+          <a:fillRef idx="3">
+            <a:schemeClr val="accent2"/>
+          </a:fillRef>
+          <a:effectRef idx="2">
+            <a:schemeClr val="accent2"/>
+          </a:effectRef>
+          <a:fontRef idx="minor">
+            <a:schemeClr val="lt1"/>
+          </a:fontRef>
+        </p:style>
         <p:txBody>
-          <a:bodyPr/>
+          <a:bodyPr vert="horz" wrap="square" lIns="91436" tIns="45718" rIns="91436" bIns="45718" numCol="1" rtlCol="0" anchor="t" anchorCtr="0" compatLnSpc="1">
+            <a:prstTxWarp prst="textNoShape">
+              <a:avLst/>
+            </a:prstTxWarp>
+          </a:bodyPr>
           <a:lstStyle/>
           <a:p>
-            <a:r>
-              <a:rPr lang="en-US" dirty="0" smtClean="0"/>
-              <a:t>Access to storage by non-account-owners relies on keys for authentication</a:t>
-            </a:r>
-          </a:p>
-          <a:p>
-            <a:pPr lvl="1"/>
-            <a:r>
-              <a:rPr lang="en-US" dirty="0" smtClean="0"/>
-              <a:t>Two 512-bit keys per account</a:t>
-            </a:r>
-          </a:p>
-          <a:p>
-            <a:r>
-              <a:rPr lang="en-US" dirty="0" smtClean="0"/>
-              <a:t>Keys should be "rolled" periodically for security</a:t>
-            </a:r>
-          </a:p>
-          <a:p>
-            <a:r>
-              <a:rPr lang="en-US" dirty="0" smtClean="0"/>
-              <a:t>Keys can be used to generate shared-access signatures (</a:t>
-            </a:r>
-            <a:r>
-              <a:rPr lang="en-US" dirty="0" err="1" smtClean="0"/>
-              <a:t>SASes</a:t>
-            </a:r>
-            <a:r>
-              <a:rPr lang="en-US" dirty="0" smtClean="0"/>
-              <a:t>) for time-limited access</a:t>
+            <a:pPr algn="ctr" defTabSz="914099" fontAlgn="base">
+              <a:spcBef>
+                <a:spcPct val="0"/>
+              </a:spcBef>
+              <a:spcAft>
+                <a:spcPct val="0"/>
+              </a:spcAft>
+            </a:pPr>
+            <a:r>
+              <a:rPr lang="en-US" sz="3200" dirty="0">
+                <a:solidFill>
+                  <a:schemeClr val="accent2"/>
+                </a:solidFill>
+                <a:latin typeface="Segoe UI Light" panose="020B0502040204020203" pitchFamily="34" charset="0"/>
+                <a:cs typeface="Segoe UI Light" panose="020B0502040204020203" pitchFamily="34" charset="0"/>
+              </a:rPr>
+              <a:t>Containers</a:t>
             </a:r>
           </a:p>
         </p:txBody>
       </p:sp>
-      <p:pic>
-        <p:nvPicPr>
-          <p:cNvPr id="5" name="Picture 4"/>
-          <p:cNvPicPr>
-            <a:picLocks noChangeAspect="1"/>
-          </p:cNvPicPr>
-          <p:nvPr/>
-        </p:nvPicPr>
-        <p:blipFill>
-          <a:blip r:embed="rId2"/>
-          <a:stretch>
-            <a:fillRect/>
-          </a:stretch>
-        </p:blipFill>
-        <p:spPr>
-          <a:xfrm>
-            <a:off x="6413364" y="1447800"/>
-            <a:ext cx="5257800" cy="4362450"/>
-          </a:xfrm>
-          <a:prstGeom prst="rect">
-            <a:avLst/>
-          </a:prstGeom>
-          <a:ln>
-            <a:solidFill>
-              <a:schemeClr val="bg2">
-                <a:lumMod val="75000"/>
-              </a:schemeClr>
-            </a:solidFill>
-          </a:ln>
-        </p:spPr>
-      </p:pic>
-    </p:spTree>
-    <p:extLst>
-      <p:ext uri="{BB962C8B-B14F-4D97-AF65-F5344CB8AC3E}">
-        <p14:creationId xmlns:p14="http://schemas.microsoft.com/office/powerpoint/2010/main" val="1112073798"/>
-      </p:ext>
-    </p:extLst>
-  </p:cSld>
-  <p:clrMapOvr>
-    <a:masterClrMapping/>
-  </p:clrMapOvr>
-  <p:transition>
-    <p:fade/>
-  </p:transition>
-</p:sld>
-</file>
-
-<file path=ppt/slides/slide5.xml><?xml version="1.0" encoding="utf-8"?>
-<p:sld xmlns:a="http://schemas.openxmlformats.org/drawingml/2006/main" xmlns:r="http://schemas.openxmlformats.org/officeDocument/2006/relationships" xmlns:p="http://schemas.openxmlformats.org/presentationml/2006/main">
-  <p:cSld>
-    <p:spTree>
-      <p:nvGrpSpPr>
-        <p:cNvPr id="1" name=""/>
-        <p:cNvGrpSpPr/>
-        <p:nvPr/>
-      </p:nvGrpSpPr>
-      <p:grpSpPr>
-        <a:xfrm>
-          <a:off x="0" y="0"/>
-          <a:ext cx="0" cy="0"/>
-          <a:chOff x="0" y="0"/>
-          <a:chExt cx="0" cy="0"/>
-        </a:xfrm>
-      </p:grpSpPr>
       <p:sp>
         <p:nvSpPr>
           <p:cNvPr id="2" name="Title 1"/>
@@ -14788,7 +14639,7 @@
           <a:p>
             <a:r>
               <a:rPr lang="en-US" dirty="0" smtClean="0"/>
-              <a:t>Blob Containers</a:t>
+              <a:t>Blob URLs</a:t>
             </a:r>
             <a:endParaRPr lang="en-US" dirty="0"/>
           </a:p>
@@ -14796,101 +14647,942 @@
       </p:sp>
       <p:sp>
         <p:nvSpPr>
-          <p:cNvPr id="3" name="Content Placeholder 2"/>
-          <p:cNvSpPr>
-            <a:spLocks noGrp="1"/>
-          </p:cNvSpPr>
-          <p:nvPr>
-            <p:ph idx="1"/>
-          </p:nvPr>
+          <p:cNvPr id="6" name="Rounded Rectangle 5"/>
+          <p:cNvSpPr/>
+          <p:nvPr/>
+        </p:nvSpPr>
+        <p:spPr bwMode="auto">
+          <a:xfrm>
+            <a:off x="8292124" y="1225340"/>
+            <a:ext cx="2331218" cy="3728497"/>
+          </a:xfrm>
+          <a:prstGeom prst="roundRect">
+            <a:avLst>
+              <a:gd name="adj" fmla="val 12442"/>
+            </a:avLst>
+          </a:prstGeom>
+          <a:solidFill>
+            <a:schemeClr val="bg1"/>
+          </a:solidFill>
+          <a:ln w="57150">
+            <a:solidFill>
+              <a:schemeClr val="accent2"/>
+            </a:solidFill>
+            <a:headEnd type="none" w="med" len="med"/>
+            <a:tailEnd type="none" w="med" len="med"/>
+          </a:ln>
+          <a:effectLst/>
+        </p:spPr>
+        <p:style>
+          <a:lnRef idx="1">
+            <a:schemeClr val="accent2"/>
+          </a:lnRef>
+          <a:fillRef idx="3">
+            <a:schemeClr val="accent2"/>
+          </a:fillRef>
+          <a:effectRef idx="2">
+            <a:schemeClr val="accent2"/>
+          </a:effectRef>
+          <a:fontRef idx="minor">
+            <a:schemeClr val="lt1"/>
+          </a:fontRef>
+        </p:style>
+        <p:txBody>
+          <a:bodyPr vert="horz" wrap="square" lIns="91436" tIns="45718" rIns="91436" bIns="45718" numCol="1" rtlCol="0" anchor="t" anchorCtr="0" compatLnSpc="1">
+            <a:prstTxWarp prst="textNoShape">
+              <a:avLst/>
+            </a:prstTxWarp>
+          </a:bodyPr>
+          <a:lstStyle/>
+          <a:p>
+            <a:pPr algn="ctr" defTabSz="914099" fontAlgn="base">
+              <a:spcBef>
+                <a:spcPct val="0"/>
+              </a:spcBef>
+              <a:spcAft>
+                <a:spcPct val="0"/>
+              </a:spcAft>
+            </a:pPr>
+            <a:r>
+              <a:rPr lang="en-US" sz="3200" dirty="0">
+                <a:solidFill>
+                  <a:schemeClr val="accent2"/>
+                </a:solidFill>
+                <a:latin typeface="Segoe UI Light" panose="020B0502040204020203" pitchFamily="34" charset="0"/>
+                <a:cs typeface="Segoe UI Light" panose="020B0502040204020203" pitchFamily="34" charset="0"/>
+              </a:rPr>
+              <a:t>Blobs</a:t>
+            </a:r>
+          </a:p>
+        </p:txBody>
+      </p:sp>
+      <p:sp>
+        <p:nvSpPr>
+          <p:cNvPr id="7" name="Rounded Rectangle 6"/>
+          <p:cNvSpPr/>
+          <p:nvPr/>
+        </p:nvSpPr>
+        <p:spPr bwMode="auto">
+          <a:xfrm>
+            <a:off x="1927607" y="2973544"/>
+            <a:ext cx="1854200" cy="800100"/>
+          </a:xfrm>
+          <a:prstGeom prst="roundRect">
+            <a:avLst/>
+          </a:prstGeom>
+          <a:solidFill>
+            <a:schemeClr val="accent1"/>
+          </a:solidFill>
+          <a:ln>
+            <a:noFill/>
+            <a:headEnd type="none" w="med" len="med"/>
+            <a:tailEnd type="none" w="med" len="med"/>
+          </a:ln>
+          <a:effectLst/>
+        </p:spPr>
+        <p:style>
+          <a:lnRef idx="1">
+            <a:schemeClr val="accent2"/>
+          </a:lnRef>
+          <a:fillRef idx="3">
+            <a:schemeClr val="accent2"/>
+          </a:fillRef>
+          <a:effectRef idx="2">
+            <a:schemeClr val="accent2"/>
+          </a:effectRef>
+          <a:fontRef idx="minor">
+            <a:schemeClr val="lt1"/>
+          </a:fontRef>
+        </p:style>
+        <p:txBody>
+          <a:bodyPr vert="horz" wrap="square" lIns="91436" tIns="45718" rIns="91436" bIns="45718" numCol="1" rtlCol="0" anchor="ctr" anchorCtr="0" compatLnSpc="1">
+            <a:prstTxWarp prst="textNoShape">
+              <a:avLst/>
+            </a:prstTxWarp>
+          </a:bodyPr>
+          <a:lstStyle/>
+          <a:p>
+            <a:pPr algn="ctr" defTabSz="914099" fontAlgn="base">
+              <a:spcBef>
+                <a:spcPct val="0"/>
+              </a:spcBef>
+              <a:spcAft>
+                <a:spcPct val="0"/>
+              </a:spcAft>
+            </a:pPr>
+            <a:r>
+              <a:rPr lang="en-US" sz="2200" dirty="0" smtClean="0">
+                <a:solidFill>
+                  <a:schemeClr val="bg1"/>
+                </a:solidFill>
+                <a:latin typeface="Segoe UI Light" panose="020B0502040204020203" pitchFamily="34" charset="0"/>
+                <a:cs typeface="Segoe UI Light" panose="020B0502040204020203" pitchFamily="34" charset="0"/>
+              </a:rPr>
+              <a:t>a4rlabs</a:t>
+            </a:r>
+            <a:endParaRPr lang="en-US" sz="2200" dirty="0" smtClean="0">
+              <a:solidFill>
+                <a:schemeClr val="bg1"/>
+              </a:solidFill>
+              <a:latin typeface="Segoe UI Light" panose="020B0502040204020203" pitchFamily="34" charset="0"/>
+              <a:cs typeface="Segoe UI Light" panose="020B0502040204020203" pitchFamily="34" charset="0"/>
+            </a:endParaRPr>
+          </a:p>
+        </p:txBody>
+      </p:sp>
+      <p:sp>
+        <p:nvSpPr>
+          <p:cNvPr id="8" name="Rounded Rectangle 7"/>
+          <p:cNvSpPr/>
+          <p:nvPr/>
+        </p:nvSpPr>
+        <p:spPr bwMode="auto">
+          <a:xfrm>
+            <a:off x="5229607" y="2033880"/>
+            <a:ext cx="1854200" cy="800100"/>
+          </a:xfrm>
+          <a:prstGeom prst="roundRect">
+            <a:avLst/>
+          </a:prstGeom>
+          <a:solidFill>
+            <a:schemeClr val="accent2"/>
+          </a:solidFill>
+          <a:ln>
+            <a:noFill/>
+            <a:headEnd type="none" w="med" len="med"/>
+            <a:tailEnd type="none" w="med" len="med"/>
+          </a:ln>
+          <a:effectLst/>
+        </p:spPr>
+        <p:style>
+          <a:lnRef idx="1">
+            <a:schemeClr val="accent2"/>
+          </a:lnRef>
+          <a:fillRef idx="3">
+            <a:schemeClr val="accent2"/>
+          </a:fillRef>
+          <a:effectRef idx="2">
+            <a:schemeClr val="accent2"/>
+          </a:effectRef>
+          <a:fontRef idx="minor">
+            <a:schemeClr val="lt1"/>
+          </a:fontRef>
+        </p:style>
+        <p:txBody>
+          <a:bodyPr vert="horz" wrap="square" lIns="91436" tIns="45718" rIns="91436" bIns="45718" numCol="1" rtlCol="0" anchor="ctr" anchorCtr="0" compatLnSpc="1">
+            <a:prstTxWarp prst="textNoShape">
+              <a:avLst/>
+            </a:prstTxWarp>
+          </a:bodyPr>
+          <a:lstStyle/>
+          <a:p>
+            <a:pPr algn="ctr" defTabSz="914099" fontAlgn="base">
+              <a:spcBef>
+                <a:spcPct val="0"/>
+              </a:spcBef>
+              <a:spcAft>
+                <a:spcPct val="0"/>
+              </a:spcAft>
+            </a:pPr>
+            <a:r>
+              <a:rPr lang="en-US" sz="2200" dirty="0" smtClean="0">
+                <a:solidFill>
+                  <a:schemeClr val="bg1"/>
+                </a:solidFill>
+                <a:latin typeface="Segoe UI Light" panose="020B0502040204020203" pitchFamily="34" charset="0"/>
+                <a:cs typeface="Segoe UI Light" panose="020B0502040204020203" pitchFamily="34" charset="0"/>
+              </a:rPr>
+              <a:t>images</a:t>
+            </a:r>
+            <a:endParaRPr lang="en-US" sz="2200" dirty="0">
+              <a:solidFill>
+                <a:schemeClr val="bg1"/>
+              </a:solidFill>
+              <a:latin typeface="Segoe UI Light" panose="020B0502040204020203" pitchFamily="34" charset="0"/>
+              <a:cs typeface="Segoe UI Light" panose="020B0502040204020203" pitchFamily="34" charset="0"/>
+            </a:endParaRPr>
+          </a:p>
+        </p:txBody>
+      </p:sp>
+      <p:sp>
+        <p:nvSpPr>
+          <p:cNvPr id="9" name="Rounded Rectangle 8"/>
+          <p:cNvSpPr/>
+          <p:nvPr/>
+        </p:nvSpPr>
+        <p:spPr bwMode="auto">
+          <a:xfrm>
+            <a:off x="5229607" y="3913208"/>
+            <a:ext cx="1854200" cy="800100"/>
+          </a:xfrm>
+          <a:prstGeom prst="roundRect">
+            <a:avLst/>
+          </a:prstGeom>
+          <a:solidFill>
+            <a:srgbClr val="CC99FF"/>
+          </a:solidFill>
+          <a:ln>
+            <a:noFill/>
+            <a:headEnd type="none" w="med" len="med"/>
+            <a:tailEnd type="none" w="med" len="med"/>
+          </a:ln>
+          <a:effectLst/>
+        </p:spPr>
+        <p:style>
+          <a:lnRef idx="1">
+            <a:schemeClr val="accent2"/>
+          </a:lnRef>
+          <a:fillRef idx="3">
+            <a:schemeClr val="accent2"/>
+          </a:fillRef>
+          <a:effectRef idx="2">
+            <a:schemeClr val="accent2"/>
+          </a:effectRef>
+          <a:fontRef idx="minor">
+            <a:schemeClr val="lt1"/>
+          </a:fontRef>
+        </p:style>
+        <p:txBody>
+          <a:bodyPr vert="horz" wrap="square" lIns="91436" tIns="45718" rIns="91436" bIns="45718" numCol="1" rtlCol="0" anchor="ctr" anchorCtr="0" compatLnSpc="1">
+            <a:prstTxWarp prst="textNoShape">
+              <a:avLst/>
+            </a:prstTxWarp>
+          </a:bodyPr>
+          <a:lstStyle/>
+          <a:p>
+            <a:pPr algn="ctr" defTabSz="914099" fontAlgn="base">
+              <a:spcBef>
+                <a:spcPct val="0"/>
+              </a:spcBef>
+              <a:spcAft>
+                <a:spcPct val="0"/>
+              </a:spcAft>
+            </a:pPr>
+            <a:r>
+              <a:rPr lang="en-US" sz="2200" dirty="0" smtClean="0">
+                <a:solidFill>
+                  <a:schemeClr val="bg1"/>
+                </a:solidFill>
+                <a:latin typeface="Segoe UI Light" panose="020B0502040204020203" pitchFamily="34" charset="0"/>
+                <a:cs typeface="Segoe UI Light" panose="020B0502040204020203" pitchFamily="34" charset="0"/>
+              </a:rPr>
+              <a:t>documents</a:t>
+            </a:r>
+            <a:endParaRPr lang="en-US" sz="2200" dirty="0">
+              <a:solidFill>
+                <a:schemeClr val="bg1"/>
+              </a:solidFill>
+              <a:latin typeface="Segoe UI Light" panose="020B0502040204020203" pitchFamily="34" charset="0"/>
+              <a:cs typeface="Segoe UI Light" panose="020B0502040204020203" pitchFamily="34" charset="0"/>
+            </a:endParaRPr>
+          </a:p>
+        </p:txBody>
+      </p:sp>
+      <p:sp>
+        <p:nvSpPr>
+          <p:cNvPr id="14" name="Rounded Rectangle 13"/>
+          <p:cNvSpPr/>
+          <p:nvPr/>
+        </p:nvSpPr>
+        <p:spPr bwMode="auto">
+          <a:xfrm>
+            <a:off x="8531607" y="2033880"/>
+            <a:ext cx="1854200" cy="800100"/>
+          </a:xfrm>
+          <a:prstGeom prst="roundRect">
+            <a:avLst/>
+          </a:prstGeom>
+          <a:solidFill>
+            <a:schemeClr val="accent4"/>
+          </a:solidFill>
+          <a:ln>
+            <a:noFill/>
+            <a:headEnd type="none" w="med" len="med"/>
+            <a:tailEnd type="none" w="med" len="med"/>
+          </a:ln>
+          <a:effectLst/>
+        </p:spPr>
+        <p:style>
+          <a:lnRef idx="1">
+            <a:schemeClr val="accent2"/>
+          </a:lnRef>
+          <a:fillRef idx="3">
+            <a:schemeClr val="accent2"/>
+          </a:fillRef>
+          <a:effectRef idx="2">
+            <a:schemeClr val="accent2"/>
+          </a:effectRef>
+          <a:fontRef idx="minor">
+            <a:schemeClr val="lt1"/>
+          </a:fontRef>
+        </p:style>
+        <p:txBody>
+          <a:bodyPr vert="horz" wrap="square" lIns="91436" tIns="45718" rIns="91436" bIns="45718" numCol="1" rtlCol="0" anchor="ctr" anchorCtr="0" compatLnSpc="1">
+            <a:prstTxWarp prst="textNoShape">
+              <a:avLst/>
+            </a:prstTxWarp>
+          </a:bodyPr>
+          <a:lstStyle/>
+          <a:p>
+            <a:pPr algn="ctr" defTabSz="914099" fontAlgn="base">
+              <a:spcBef>
+                <a:spcPct val="0"/>
+              </a:spcBef>
+              <a:spcAft>
+                <a:spcPct val="0"/>
+              </a:spcAft>
+            </a:pPr>
+            <a:r>
+              <a:rPr lang="en-US" sz="2200" dirty="0" smtClean="0">
+                <a:solidFill>
+                  <a:schemeClr val="bg1"/>
+                </a:solidFill>
+                <a:latin typeface="Segoe UI Light" panose="020B0502040204020203" pitchFamily="34" charset="0"/>
+                <a:cs typeface="Segoe UI Light" panose="020B0502040204020203" pitchFamily="34" charset="0"/>
+              </a:rPr>
+              <a:t>schema.jpg</a:t>
+            </a:r>
+            <a:endParaRPr lang="en-US" sz="2200" dirty="0">
+              <a:solidFill>
+                <a:schemeClr val="bg1"/>
+              </a:solidFill>
+              <a:latin typeface="Segoe UI Light" panose="020B0502040204020203" pitchFamily="34" charset="0"/>
+              <a:cs typeface="Segoe UI Light" panose="020B0502040204020203" pitchFamily="34" charset="0"/>
+            </a:endParaRPr>
+          </a:p>
+        </p:txBody>
+      </p:sp>
+      <p:sp>
+        <p:nvSpPr>
+          <p:cNvPr id="15" name="Rounded Rectangle 14"/>
+          <p:cNvSpPr/>
+          <p:nvPr/>
+        </p:nvSpPr>
+        <p:spPr bwMode="auto">
+          <a:xfrm>
+            <a:off x="8531607" y="3913208"/>
+            <a:ext cx="1854200" cy="800100"/>
+          </a:xfrm>
+          <a:prstGeom prst="roundRect">
+            <a:avLst/>
+          </a:prstGeom>
+          <a:solidFill>
+            <a:srgbClr val="CC99FF"/>
+          </a:solidFill>
+          <a:ln>
+            <a:noFill/>
+            <a:headEnd type="none" w="med" len="med"/>
+            <a:tailEnd type="none" w="med" len="med"/>
+          </a:ln>
+          <a:effectLst/>
+        </p:spPr>
+        <p:style>
+          <a:lnRef idx="1">
+            <a:schemeClr val="accent2"/>
+          </a:lnRef>
+          <a:fillRef idx="3">
+            <a:schemeClr val="accent2"/>
+          </a:fillRef>
+          <a:effectRef idx="2">
+            <a:schemeClr val="accent2"/>
+          </a:effectRef>
+          <a:fontRef idx="minor">
+            <a:schemeClr val="lt1"/>
+          </a:fontRef>
+        </p:style>
+        <p:txBody>
+          <a:bodyPr vert="horz" wrap="square" lIns="91436" tIns="45718" rIns="91436" bIns="45718" numCol="1" rtlCol="0" anchor="ctr" anchorCtr="0" compatLnSpc="1">
+            <a:prstTxWarp prst="textNoShape">
+              <a:avLst/>
+            </a:prstTxWarp>
+          </a:bodyPr>
+          <a:lstStyle/>
+          <a:p>
+            <a:pPr algn="ctr" defTabSz="914099" fontAlgn="base">
+              <a:spcBef>
+                <a:spcPct val="0"/>
+              </a:spcBef>
+              <a:spcAft>
+                <a:spcPct val="0"/>
+              </a:spcAft>
+            </a:pPr>
+            <a:r>
+              <a:rPr lang="en-US" sz="2200" dirty="0" smtClean="0">
+                <a:solidFill>
+                  <a:schemeClr val="bg1"/>
+                </a:solidFill>
+                <a:latin typeface="Segoe UI Light" panose="020B0502040204020203" pitchFamily="34" charset="0"/>
+                <a:cs typeface="Segoe UI Light" panose="020B0502040204020203" pitchFamily="34" charset="0"/>
+              </a:rPr>
+              <a:t>Labs.pdf</a:t>
+            </a:r>
+            <a:endParaRPr lang="en-US" sz="2200" dirty="0">
+              <a:solidFill>
+                <a:schemeClr val="bg1"/>
+              </a:solidFill>
+              <a:latin typeface="Segoe UI Light" panose="020B0502040204020203" pitchFamily="34" charset="0"/>
+              <a:cs typeface="Segoe UI Light" panose="020B0502040204020203" pitchFamily="34" charset="0"/>
+            </a:endParaRPr>
+          </a:p>
+        </p:txBody>
+      </p:sp>
+      <p:sp>
+        <p:nvSpPr>
+          <p:cNvPr id="16" name="Rounded Rectangle 15"/>
+          <p:cNvSpPr/>
+          <p:nvPr/>
+        </p:nvSpPr>
+        <p:spPr bwMode="auto">
+          <a:xfrm>
+            <a:off x="8531607" y="2973544"/>
+            <a:ext cx="1854200" cy="800100"/>
+          </a:xfrm>
+          <a:prstGeom prst="roundRect">
+            <a:avLst/>
+          </a:prstGeom>
+          <a:solidFill>
+            <a:srgbClr val="CC99FF"/>
+          </a:solidFill>
+          <a:ln>
+            <a:noFill/>
+            <a:headEnd type="none" w="med" len="med"/>
+            <a:tailEnd type="none" w="med" len="med"/>
+          </a:ln>
+          <a:effectLst/>
+        </p:spPr>
+        <p:style>
+          <a:lnRef idx="1">
+            <a:schemeClr val="accent2"/>
+          </a:lnRef>
+          <a:fillRef idx="3">
+            <a:schemeClr val="accent2"/>
+          </a:fillRef>
+          <a:effectRef idx="2">
+            <a:schemeClr val="accent2"/>
+          </a:effectRef>
+          <a:fontRef idx="minor">
+            <a:schemeClr val="lt1"/>
+          </a:fontRef>
+        </p:style>
+        <p:txBody>
+          <a:bodyPr vert="horz" wrap="square" lIns="91436" tIns="45718" rIns="91436" bIns="45718" numCol="1" rtlCol="0" anchor="ctr" anchorCtr="0" compatLnSpc="1">
+            <a:prstTxWarp prst="textNoShape">
+              <a:avLst/>
+            </a:prstTxWarp>
+          </a:bodyPr>
+          <a:lstStyle/>
+          <a:p>
+            <a:pPr algn="ctr" defTabSz="914099" fontAlgn="base">
+              <a:spcBef>
+                <a:spcPct val="0"/>
+              </a:spcBef>
+              <a:spcAft>
+                <a:spcPct val="0"/>
+              </a:spcAft>
+            </a:pPr>
+            <a:r>
+              <a:rPr lang="en-US" sz="2200" dirty="0" err="1" smtClean="0">
+                <a:solidFill>
+                  <a:schemeClr val="bg1"/>
+                </a:solidFill>
+                <a:latin typeface="Segoe UI Light" panose="020B0502040204020203" pitchFamily="34" charset="0"/>
+                <a:cs typeface="Segoe UI Light" panose="020B0502040204020203" pitchFamily="34" charset="0"/>
+              </a:rPr>
+              <a:t>Png</a:t>
+            </a:r>
+            <a:r>
+              <a:rPr lang="en-US" sz="2200" dirty="0" smtClean="0">
+                <a:solidFill>
+                  <a:schemeClr val="bg1"/>
+                </a:solidFill>
+                <a:latin typeface="Segoe UI Light" panose="020B0502040204020203" pitchFamily="34" charset="0"/>
+                <a:cs typeface="Segoe UI Light" panose="020B0502040204020203" pitchFamily="34" charset="0"/>
+              </a:rPr>
+              <a:t>/flow.png</a:t>
+            </a:r>
+            <a:endParaRPr lang="en-US" sz="2200" dirty="0">
+              <a:solidFill>
+                <a:schemeClr val="bg1"/>
+              </a:solidFill>
+              <a:latin typeface="Segoe UI Light" panose="020B0502040204020203" pitchFamily="34" charset="0"/>
+              <a:cs typeface="Segoe UI Light" panose="020B0502040204020203" pitchFamily="34" charset="0"/>
+            </a:endParaRPr>
+          </a:p>
+        </p:txBody>
+      </p:sp>
+      <p:cxnSp>
+        <p:nvCxnSpPr>
+          <p:cNvPr id="18" name="Straight Connector 17"/>
+          <p:cNvCxnSpPr/>
+          <p:nvPr/>
+        </p:nvCxnSpPr>
+        <p:spPr>
+          <a:xfrm>
+            <a:off x="3781807" y="3363545"/>
+            <a:ext cx="723340" cy="0"/>
+          </a:xfrm>
+          <a:prstGeom prst="line">
+            <a:avLst/>
+          </a:prstGeom>
+          <a:ln>
+            <a:solidFill>
+              <a:srgbClr val="CCCCFF"/>
+            </a:solidFill>
+          </a:ln>
+        </p:spPr>
+        <p:style>
+          <a:lnRef idx="3">
+            <a:schemeClr val="accent1"/>
+          </a:lnRef>
+          <a:fillRef idx="0">
+            <a:schemeClr val="accent1"/>
+          </a:fillRef>
+          <a:effectRef idx="2">
+            <a:schemeClr val="accent1"/>
+          </a:effectRef>
+          <a:fontRef idx="minor">
+            <a:schemeClr val="tx1"/>
+          </a:fontRef>
+        </p:style>
+      </p:cxnSp>
+      <p:cxnSp>
+        <p:nvCxnSpPr>
+          <p:cNvPr id="19" name="Straight Connector 18"/>
+          <p:cNvCxnSpPr/>
+          <p:nvPr/>
+        </p:nvCxnSpPr>
+        <p:spPr>
+          <a:xfrm flipV="1">
+            <a:off x="4505148" y="2422766"/>
+            <a:ext cx="724460" cy="11164"/>
+          </a:xfrm>
+          <a:prstGeom prst="line">
+            <a:avLst/>
+          </a:prstGeom>
+          <a:ln>
+            <a:solidFill>
+              <a:srgbClr val="CCCCFF"/>
+            </a:solidFill>
+          </a:ln>
+        </p:spPr>
+        <p:style>
+          <a:lnRef idx="3">
+            <a:schemeClr val="accent1"/>
+          </a:lnRef>
+          <a:fillRef idx="0">
+            <a:schemeClr val="accent1"/>
+          </a:fillRef>
+          <a:effectRef idx="2">
+            <a:schemeClr val="accent1"/>
+          </a:effectRef>
+          <a:fontRef idx="minor">
+            <a:schemeClr val="tx1"/>
+          </a:fontRef>
+        </p:style>
+      </p:cxnSp>
+      <p:cxnSp>
+        <p:nvCxnSpPr>
+          <p:cNvPr id="20" name="Straight Connector 19"/>
+          <p:cNvCxnSpPr/>
+          <p:nvPr/>
+        </p:nvCxnSpPr>
+        <p:spPr>
+          <a:xfrm>
+            <a:off x="4505147" y="4293095"/>
+            <a:ext cx="724461" cy="7533"/>
+          </a:xfrm>
+          <a:prstGeom prst="line">
+            <a:avLst/>
+          </a:prstGeom>
+          <a:ln>
+            <a:solidFill>
+              <a:srgbClr val="CCCCFF"/>
+            </a:solidFill>
+          </a:ln>
+        </p:spPr>
+        <p:style>
+          <a:lnRef idx="3">
+            <a:schemeClr val="accent1"/>
+          </a:lnRef>
+          <a:fillRef idx="0">
+            <a:schemeClr val="accent1"/>
+          </a:fillRef>
+          <a:effectRef idx="2">
+            <a:schemeClr val="accent1"/>
+          </a:effectRef>
+          <a:fontRef idx="minor">
+            <a:schemeClr val="tx1"/>
+          </a:fontRef>
+        </p:style>
+      </p:cxnSp>
+      <p:cxnSp>
+        <p:nvCxnSpPr>
+          <p:cNvPr id="22" name="Straight Connector 21"/>
+          <p:cNvCxnSpPr/>
+          <p:nvPr/>
+        </p:nvCxnSpPr>
+        <p:spPr>
+          <a:xfrm>
+            <a:off x="4505148" y="2433930"/>
+            <a:ext cx="0" cy="1877862"/>
+          </a:xfrm>
+          <a:prstGeom prst="line">
+            <a:avLst/>
+          </a:prstGeom>
+          <a:ln>
+            <a:solidFill>
+              <a:srgbClr val="CCCCFF"/>
+            </a:solidFill>
+          </a:ln>
+        </p:spPr>
+        <p:style>
+          <a:lnRef idx="3">
+            <a:schemeClr val="accent1"/>
+          </a:lnRef>
+          <a:fillRef idx="0">
+            <a:schemeClr val="accent1"/>
+          </a:fillRef>
+          <a:effectRef idx="2">
+            <a:schemeClr val="accent1"/>
+          </a:effectRef>
+          <a:fontRef idx="minor">
+            <a:schemeClr val="tx1"/>
+          </a:fontRef>
+        </p:style>
+      </p:cxnSp>
+      <p:cxnSp>
+        <p:nvCxnSpPr>
+          <p:cNvPr id="23" name="Straight Connector 22"/>
+          <p:cNvCxnSpPr/>
+          <p:nvPr/>
+        </p:nvCxnSpPr>
+        <p:spPr>
+          <a:xfrm flipV="1">
+            <a:off x="7083807" y="2422766"/>
+            <a:ext cx="1447800" cy="11164"/>
+          </a:xfrm>
+          <a:prstGeom prst="line">
+            <a:avLst/>
+          </a:prstGeom>
+          <a:ln>
+            <a:solidFill>
+              <a:srgbClr val="CCCCFF"/>
+            </a:solidFill>
+          </a:ln>
+        </p:spPr>
+        <p:style>
+          <a:lnRef idx="3">
+            <a:schemeClr val="accent1"/>
+          </a:lnRef>
+          <a:fillRef idx="0">
+            <a:schemeClr val="accent1"/>
+          </a:fillRef>
+          <a:effectRef idx="2">
+            <a:schemeClr val="accent1"/>
+          </a:effectRef>
+          <a:fontRef idx="minor">
+            <a:schemeClr val="tx1"/>
+          </a:fontRef>
+        </p:style>
+      </p:cxnSp>
+      <p:cxnSp>
+        <p:nvCxnSpPr>
+          <p:cNvPr id="24" name="Straight Connector 23"/>
+          <p:cNvCxnSpPr/>
+          <p:nvPr/>
+        </p:nvCxnSpPr>
+        <p:spPr>
+          <a:xfrm>
+            <a:off x="7083807" y="4293095"/>
+            <a:ext cx="1447800" cy="0"/>
+          </a:xfrm>
+          <a:prstGeom prst="line">
+            <a:avLst/>
+          </a:prstGeom>
+          <a:ln>
+            <a:solidFill>
+              <a:srgbClr val="CCCCFF"/>
+            </a:solidFill>
+          </a:ln>
+        </p:spPr>
+        <p:style>
+          <a:lnRef idx="3">
+            <a:schemeClr val="accent1"/>
+          </a:lnRef>
+          <a:fillRef idx="0">
+            <a:schemeClr val="accent1"/>
+          </a:fillRef>
+          <a:effectRef idx="2">
+            <a:schemeClr val="accent1"/>
+          </a:effectRef>
+          <a:fontRef idx="minor">
+            <a:schemeClr val="tx1"/>
+          </a:fontRef>
+        </p:style>
+      </p:cxnSp>
+      <p:cxnSp>
+        <p:nvCxnSpPr>
+          <p:cNvPr id="25" name="Straight Connector 24"/>
+          <p:cNvCxnSpPr/>
+          <p:nvPr/>
+        </p:nvCxnSpPr>
+        <p:spPr>
+          <a:xfrm>
+            <a:off x="7807147" y="2433930"/>
+            <a:ext cx="0" cy="918766"/>
+          </a:xfrm>
+          <a:prstGeom prst="line">
+            <a:avLst/>
+          </a:prstGeom>
+          <a:ln>
+            <a:solidFill>
+              <a:srgbClr val="CCCCFF"/>
+            </a:solidFill>
+          </a:ln>
+        </p:spPr>
+        <p:style>
+          <a:lnRef idx="3">
+            <a:schemeClr val="accent1"/>
+          </a:lnRef>
+          <a:fillRef idx="0">
+            <a:schemeClr val="accent1"/>
+          </a:fillRef>
+          <a:effectRef idx="2">
+            <a:schemeClr val="accent1"/>
+          </a:effectRef>
+          <a:fontRef idx="minor">
+            <a:schemeClr val="tx1"/>
+          </a:fontRef>
+        </p:style>
+      </p:cxnSp>
+      <p:cxnSp>
+        <p:nvCxnSpPr>
+          <p:cNvPr id="26" name="Straight Connector 25"/>
+          <p:cNvCxnSpPr/>
+          <p:nvPr/>
+        </p:nvCxnSpPr>
+        <p:spPr>
+          <a:xfrm>
+            <a:off x="7807146" y="3352696"/>
+            <a:ext cx="724461" cy="735"/>
+          </a:xfrm>
+          <a:prstGeom prst="line">
+            <a:avLst/>
+          </a:prstGeom>
+          <a:ln>
+            <a:solidFill>
+              <a:srgbClr val="CCCCFF"/>
+            </a:solidFill>
+          </a:ln>
+        </p:spPr>
+        <p:style>
+          <a:lnRef idx="3">
+            <a:schemeClr val="accent1"/>
+          </a:lnRef>
+          <a:fillRef idx="0">
+            <a:schemeClr val="accent1"/>
+          </a:fillRef>
+          <a:effectRef idx="2">
+            <a:schemeClr val="accent1"/>
+          </a:effectRef>
+          <a:fontRef idx="minor">
+            <a:schemeClr val="tx1"/>
+          </a:fontRef>
+        </p:style>
+      </p:cxnSp>
+      <p:sp>
+        <p:nvSpPr>
+          <p:cNvPr id="3" name="TextBox 2"/>
+          <p:cNvSpPr txBox="1"/>
+          <p:nvPr/>
         </p:nvSpPr>
         <p:spPr>
           <a:xfrm>
-            <a:off x="519248" y="1447800"/>
-            <a:ext cx="11151916" cy="4436984"/>
+            <a:off x="519249" y="5476351"/>
+            <a:ext cx="11151917" cy="443198"/>
           </a:xfrm>
+          <a:prstGeom prst="rect">
+            <a:avLst/>
+          </a:prstGeom>
+          <a:noFill/>
         </p:spPr>
         <p:txBody>
-          <a:bodyPr/>
+          <a:bodyPr wrap="square" lIns="0" tIns="0" rIns="0" bIns="0" rtlCol="0">
+            <a:spAutoFit/>
+          </a:bodyPr>
           <a:lstStyle/>
           <a:p>
-            <a:r>
-              <a:rPr lang="en-US" dirty="0" smtClean="0"/>
-              <a:t>All blobs must reside in a container</a:t>
-            </a:r>
-          </a:p>
-          <a:p>
-            <a:pPr lvl="1"/>
-            <a:r>
-              <a:rPr lang="en-US" dirty="0" smtClean="0"/>
-              <a:t>Storage account can have unlimited number of containers</a:t>
-            </a:r>
-          </a:p>
-          <a:p>
-            <a:pPr lvl="1"/>
-            <a:r>
-              <a:rPr lang="en-US" dirty="0" smtClean="0"/>
-              <a:t>Container can hold an unlimited number of blobs</a:t>
-            </a:r>
-          </a:p>
-          <a:p>
-            <a:r>
-              <a:rPr lang="en-US" dirty="0" smtClean="0"/>
-              <a:t>Container name forms part of the path to a blob</a:t>
-            </a:r>
-          </a:p>
-          <a:p>
-            <a:pPr lvl="1"/>
-            <a:r>
-              <a:rPr lang="en-US" dirty="0" smtClean="0"/>
-              <a:t>e.g., a4rlabs.blob.core.windows.net/</a:t>
-            </a:r>
-            <a:r>
-              <a:rPr lang="en-US" dirty="0" smtClean="0">
+            <a:pPr algn="ctr">
+              <a:lnSpc>
+                <a:spcPct val="90000"/>
+              </a:lnSpc>
+              <a:spcBef>
+                <a:spcPct val="20000"/>
+              </a:spcBef>
+              <a:buSzPct val="80000"/>
+            </a:pPr>
+            <a:r>
+              <a:rPr lang="en-US" sz="3200" dirty="0" smtClean="0">
+                <a:gradFill>
+                  <a:gsLst>
+                    <a:gs pos="0">
+                      <a:srgbClr val="292929">
+                        <a:lumMod val="90000"/>
+                        <a:lumOff val="10000"/>
+                      </a:srgbClr>
+                    </a:gs>
+                    <a:gs pos="86000">
+                      <a:srgbClr val="292929">
+                        <a:lumMod val="90000"/>
+                        <a:lumOff val="10000"/>
+                      </a:srgbClr>
+                    </a:gs>
+                  </a:gsLst>
+                  <a:lin ang="5400000" scaled="0"/>
+                </a:gradFill>
+              </a:rPr>
+              <a:t>http[s]://</a:t>
+            </a:r>
+            <a:r>
+              <a:rPr lang="en-US" sz="3200" dirty="0" smtClean="0">
                 <a:solidFill>
                   <a:schemeClr val="accent1"/>
                 </a:solidFill>
               </a:rPr>
-              <a:t>container-name</a:t>
-            </a:r>
-            <a:r>
-              <a:rPr lang="en-US" dirty="0" smtClean="0"/>
-              <a:t>/blob-name</a:t>
-            </a:r>
-          </a:p>
-          <a:p>
-            <a:r>
-              <a:rPr lang="en-US" dirty="0" smtClean="0"/>
-              <a:t>Container names must meet the following criteria:</a:t>
-            </a:r>
-          </a:p>
-          <a:p>
-            <a:pPr lvl="1"/>
-            <a:r>
-              <a:rPr lang="en-US" dirty="0" smtClean="0"/>
-              <a:t>3 to 63 characters in length</a:t>
-            </a:r>
-          </a:p>
-          <a:p>
-            <a:pPr lvl="1"/>
-            <a:r>
-              <a:rPr lang="en-US" dirty="0" smtClean="0"/>
-              <a:t>Lowercase letters, numbers, and non-consecutive dashes (-)</a:t>
-            </a:r>
-          </a:p>
-          <a:p>
-            <a:r>
-              <a:rPr lang="en-US" dirty="0" smtClean="0"/>
-              <a:t>Containers cannot be nested</a:t>
-            </a:r>
-            <a:endParaRPr lang="en-US" dirty="0"/>
+              <a:t>a4rlabs</a:t>
+            </a:r>
+            <a:r>
+              <a:rPr lang="en-US" sz="3200" dirty="0" smtClean="0">
+                <a:gradFill>
+                  <a:gsLst>
+                    <a:gs pos="0">
+                      <a:srgbClr val="292929">
+                        <a:lumMod val="90000"/>
+                        <a:lumOff val="10000"/>
+                      </a:srgbClr>
+                    </a:gs>
+                    <a:gs pos="86000">
+                      <a:srgbClr val="292929">
+                        <a:lumMod val="90000"/>
+                        <a:lumOff val="10000"/>
+                      </a:srgbClr>
+                    </a:gs>
+                  </a:gsLst>
+                  <a:lin ang="5400000" scaled="0"/>
+                </a:gradFill>
+              </a:rPr>
+              <a:t>.blob.core.windows.net/</a:t>
+            </a:r>
+            <a:r>
+              <a:rPr lang="en-US" sz="3200" dirty="0" smtClean="0">
+                <a:solidFill>
+                  <a:schemeClr val="accent2"/>
+                </a:solidFill>
+              </a:rPr>
+              <a:t>images</a:t>
+            </a:r>
+            <a:r>
+              <a:rPr lang="en-US" sz="3200" dirty="0" smtClean="0">
+                <a:gradFill>
+                  <a:gsLst>
+                    <a:gs pos="0">
+                      <a:srgbClr val="292929">
+                        <a:lumMod val="90000"/>
+                        <a:lumOff val="10000"/>
+                      </a:srgbClr>
+                    </a:gs>
+                    <a:gs pos="86000">
+                      <a:srgbClr val="292929">
+                        <a:lumMod val="90000"/>
+                        <a:lumOff val="10000"/>
+                      </a:srgbClr>
+                    </a:gs>
+                  </a:gsLst>
+                  <a:lin ang="5400000" scaled="0"/>
+                </a:gradFill>
+              </a:rPr>
+              <a:t>/</a:t>
+            </a:r>
+            <a:r>
+              <a:rPr lang="en-US" sz="3200" dirty="0" smtClean="0">
+                <a:solidFill>
+                  <a:schemeClr val="accent4"/>
+                </a:solidFill>
+              </a:rPr>
+              <a:t>schema.jpg</a:t>
+            </a:r>
+            <a:endParaRPr lang="en-US" sz="3200" dirty="0">
+              <a:solidFill>
+                <a:schemeClr val="accent4"/>
+              </a:solidFill>
+            </a:endParaRPr>
           </a:p>
         </p:txBody>
       </p:sp>
     </p:spTree>
     <p:extLst>
       <p:ext uri="{BB962C8B-B14F-4D97-AF65-F5344CB8AC3E}">
-        <p14:creationId xmlns:p14="http://schemas.microsoft.com/office/powerpoint/2010/main" val="118060521"/>
+        <p14:creationId xmlns:p14="http://schemas.microsoft.com/office/powerpoint/2010/main" val="1385975748"/>
       </p:ext>
     </p:extLst>
   </p:cSld>
@@ -14900,10 +15592,17 @@
   <p:transition>
     <p:fade/>
   </p:transition>
+  <p:timing>
+    <p:tnLst>
+      <p:par>
+        <p:cTn id="1" dur="indefinite" restart="never" nodeType="tmRoot"/>
+      </p:par>
+    </p:tnLst>
+  </p:timing>
 </p:sld>
 </file>
 
-<file path=ppt/slides/slide6.xml><?xml version="1.0" encoding="utf-8"?>
+<file path=ppt/slides/slide5.xml><?xml version="1.0" encoding="utf-8"?>
 <p:sld xmlns:a="http://schemas.openxmlformats.org/drawingml/2006/main" xmlns:r="http://schemas.openxmlformats.org/officeDocument/2006/relationships" xmlns:p="http://schemas.openxmlformats.org/presentationml/2006/main">
   <p:cSld>
     <p:spTree>
@@ -15035,6 +15734,162 @@
   <p:transition>
     <p:fade/>
   </p:transition>
+  <p:timing>
+    <p:tnLst>
+      <p:par>
+        <p:cTn id="1" dur="indefinite" restart="never" nodeType="tmRoot"/>
+      </p:par>
+    </p:tnLst>
+  </p:timing>
+</p:sld>
+</file>
+
+<file path=ppt/slides/slide6.xml><?xml version="1.0" encoding="utf-8"?>
+<p:sld xmlns:a="http://schemas.openxmlformats.org/drawingml/2006/main" xmlns:r="http://schemas.openxmlformats.org/officeDocument/2006/relationships" xmlns:p="http://schemas.openxmlformats.org/presentationml/2006/main">
+  <p:cSld>
+    <p:spTree>
+      <p:nvGrpSpPr>
+        <p:cNvPr id="1" name=""/>
+        <p:cNvGrpSpPr/>
+        <p:nvPr/>
+      </p:nvGrpSpPr>
+      <p:grpSpPr>
+        <a:xfrm>
+          <a:off x="0" y="0"/>
+          <a:ext cx="0" cy="0"/>
+          <a:chOff x="0" y="0"/>
+          <a:chExt cx="0" cy="0"/>
+        </a:xfrm>
+      </p:grpSpPr>
+      <p:sp>
+        <p:nvSpPr>
+          <p:cNvPr id="2" name="Title 1"/>
+          <p:cNvSpPr>
+            <a:spLocks noGrp="1"/>
+          </p:cNvSpPr>
+          <p:nvPr>
+            <p:ph type="title"/>
+          </p:nvPr>
+        </p:nvSpPr>
+        <p:spPr/>
+        <p:txBody>
+          <a:bodyPr/>
+          <a:lstStyle/>
+          <a:p>
+            <a:r>
+              <a:rPr lang="en-US" dirty="0" smtClean="0"/>
+              <a:t>Access Keys</a:t>
+            </a:r>
+            <a:endParaRPr lang="en-US" dirty="0"/>
+          </a:p>
+        </p:txBody>
+      </p:sp>
+      <p:sp>
+        <p:nvSpPr>
+          <p:cNvPr id="3" name="Content Placeholder 2"/>
+          <p:cNvSpPr>
+            <a:spLocks noGrp="1"/>
+          </p:cNvSpPr>
+          <p:nvPr>
+            <p:ph sz="half" idx="1"/>
+          </p:nvPr>
+        </p:nvSpPr>
+        <p:spPr>
+          <a:xfrm>
+            <a:off x="519248" y="1447800"/>
+            <a:ext cx="5487829" cy="4658455"/>
+          </a:xfrm>
+        </p:spPr>
+        <p:txBody>
+          <a:bodyPr/>
+          <a:lstStyle/>
+          <a:p>
+            <a:r>
+              <a:rPr lang="en-US" dirty="0" smtClean="0"/>
+              <a:t>Access to storage by non-account-owners relies on keys for authentication</a:t>
+            </a:r>
+          </a:p>
+          <a:p>
+            <a:pPr lvl="1"/>
+            <a:r>
+              <a:rPr lang="en-US" dirty="0" smtClean="0"/>
+              <a:t>Two 512-bit keys per account</a:t>
+            </a:r>
+          </a:p>
+          <a:p>
+            <a:r>
+              <a:rPr lang="en-US" dirty="0" smtClean="0"/>
+              <a:t>Keys should be "rolled" periodically for security</a:t>
+            </a:r>
+          </a:p>
+          <a:p>
+            <a:r>
+              <a:rPr lang="en-US" dirty="0" smtClean="0"/>
+              <a:t>Keys can be used to generate shared-access </a:t>
+            </a:r>
+            <a:r>
+              <a:rPr lang="en-US" dirty="0" smtClean="0"/>
+              <a:t>signature </a:t>
+            </a:r>
+            <a:r>
+              <a:rPr lang="en-US" dirty="0" smtClean="0"/>
+              <a:t>(</a:t>
+            </a:r>
+            <a:r>
+              <a:rPr lang="en-US" dirty="0" smtClean="0"/>
+              <a:t>SAS) tokens for secure, time-limited </a:t>
+            </a:r>
+            <a:r>
+              <a:rPr lang="en-US" dirty="0" smtClean="0"/>
+              <a:t>access</a:t>
+            </a:r>
+          </a:p>
+        </p:txBody>
+      </p:sp>
+      <p:pic>
+        <p:nvPicPr>
+          <p:cNvPr id="4" name="Picture 3"/>
+          <p:cNvPicPr>
+            <a:picLocks noChangeAspect="1"/>
+          </p:cNvPicPr>
+          <p:nvPr/>
+        </p:nvPicPr>
+        <p:blipFill>
+          <a:blip r:embed="rId2"/>
+          <a:stretch>
+            <a:fillRect/>
+          </a:stretch>
+        </p:blipFill>
+        <p:spPr>
+          <a:xfrm>
+            <a:off x="6413364" y="1447800"/>
+            <a:ext cx="5257800" cy="4371975"/>
+          </a:xfrm>
+          <a:prstGeom prst="rect">
+            <a:avLst/>
+          </a:prstGeom>
+          <a:ln>
+            <a:solidFill>
+              <a:schemeClr val="bg2">
+                <a:lumMod val="75000"/>
+              </a:schemeClr>
+            </a:solidFill>
+          </a:ln>
+        </p:spPr>
+      </p:pic>
+    </p:spTree>
+    <p:extLst>
+      <p:ext uri="{BB962C8B-B14F-4D97-AF65-F5344CB8AC3E}">
+        <p14:creationId xmlns:p14="http://schemas.microsoft.com/office/powerpoint/2010/main" val="1112073798"/>
+      </p:ext>
+    </p:extLst>
+  </p:cSld>
+  <p:clrMapOvr>
+    <a:masterClrMapping/>
+  </p:clrMapOvr>
+  <p:transition>
+    <p:fade/>
+  </p:transition>
 </p:sld>
 </file>
 
@@ -15072,7 +15927,7 @@
           <a:p>
             <a:r>
               <a:rPr lang="en-US" dirty="0" smtClean="0"/>
-              <a:t>Blobs</a:t>
+              <a:t>Azure Storage Tools</a:t>
             </a:r>
             <a:endParaRPr lang="en-US" dirty="0"/>
           </a:p>
@@ -15091,7 +15946,7 @@
         <p:spPr>
           <a:xfrm>
             <a:off x="519248" y="1447800"/>
-            <a:ext cx="11151916" cy="4978542"/>
+            <a:ext cx="11151916" cy="984629"/>
           </a:xfrm>
         </p:spPr>
         <p:txBody>
@@ -15100,100 +15955,281 @@
           <a:p>
             <a:r>
               <a:rPr lang="en-US" dirty="0" smtClean="0"/>
-              <a:t>Store data as a unit like files in file systems</a:t>
-            </a:r>
-          </a:p>
-          <a:p>
-            <a:pPr lvl="1"/>
+              <a:t>Portal doesn't provide functionality for uploading blobs</a:t>
+            </a:r>
+          </a:p>
+          <a:p>
             <a:r>
               <a:rPr lang="en-US" dirty="0" smtClean="0"/>
-              <a:t>Each blob can contain up to ~200 GB of data*</a:t>
-            </a:r>
-          </a:p>
-          <a:p>
+              <a:t>See </a:t>
+            </a:r>
+            <a:r>
+              <a:rPr lang="en-US" dirty="0">
+                <a:hlinkClick r:id="rId2"/>
+              </a:rPr>
+              <a:t>http://storagetools.azurewebsites.net</a:t>
+            </a:r>
+            <a:r>
+              <a:rPr lang="en-US" dirty="0" smtClean="0">
+                <a:hlinkClick r:id="rId2"/>
+              </a:rPr>
+              <a:t>/</a:t>
+            </a:r>
             <a:r>
               <a:rPr lang="en-US" dirty="0" smtClean="0"/>
-              <a:t>Blob name forms part of the path to the blob</a:t>
-            </a:r>
-          </a:p>
-          <a:p>
-            <a:pPr lvl="1"/>
+              <a:t> for tools that do</a:t>
+            </a:r>
+            <a:endParaRPr lang="en-US" dirty="0" smtClean="0"/>
+          </a:p>
+        </p:txBody>
+      </p:sp>
+      <p:pic>
+        <p:nvPicPr>
+          <p:cNvPr id="6" name="Picture 5"/>
+          <p:cNvPicPr>
+            <a:picLocks noChangeAspect="1"/>
+          </p:cNvPicPr>
+          <p:nvPr/>
+        </p:nvPicPr>
+        <p:blipFill>
+          <a:blip r:embed="rId3"/>
+          <a:stretch>
+            <a:fillRect/>
+          </a:stretch>
+        </p:blipFill>
+        <p:spPr>
+          <a:xfrm>
+            <a:off x="1034615" y="3193487"/>
+            <a:ext cx="4109868" cy="2557149"/>
+          </a:xfrm>
+          <a:prstGeom prst="rect">
+            <a:avLst/>
+          </a:prstGeom>
+          <a:ln>
+            <a:noFill/>
+          </a:ln>
+          <a:effectLst>
+            <a:outerShdw blurRad="292100" dist="139700" dir="2700000" algn="tl" rotWithShape="0">
+              <a:srgbClr val="333333">
+                <a:alpha val="65000"/>
+              </a:srgbClr>
+            </a:outerShdw>
+          </a:effectLst>
+        </p:spPr>
+      </p:pic>
+      <p:sp>
+        <p:nvSpPr>
+          <p:cNvPr id="7" name="TextBox 6"/>
+          <p:cNvSpPr txBox="1"/>
+          <p:nvPr/>
+        </p:nvSpPr>
+        <p:spPr>
+          <a:xfrm>
+            <a:off x="1034615" y="5834159"/>
+            <a:ext cx="4109868" cy="276999"/>
+          </a:xfrm>
+          <a:prstGeom prst="rect">
+            <a:avLst/>
+          </a:prstGeom>
+          <a:noFill/>
+        </p:spPr>
+        <p:txBody>
+          <a:bodyPr wrap="square" lIns="0" tIns="0" rIns="0" bIns="0" rtlCol="0">
+            <a:spAutoFit/>
+          </a:bodyPr>
+          <a:lstStyle/>
+          <a:p>
+            <a:pPr algn="ctr">
+              <a:lnSpc>
+                <a:spcPct val="90000"/>
+              </a:lnSpc>
+              <a:spcBef>
+                <a:spcPct val="20000"/>
+              </a:spcBef>
+              <a:buSzPct val="80000"/>
+            </a:pPr>
+            <a:r>
+              <a:rPr lang="en-US" sz="2000" dirty="0" smtClean="0">
+                <a:latin typeface="Segoe UI Light" panose="020B0502040204020203" pitchFamily="34" charset="0"/>
+                <a:cs typeface="Segoe UI Light" panose="020B0502040204020203" pitchFamily="34" charset="0"/>
+              </a:rPr>
+              <a:t>Azure Storage Explorer (Windows)</a:t>
+            </a:r>
+            <a:endParaRPr lang="en-US" sz="2000" dirty="0">
+              <a:latin typeface="Segoe UI Light" panose="020B0502040204020203" pitchFamily="34" charset="0"/>
+              <a:cs typeface="Segoe UI Light" panose="020B0502040204020203" pitchFamily="34" charset="0"/>
+            </a:endParaRPr>
+          </a:p>
+        </p:txBody>
+      </p:sp>
+      <p:sp>
+        <p:nvSpPr>
+          <p:cNvPr id="8" name="TextBox 7"/>
+          <p:cNvSpPr txBox="1"/>
+          <p:nvPr/>
+        </p:nvSpPr>
+        <p:spPr>
+          <a:xfrm>
+            <a:off x="4153317" y="2549191"/>
+            <a:ext cx="3619964" cy="276999"/>
+          </a:xfrm>
+          <a:prstGeom prst="rect">
+            <a:avLst/>
+          </a:prstGeom>
+          <a:noFill/>
+        </p:spPr>
+        <p:txBody>
+          <a:bodyPr wrap="square" lIns="0" tIns="0" rIns="0" bIns="0" rtlCol="0">
+            <a:spAutoFit/>
+          </a:bodyPr>
+          <a:lstStyle>
+            <a:defPPr>
+              <a:defRPr lang="en-US"/>
+            </a:defPPr>
+            <a:lvl1pPr algn="ctr">
+              <a:lnSpc>
+                <a:spcPct val="90000"/>
+              </a:lnSpc>
+              <a:spcBef>
+                <a:spcPct val="20000"/>
+              </a:spcBef>
+              <a:buSzPct val="80000"/>
+              <a:defRPr sz="2000">
+                <a:latin typeface="Segoe UI Light" panose="020B0502040204020203" pitchFamily="34" charset="0"/>
+                <a:cs typeface="Segoe UI Light" panose="020B0502040204020203" pitchFamily="34" charset="0"/>
+              </a:defRPr>
+            </a:lvl1pPr>
+          </a:lstStyle>
+          <a:p>
             <a:r>
               <a:rPr lang="en-US" dirty="0"/>
-              <a:t>e.g., </a:t>
+              <a:t>Storage Explorer </a:t>
             </a:r>
             <a:r>
               <a:rPr lang="en-US" dirty="0" smtClean="0"/>
-              <a:t>a4rlabs.blob.core.windows.net/container-name/</a:t>
-            </a:r>
-            <a:r>
-              <a:rPr lang="en-US" dirty="0" smtClean="0">
-                <a:solidFill>
-                  <a:schemeClr val="accent1"/>
-                </a:solidFill>
+              <a:t>(x-plat)</a:t>
+            </a:r>
+            <a:endParaRPr lang="en-US" dirty="0"/>
+          </a:p>
+        </p:txBody>
+      </p:sp>
+      <p:pic>
+        <p:nvPicPr>
+          <p:cNvPr id="5" name="Picture 4"/>
+          <p:cNvPicPr>
+            <a:picLocks noChangeAspect="1"/>
+          </p:cNvPicPr>
+          <p:nvPr/>
+        </p:nvPicPr>
+        <p:blipFill>
+          <a:blip r:embed="rId4"/>
+          <a:stretch>
+            <a:fillRect/>
+          </a:stretch>
+        </p:blipFill>
+        <p:spPr>
+          <a:xfrm>
+            <a:off x="4153316" y="2910759"/>
+            <a:ext cx="3619964" cy="2557149"/>
+          </a:xfrm>
+          <a:prstGeom prst="rect">
+            <a:avLst/>
+          </a:prstGeom>
+          <a:ln>
+            <a:noFill/>
+          </a:ln>
+          <a:effectLst>
+            <a:outerShdw blurRad="292100" dist="139700" dir="2700000" algn="tl" rotWithShape="0">
+              <a:srgbClr val="333333">
+                <a:alpha val="65000"/>
+              </a:srgbClr>
+            </a:outerShdw>
+          </a:effectLst>
+        </p:spPr>
+      </p:pic>
+      <p:pic>
+        <p:nvPicPr>
+          <p:cNvPr id="4" name="Picture 3"/>
+          <p:cNvPicPr>
+            <a:picLocks noChangeAspect="1"/>
+          </p:cNvPicPr>
+          <p:nvPr/>
+        </p:nvPicPr>
+        <p:blipFill>
+          <a:blip r:embed="rId5"/>
+          <a:stretch>
+            <a:fillRect/>
+          </a:stretch>
+        </p:blipFill>
+        <p:spPr>
+          <a:xfrm>
+            <a:off x="6400059" y="3752169"/>
+            <a:ext cx="5045393" cy="2557149"/>
+          </a:xfrm>
+          <a:prstGeom prst="rect">
+            <a:avLst/>
+          </a:prstGeom>
+          <a:ln>
+            <a:noFill/>
+          </a:ln>
+          <a:effectLst>
+            <a:outerShdw blurRad="292100" dist="139700" dir="2700000" algn="tl" rotWithShape="0">
+              <a:srgbClr val="333333">
+                <a:alpha val="65000"/>
+              </a:srgbClr>
+            </a:outerShdw>
+          </a:effectLst>
+        </p:spPr>
+      </p:pic>
+      <p:sp>
+        <p:nvSpPr>
+          <p:cNvPr id="9" name="TextBox 8"/>
+          <p:cNvSpPr txBox="1"/>
+          <p:nvPr/>
+        </p:nvSpPr>
+        <p:spPr>
+          <a:xfrm>
+            <a:off x="6400058" y="6393887"/>
+            <a:ext cx="5045393" cy="276999"/>
+          </a:xfrm>
+          <a:prstGeom prst="rect">
+            <a:avLst/>
+          </a:prstGeom>
+          <a:noFill/>
+        </p:spPr>
+        <p:txBody>
+          <a:bodyPr wrap="square" lIns="0" tIns="0" rIns="0" bIns="0" rtlCol="0">
+            <a:spAutoFit/>
+          </a:bodyPr>
+          <a:lstStyle/>
+          <a:p>
+            <a:pPr algn="ctr">
+              <a:lnSpc>
+                <a:spcPct val="90000"/>
+              </a:lnSpc>
+              <a:spcBef>
+                <a:spcPct val="20000"/>
+              </a:spcBef>
+              <a:buSzPct val="80000"/>
+            </a:pPr>
+            <a:r>
+              <a:rPr lang="en-US" sz="2000" dirty="0" smtClean="0">
+                <a:latin typeface="Segoe UI Light" panose="020B0502040204020203" pitchFamily="34" charset="0"/>
+                <a:cs typeface="Segoe UI Light" panose="020B0502040204020203" pitchFamily="34" charset="0"/>
               </a:rPr>
-              <a:t>blob-name</a:t>
-            </a:r>
-          </a:p>
-          <a:p>
-            <a:r>
-              <a:rPr lang="en-US" dirty="0" smtClean="0"/>
-              <a:t>Blob names must conform to the following rules:</a:t>
-            </a:r>
-          </a:p>
-          <a:p>
-            <a:pPr lvl="1"/>
-            <a:r>
-              <a:rPr lang="en-US" dirty="0" smtClean="0"/>
-              <a:t>1 to 1,024 characters in length</a:t>
-            </a:r>
-          </a:p>
-          <a:p>
-            <a:pPr lvl="1"/>
-            <a:r>
-              <a:rPr lang="en-US" dirty="0" smtClean="0"/>
-              <a:t>Can contain any type of characters (including forward slashes)</a:t>
-            </a:r>
-          </a:p>
-          <a:p>
-            <a:pPr lvl="1"/>
-            <a:r>
-              <a:rPr lang="en-US" dirty="0" smtClean="0"/>
-              <a:t>Cannot contain more than 254 path segments</a:t>
-            </a:r>
-          </a:p>
-          <a:p>
-            <a:pPr lvl="1"/>
-            <a:r>
-              <a:rPr lang="en-US" dirty="0"/>
-              <a:t>R</a:t>
-            </a:r>
-            <a:r>
-              <a:rPr lang="en-US" dirty="0" smtClean="0"/>
-              <a:t>eserved </a:t>
-            </a:r>
-            <a:r>
-              <a:rPr lang="en-US" dirty="0"/>
-              <a:t>URL characters must be properly </a:t>
-            </a:r>
-            <a:r>
-              <a:rPr lang="en-US" dirty="0" smtClean="0"/>
-              <a:t>escaped</a:t>
-            </a:r>
-          </a:p>
-          <a:p>
-            <a:r>
-              <a:rPr lang="en-US" dirty="0" smtClean="0"/>
-              <a:t>Blob names are case-sensitive</a:t>
-            </a:r>
-            <a:endParaRPr lang="en-US" dirty="0"/>
+              <a:t>Azure CLI (x-plat)</a:t>
+            </a:r>
+            <a:endParaRPr lang="en-US" sz="2000" dirty="0">
+              <a:latin typeface="Segoe UI Light" panose="020B0502040204020203" pitchFamily="34" charset="0"/>
+              <a:cs typeface="Segoe UI Light" panose="020B0502040204020203" pitchFamily="34" charset="0"/>
+            </a:endParaRPr>
           </a:p>
         </p:txBody>
       </p:sp>
     </p:spTree>
     <p:extLst>
       <p:ext uri="{BB962C8B-B14F-4D97-AF65-F5344CB8AC3E}">
-        <p14:creationId xmlns:p14="http://schemas.microsoft.com/office/powerpoint/2010/main" val="859238192"/>
+        <p14:creationId xmlns:p14="http://schemas.microsoft.com/office/powerpoint/2010/main" val="660934382"/>
       </p:ext>
     </p:extLst>
   </p:cSld>
@@ -15237,35 +16273,7 @@
             <a:spLocks noGrp="1"/>
           </p:cNvSpPr>
           <p:nvPr>
-            <p:ph type="ctrTitle"/>
-          </p:nvPr>
-        </p:nvSpPr>
-        <p:spPr>
-          <a:xfrm>
-            <a:off x="1889616" y="1447800"/>
-            <a:ext cx="7076253" cy="1523494"/>
-          </a:xfrm>
-        </p:spPr>
-        <p:txBody>
-          <a:bodyPr/>
-          <a:lstStyle/>
-          <a:p>
-            <a:r>
-              <a:rPr lang="en-US" dirty="0" smtClean="0"/>
-              <a:t>Demo</a:t>
-            </a:r>
-            <a:endParaRPr lang="en-US" dirty="0"/>
-          </a:p>
-        </p:txBody>
-      </p:sp>
-      <p:sp>
-        <p:nvSpPr>
-          <p:cNvPr id="3" name="Subtitle 2"/>
-          <p:cNvSpPr>
-            <a:spLocks noGrp="1"/>
-          </p:cNvSpPr>
-          <p:nvPr>
-            <p:ph type="subTitle" idx="1"/>
+            <p:ph type="title"/>
           </p:nvPr>
         </p:nvSpPr>
         <p:spPr/>
@@ -15273,37 +16281,423 @@
           <a:bodyPr/>
           <a:lstStyle/>
           <a:p>
-            <a:endParaRPr lang="en-US"/>
+            <a:r>
+              <a:rPr lang="en-US" dirty="0" smtClean="0"/>
+              <a:t>Uploading a Blob with the Azure CLI</a:t>
+            </a:r>
+            <a:endParaRPr lang="en-US" dirty="0"/>
           </a:p>
         </p:txBody>
       </p:sp>
       <p:sp>
         <p:nvSpPr>
-          <p:cNvPr id="4" name="Text Placeholder 3"/>
-          <p:cNvSpPr>
-            <a:spLocks noGrp="1"/>
-          </p:cNvSpPr>
-          <p:nvPr>
-            <p:ph type="body" sz="quarter" idx="10"/>
-          </p:nvPr>
+          <p:cNvPr id="4" name="Rectangle 3"/>
+          <p:cNvSpPr/>
+          <p:nvPr/>
         </p:nvSpPr>
-        <p:spPr/>
+        <p:spPr bwMode="auto">
+          <a:xfrm>
+            <a:off x="876001" y="3090109"/>
+            <a:ext cx="10438410" cy="1662545"/>
+          </a:xfrm>
+          <a:prstGeom prst="rect">
+            <a:avLst/>
+          </a:prstGeom>
+          <a:solidFill>
+            <a:schemeClr val="tx1">
+              <a:lumMod val="10000"/>
+              <a:lumOff val="90000"/>
+            </a:schemeClr>
+          </a:solidFill>
+          <a:ln w="38100">
+            <a:solidFill>
+              <a:schemeClr val="tx1">
+                <a:lumMod val="50000"/>
+                <a:lumOff val="50000"/>
+              </a:schemeClr>
+            </a:solidFill>
+            <a:headEnd type="none" w="med" len="med"/>
+            <a:tailEnd type="none" w="med" len="med"/>
+          </a:ln>
+          <a:effectLst/>
+        </p:spPr>
+        <p:style>
+          <a:lnRef idx="1">
+            <a:schemeClr val="accent2"/>
+          </a:lnRef>
+          <a:fillRef idx="3">
+            <a:schemeClr val="accent2"/>
+          </a:fillRef>
+          <a:effectRef idx="2">
+            <a:schemeClr val="accent2"/>
+          </a:effectRef>
+          <a:fontRef idx="minor">
+            <a:schemeClr val="lt1"/>
+          </a:fontRef>
+        </p:style>
         <p:txBody>
-          <a:bodyPr/>
+          <a:bodyPr vert="horz" wrap="square" lIns="91436" tIns="45718" rIns="91436" bIns="45718" numCol="1" rtlCol="0" anchor="ctr" anchorCtr="0" compatLnSpc="1">
+            <a:prstTxWarp prst="textNoShape">
+              <a:avLst/>
+            </a:prstTxWarp>
+          </a:bodyPr>
           <a:lstStyle/>
           <a:p>
-            <a:r>
-              <a:rPr lang="en-US" dirty="0" smtClean="0"/>
-              <a:t>Getting Started with Storage</a:t>
-            </a:r>
-            <a:endParaRPr lang="en-US" dirty="0"/>
+            <a:pPr defTabSz="914099" fontAlgn="base">
+              <a:spcBef>
+                <a:spcPct val="0"/>
+              </a:spcBef>
+              <a:spcAft>
+                <a:spcPct val="0"/>
+              </a:spcAft>
+            </a:pPr>
+            <a:r>
+              <a:rPr lang="en-US" sz="2200" dirty="0">
+                <a:solidFill>
+                  <a:schemeClr val="tx1"/>
+                </a:solidFill>
+                <a:latin typeface="Lucida Console" panose="020B0609040504020204" pitchFamily="49" charset="0"/>
+              </a:rPr>
+              <a:t> azure storage blob upload </a:t>
+            </a:r>
+            <a:r>
+              <a:rPr lang="en-US" sz="2200" dirty="0" smtClean="0">
+                <a:solidFill>
+                  <a:schemeClr val="tx1"/>
+                </a:solidFill>
+                <a:latin typeface="Lucida Console" panose="020B0609040504020204" pitchFamily="49" charset="0"/>
+              </a:rPr>
+              <a:t>banner.jpg </a:t>
+            </a:r>
+            <a:r>
+              <a:rPr lang="en-US" sz="2200" dirty="0">
+                <a:solidFill>
+                  <a:schemeClr val="tx1"/>
+                </a:solidFill>
+                <a:latin typeface="Lucida Console" panose="020B0609040504020204" pitchFamily="49" charset="0"/>
+              </a:rPr>
+              <a:t>images </a:t>
+            </a:r>
+            <a:r>
+              <a:rPr lang="en-US" sz="2200" dirty="0" smtClean="0">
+                <a:solidFill>
+                  <a:schemeClr val="tx1"/>
+                </a:solidFill>
+                <a:latin typeface="Lucida Console" panose="020B0609040504020204" pitchFamily="49" charset="0"/>
+              </a:rPr>
+              <a:t>banner.jpg</a:t>
+            </a:r>
+          </a:p>
+          <a:p>
+            <a:pPr defTabSz="914099" fontAlgn="base">
+              <a:spcBef>
+                <a:spcPct val="0"/>
+              </a:spcBef>
+              <a:spcAft>
+                <a:spcPct val="0"/>
+              </a:spcAft>
+            </a:pPr>
+            <a:r>
+              <a:rPr lang="en-US" sz="2200" dirty="0">
+                <a:solidFill>
+                  <a:schemeClr val="tx1"/>
+                </a:solidFill>
+                <a:latin typeface="Lucida Console" panose="020B0609040504020204" pitchFamily="49" charset="0"/>
+              </a:rPr>
+              <a:t> -a </a:t>
+            </a:r>
+            <a:r>
+              <a:rPr lang="en-US" sz="2200" dirty="0" smtClean="0">
+                <a:solidFill>
+                  <a:schemeClr val="tx1"/>
+                </a:solidFill>
+                <a:latin typeface="Lucida Console" panose="020B0609040504020204" pitchFamily="49" charset="0"/>
+              </a:rPr>
+              <a:t>a4rlabs </a:t>
+            </a:r>
+            <a:r>
+              <a:rPr lang="en-US" sz="2200" dirty="0">
+                <a:solidFill>
+                  <a:schemeClr val="tx1"/>
+                </a:solidFill>
+                <a:latin typeface="Lucida Console" panose="020B0609040504020204" pitchFamily="49" charset="0"/>
+              </a:rPr>
+              <a:t>-k </a:t>
+            </a:r>
+            <a:r>
+              <a:rPr lang="en-US" sz="2200" i="1" dirty="0" err="1" smtClean="0">
+                <a:solidFill>
+                  <a:schemeClr val="tx1"/>
+                </a:solidFill>
+                <a:latin typeface="Lucida Console" panose="020B0609040504020204" pitchFamily="49" charset="0"/>
+              </a:rPr>
+              <a:t>accesskey</a:t>
+            </a:r>
+            <a:endParaRPr lang="en-US" sz="2200" i="1" dirty="0">
+              <a:solidFill>
+                <a:schemeClr val="tx1"/>
+              </a:solidFill>
+              <a:latin typeface="Lucida Console" panose="020B0609040504020204" pitchFamily="49" charset="0"/>
+            </a:endParaRPr>
           </a:p>
         </p:txBody>
       </p:sp>
+      <p:sp>
+        <p:nvSpPr>
+          <p:cNvPr id="5" name="TextBox 4"/>
+          <p:cNvSpPr txBox="1"/>
+          <p:nvPr/>
+        </p:nvSpPr>
+        <p:spPr>
+          <a:xfrm>
+            <a:off x="3212828" y="2136891"/>
+            <a:ext cx="2571217" cy="443198"/>
+          </a:xfrm>
+          <a:prstGeom prst="rect">
+            <a:avLst/>
+          </a:prstGeom>
+          <a:noFill/>
+        </p:spPr>
+        <p:txBody>
+          <a:bodyPr wrap="none" lIns="0" tIns="0" rIns="0" bIns="0" rtlCol="0">
+            <a:spAutoFit/>
+          </a:bodyPr>
+          <a:lstStyle/>
+          <a:p>
+            <a:pPr>
+              <a:lnSpc>
+                <a:spcPct val="90000"/>
+              </a:lnSpc>
+              <a:spcBef>
+                <a:spcPct val="20000"/>
+              </a:spcBef>
+              <a:buSzPct val="80000"/>
+            </a:pPr>
+            <a:r>
+              <a:rPr lang="en-US" sz="3200" dirty="0" smtClean="0">
+                <a:solidFill>
+                  <a:schemeClr val="accent1"/>
+                </a:solidFill>
+                <a:latin typeface="Segoe UI Light" panose="020B0502040204020203" pitchFamily="34" charset="0"/>
+                <a:cs typeface="Segoe UI Light" panose="020B0502040204020203" pitchFamily="34" charset="0"/>
+              </a:rPr>
+              <a:t>Local file name</a:t>
+            </a:r>
+            <a:endParaRPr lang="en-US" sz="3200" dirty="0">
+              <a:solidFill>
+                <a:schemeClr val="accent1"/>
+              </a:solidFill>
+              <a:latin typeface="Segoe UI Light" panose="020B0502040204020203" pitchFamily="34" charset="0"/>
+              <a:cs typeface="Segoe UI Light" panose="020B0502040204020203" pitchFamily="34" charset="0"/>
+            </a:endParaRPr>
+          </a:p>
+        </p:txBody>
+      </p:sp>
+      <p:sp>
+        <p:nvSpPr>
+          <p:cNvPr id="6" name="TextBox 5"/>
+          <p:cNvSpPr txBox="1"/>
+          <p:nvPr/>
+        </p:nvSpPr>
+        <p:spPr>
+          <a:xfrm>
+            <a:off x="6066470" y="2136891"/>
+            <a:ext cx="2757165" cy="443198"/>
+          </a:xfrm>
+          <a:prstGeom prst="rect">
+            <a:avLst/>
+          </a:prstGeom>
+          <a:noFill/>
+        </p:spPr>
+        <p:txBody>
+          <a:bodyPr wrap="none" lIns="0" tIns="0" rIns="0" bIns="0" rtlCol="0">
+            <a:spAutoFit/>
+          </a:bodyPr>
+          <a:lstStyle/>
+          <a:p>
+            <a:pPr>
+              <a:lnSpc>
+                <a:spcPct val="90000"/>
+              </a:lnSpc>
+              <a:spcBef>
+                <a:spcPct val="20000"/>
+              </a:spcBef>
+              <a:buSzPct val="80000"/>
+            </a:pPr>
+            <a:r>
+              <a:rPr lang="en-US" sz="3200" dirty="0" smtClean="0">
+                <a:solidFill>
+                  <a:schemeClr val="accent1"/>
+                </a:solidFill>
+                <a:latin typeface="Segoe UI Light" panose="020B0502040204020203" pitchFamily="34" charset="0"/>
+                <a:cs typeface="Segoe UI Light" panose="020B0502040204020203" pitchFamily="34" charset="0"/>
+              </a:rPr>
+              <a:t>Container name</a:t>
+            </a:r>
+            <a:endParaRPr lang="en-US" sz="3200" dirty="0">
+              <a:solidFill>
+                <a:schemeClr val="accent1"/>
+              </a:solidFill>
+              <a:latin typeface="Segoe UI Light" panose="020B0502040204020203" pitchFamily="34" charset="0"/>
+              <a:cs typeface="Segoe UI Light" panose="020B0502040204020203" pitchFamily="34" charset="0"/>
+            </a:endParaRPr>
+          </a:p>
+        </p:txBody>
+      </p:sp>
+      <p:sp>
+        <p:nvSpPr>
+          <p:cNvPr id="7" name="TextBox 6"/>
+          <p:cNvSpPr txBox="1"/>
+          <p:nvPr/>
+        </p:nvSpPr>
+        <p:spPr>
+          <a:xfrm>
+            <a:off x="9147151" y="2136891"/>
+            <a:ext cx="1846659" cy="443198"/>
+          </a:xfrm>
+          <a:prstGeom prst="rect">
+            <a:avLst/>
+          </a:prstGeom>
+          <a:noFill/>
+        </p:spPr>
+        <p:txBody>
+          <a:bodyPr wrap="none" lIns="0" tIns="0" rIns="0" bIns="0" rtlCol="0">
+            <a:spAutoFit/>
+          </a:bodyPr>
+          <a:lstStyle/>
+          <a:p>
+            <a:pPr>
+              <a:lnSpc>
+                <a:spcPct val="90000"/>
+              </a:lnSpc>
+              <a:spcBef>
+                <a:spcPct val="20000"/>
+              </a:spcBef>
+              <a:buSzPct val="80000"/>
+            </a:pPr>
+            <a:r>
+              <a:rPr lang="en-US" sz="3200" dirty="0" smtClean="0">
+                <a:solidFill>
+                  <a:schemeClr val="accent1"/>
+                </a:solidFill>
+                <a:latin typeface="Segoe UI Light" panose="020B0502040204020203" pitchFamily="34" charset="0"/>
+                <a:cs typeface="Segoe UI Light" panose="020B0502040204020203" pitchFamily="34" charset="0"/>
+              </a:rPr>
+              <a:t>Blob name</a:t>
+            </a:r>
+            <a:endParaRPr lang="en-US" sz="3200" dirty="0">
+              <a:solidFill>
+                <a:schemeClr val="accent1"/>
+              </a:solidFill>
+              <a:latin typeface="Segoe UI Light" panose="020B0502040204020203" pitchFamily="34" charset="0"/>
+              <a:cs typeface="Segoe UI Light" panose="020B0502040204020203" pitchFamily="34" charset="0"/>
+            </a:endParaRPr>
+          </a:p>
+        </p:txBody>
+      </p:sp>
+      <p:cxnSp>
+        <p:nvCxnSpPr>
+          <p:cNvPr id="9" name="Straight Arrow Connector 8"/>
+          <p:cNvCxnSpPr/>
+          <p:nvPr/>
+        </p:nvCxnSpPr>
+        <p:spPr>
+          <a:xfrm>
+            <a:off x="5545777" y="2580089"/>
+            <a:ext cx="463137" cy="951450"/>
+          </a:xfrm>
+          <a:prstGeom prst="straightConnector1">
+            <a:avLst/>
+          </a:prstGeom>
+          <a:ln w="57150">
+            <a:tailEnd type="triangle" w="lg" len="lg"/>
+          </a:ln>
+        </p:spPr>
+        <p:style>
+          <a:lnRef idx="1">
+            <a:schemeClr val="accent1"/>
+          </a:lnRef>
+          <a:fillRef idx="0">
+            <a:schemeClr val="accent1"/>
+          </a:fillRef>
+          <a:effectRef idx="0">
+            <a:schemeClr val="accent1"/>
+          </a:effectRef>
+          <a:fontRef idx="minor">
+            <a:schemeClr val="tx1"/>
+          </a:fontRef>
+        </p:style>
+      </p:cxnSp>
+      <p:cxnSp>
+        <p:nvCxnSpPr>
+          <p:cNvPr id="10" name="Straight Arrow Connector 9"/>
+          <p:cNvCxnSpPr/>
+          <p:nvPr/>
+        </p:nvCxnSpPr>
+        <p:spPr>
+          <a:xfrm>
+            <a:off x="7508181" y="2580089"/>
+            <a:ext cx="231568" cy="951450"/>
+          </a:xfrm>
+          <a:prstGeom prst="straightConnector1">
+            <a:avLst/>
+          </a:prstGeom>
+          <a:ln w="57150">
+            <a:tailEnd type="triangle" w="lg" len="lg"/>
+          </a:ln>
+        </p:spPr>
+        <p:style>
+          <a:lnRef idx="1">
+            <a:schemeClr val="accent1"/>
+          </a:lnRef>
+          <a:fillRef idx="0">
+            <a:schemeClr val="accent1"/>
+          </a:fillRef>
+          <a:effectRef idx="0">
+            <a:schemeClr val="accent1"/>
+          </a:effectRef>
+          <a:fontRef idx="minor">
+            <a:schemeClr val="tx1"/>
+          </a:fontRef>
+        </p:style>
+      </p:cxnSp>
+      <p:cxnSp>
+        <p:nvCxnSpPr>
+          <p:cNvPr id="12" name="Straight Arrow Connector 11"/>
+          <p:cNvCxnSpPr/>
+          <p:nvPr/>
+        </p:nvCxnSpPr>
+        <p:spPr>
+          <a:xfrm flipH="1">
+            <a:off x="9239016" y="2580089"/>
+            <a:ext cx="289998" cy="951450"/>
+          </a:xfrm>
+          <a:prstGeom prst="straightConnector1">
+            <a:avLst/>
+          </a:prstGeom>
+          <a:ln w="57150">
+            <a:tailEnd type="triangle" w="lg" len="lg"/>
+          </a:ln>
+        </p:spPr>
+        <p:style>
+          <a:lnRef idx="1">
+            <a:schemeClr val="accent1"/>
+          </a:lnRef>
+          <a:fillRef idx="0">
+            <a:schemeClr val="accent1"/>
+          </a:fillRef>
+          <a:effectRef idx="0">
+            <a:schemeClr val="accent1"/>
+          </a:effectRef>
+          <a:fontRef idx="minor">
+            <a:schemeClr val="tx1"/>
+          </a:fontRef>
+        </p:style>
+      </p:cxnSp>
     </p:spTree>
     <p:extLst>
       <p:ext uri="{BB962C8B-B14F-4D97-AF65-F5344CB8AC3E}">
-        <p14:creationId xmlns:p14="http://schemas.microsoft.com/office/powerpoint/2010/main" val="352028527"/>
+        <p14:creationId xmlns:p14="http://schemas.microsoft.com/office/powerpoint/2010/main" val="3305319333"/>
       </p:ext>
     </p:extLst>
   </p:cSld>
@@ -15313,13 +16707,6 @@
   <p:transition>
     <p:fade/>
   </p:transition>
-  <p:timing>
-    <p:tnLst>
-      <p:par>
-        <p:cTn id="1" dur="indefinite" restart="never" nodeType="tmRoot"/>
-      </p:par>
-    </p:tnLst>
-  </p:timing>
 </p:sld>
 </file>
 
@@ -15347,7 +16734,35 @@
             <a:spLocks noGrp="1"/>
           </p:cNvSpPr>
           <p:nvPr>
-            <p:ph type="title"/>
+            <p:ph type="ctrTitle"/>
+          </p:nvPr>
+        </p:nvSpPr>
+        <p:spPr>
+          <a:xfrm>
+            <a:off x="1889616" y="1447800"/>
+            <a:ext cx="7076253" cy="1523494"/>
+          </a:xfrm>
+        </p:spPr>
+        <p:txBody>
+          <a:bodyPr/>
+          <a:lstStyle/>
+          <a:p>
+            <a:r>
+              <a:rPr lang="en-US" dirty="0" smtClean="0"/>
+              <a:t>Demo</a:t>
+            </a:r>
+            <a:endParaRPr lang="en-US" dirty="0"/>
+          </a:p>
+        </p:txBody>
+      </p:sp>
+      <p:sp>
+        <p:nvSpPr>
+          <p:cNvPr id="3" name="Subtitle 2"/>
+          <p:cNvSpPr>
+            <a:spLocks noGrp="1"/>
+          </p:cNvSpPr>
+          <p:nvPr>
+            <p:ph type="subTitle" idx="1"/>
           </p:nvPr>
         </p:nvSpPr>
         <p:spPr/>
@@ -15355,132 +16770,29 @@
           <a:bodyPr/>
           <a:lstStyle/>
           <a:p>
-            <a:r>
-              <a:rPr lang="en-US" dirty="0" smtClean="0"/>
-              <a:t>Azure Storage Tools</a:t>
-            </a:r>
-            <a:endParaRPr lang="en-US" dirty="0"/>
+            <a:endParaRPr lang="en-US"/>
           </a:p>
         </p:txBody>
       </p:sp>
       <p:sp>
         <p:nvSpPr>
-          <p:cNvPr id="3" name="Content Placeholder 2"/>
+          <p:cNvPr id="4" name="Text Placeholder 3"/>
           <p:cNvSpPr>
             <a:spLocks noGrp="1"/>
           </p:cNvSpPr>
           <p:nvPr>
-            <p:ph idx="1"/>
+            <p:ph type="body" sz="quarter" idx="10"/>
           </p:nvPr>
         </p:nvSpPr>
-        <p:spPr>
-          <a:xfrm>
-            <a:off x="519248" y="1447800"/>
-            <a:ext cx="11151916" cy="4910832"/>
-          </a:xfrm>
-        </p:spPr>
+        <p:spPr/>
         <p:txBody>
           <a:bodyPr/>
           <a:lstStyle/>
           <a:p>
             <a:r>
               <a:rPr lang="en-US" dirty="0" smtClean="0"/>
-              <a:t>Portal doesn't provide functionality for uploading blobs</a:t>
-            </a:r>
-          </a:p>
-          <a:p>
-            <a:r>
-              <a:rPr lang="en-US" dirty="0" smtClean="0"/>
-              <a:t>Other tools fill the gap (many free and open-source)</a:t>
-            </a:r>
-          </a:p>
-          <a:p>
-            <a:pPr lvl="1"/>
-            <a:r>
-              <a:rPr lang="en-US" dirty="0" smtClean="0"/>
-              <a:t>Azure Storage Explorer, </a:t>
-            </a:r>
-            <a:r>
-              <a:rPr lang="en-US" dirty="0" err="1" smtClean="0"/>
-              <a:t>AzCopy</a:t>
-            </a:r>
-            <a:r>
-              <a:rPr lang="en-US" dirty="0" smtClean="0"/>
-              <a:t>, and Azure PowerShell (Windows)</a:t>
-            </a:r>
-          </a:p>
-          <a:p>
-            <a:pPr lvl="1"/>
-            <a:r>
-              <a:rPr lang="en-US" dirty="0" err="1" smtClean="0"/>
-              <a:t>blobxfer</a:t>
-            </a:r>
-            <a:r>
-              <a:rPr lang="en-US" dirty="0" smtClean="0"/>
-              <a:t> (Linux and OS X)</a:t>
-            </a:r>
-          </a:p>
-          <a:p>
-            <a:pPr lvl="1"/>
-            <a:r>
-              <a:rPr lang="en-US" dirty="0" smtClean="0"/>
-              <a:t>Azure Command-Line Interface, or CLI (cross-platform)</a:t>
-            </a:r>
-          </a:p>
-          <a:p>
-            <a:pPr lvl="1"/>
-            <a:r>
-              <a:rPr lang="en-US" dirty="0" err="1" smtClean="0"/>
-              <a:t>Zudio</a:t>
-            </a:r>
-            <a:r>
-              <a:rPr lang="en-US" dirty="0" smtClean="0"/>
-              <a:t> (cross-platform, browser-based)</a:t>
-            </a:r>
-          </a:p>
-          <a:p>
-            <a:pPr lvl="1"/>
-            <a:r>
-              <a:rPr lang="en-US" dirty="0" smtClean="0"/>
-              <a:t>And many more…</a:t>
-            </a:r>
-          </a:p>
-          <a:p>
-            <a:r>
-              <a:rPr lang="en-US" dirty="0" smtClean="0"/>
-              <a:t>You don't have to run Windows to manage blobs!</a:t>
-            </a:r>
-          </a:p>
-          <a:p>
-            <a:r>
-              <a:rPr lang="en-US" dirty="0" smtClean="0"/>
-              <a:t>See </a:t>
-            </a:r>
-            <a:r>
-              <a:rPr lang="en-US" dirty="0" smtClean="0">
-                <a:hlinkClick r:id="rId2"/>
-              </a:rPr>
-              <a:t>http</a:t>
-            </a:r>
-            <a:r>
-              <a:rPr lang="en-US" dirty="0">
-                <a:hlinkClick r:id="rId2"/>
-              </a:rPr>
-              <a:t>://storagetools.azurewebsites.net</a:t>
-            </a:r>
-            <a:r>
-              <a:rPr lang="en-US" dirty="0" smtClean="0">
-                <a:hlinkClick r:id="rId2"/>
-              </a:rPr>
-              <a:t>/</a:t>
-            </a:r>
-            <a:r>
-              <a:rPr lang="en-US" dirty="0" smtClean="0"/>
-              <a:t> for more</a:t>
-            </a:r>
-          </a:p>
-          <a:p>
-            <a:pPr lvl="1"/>
+              <a:t>Working with Storage</a:t>
+            </a:r>
             <a:endParaRPr lang="en-US" dirty="0"/>
           </a:p>
         </p:txBody>
@@ -15488,7 +16800,7 @@
     </p:spTree>
     <p:extLst>
       <p:ext uri="{BB962C8B-B14F-4D97-AF65-F5344CB8AC3E}">
-        <p14:creationId xmlns:p14="http://schemas.microsoft.com/office/powerpoint/2010/main" val="4161209234"/>
+        <p14:creationId xmlns:p14="http://schemas.microsoft.com/office/powerpoint/2010/main" val="505314086"/>
       </p:ext>
     </p:extLst>
   </p:cSld>
@@ -15498,13 +16810,6 @@
   <p:transition>
     <p:fade/>
   </p:transition>
-  <p:timing>
-    <p:tnLst>
-      <p:par>
-        <p:cTn id="1" dur="indefinite" restart="never" nodeType="tmRoot"/>
-      </p:par>
-    </p:tnLst>
-  </p:timing>
 </p:sld>
 </file>
 

--- a/Content/Storage/Azure Storage and CLI.pptx
+++ b/Content/Storage/Azure Storage and CLI.pptx
@@ -16,8 +16,8 @@
     <p:sldId id="276" r:id="rId7"/>
     <p:sldId id="284" r:id="rId8"/>
     <p:sldId id="264" r:id="rId9"/>
-    <p:sldId id="270" r:id="rId10"/>
-    <p:sldId id="271" r:id="rId11"/>
+    <p:sldId id="271" r:id="rId10"/>
+    <p:sldId id="285" r:id="rId11"/>
   </p:sldIdLst>
   <p:sldSz cx="12192000" cy="6858000"/>
   <p:notesSz cx="6858000" cy="9144000"/>
@@ -206,7 +206,7 @@
           <a:p>
             <a:fld id="{2E5CA586-3557-4985-BCD4-35EF5AC8B4A4}" type="datetimeFigureOut">
               <a:rPr lang="en-US" smtClean="0"/>
-              <a:t>10/6/2015</a:t>
+              <a:t>10/8/2015</a:t>
             </a:fld>
             <a:endParaRPr lang="en-US"/>
           </a:p>
@@ -11364,79 +11364,10 @@
           <a:chExt cx="0" cy="0"/>
         </a:xfrm>
       </p:grpSpPr>
-      <p:sp>
-        <p:nvSpPr>
-          <p:cNvPr id="2" name="Title 1"/>
-          <p:cNvSpPr>
-            <a:spLocks noGrp="1"/>
-          </p:cNvSpPr>
-          <p:nvPr>
-            <p:ph type="ctrTitle"/>
-          </p:nvPr>
-        </p:nvSpPr>
-        <p:spPr/>
-        <p:txBody>
-          <a:bodyPr/>
-          <a:lstStyle/>
-          <a:p>
-            <a:r>
-              <a:rPr lang="en-US" dirty="0" smtClean="0"/>
-              <a:t>Hands-On Lab</a:t>
-            </a:r>
-            <a:endParaRPr lang="en-US" dirty="0"/>
-          </a:p>
-        </p:txBody>
-      </p:sp>
-      <p:sp>
-        <p:nvSpPr>
-          <p:cNvPr id="3" name="Subtitle 2"/>
-          <p:cNvSpPr>
-            <a:spLocks noGrp="1"/>
-          </p:cNvSpPr>
-          <p:nvPr>
-            <p:ph type="subTitle" idx="1"/>
-          </p:nvPr>
-        </p:nvSpPr>
-        <p:spPr/>
-        <p:txBody>
-          <a:bodyPr/>
-          <a:lstStyle/>
-          <a:p>
-            <a:r>
-              <a:rPr lang="en-US" dirty="0" smtClean="0"/>
-              <a:t>StorageHOL.pdf</a:t>
-            </a:r>
-            <a:endParaRPr lang="en-US" dirty="0"/>
-          </a:p>
-        </p:txBody>
-      </p:sp>
-      <p:sp>
-        <p:nvSpPr>
-          <p:cNvPr id="4" name="Text Placeholder 3"/>
-          <p:cNvSpPr>
-            <a:spLocks noGrp="1"/>
-          </p:cNvSpPr>
-          <p:nvPr>
-            <p:ph type="body" sz="quarter" idx="10"/>
-          </p:nvPr>
-        </p:nvSpPr>
-        <p:spPr/>
-        <p:txBody>
-          <a:bodyPr/>
-          <a:lstStyle/>
-          <a:p>
-            <a:r>
-              <a:rPr lang="en-US" dirty="0" smtClean="0"/>
-              <a:t>Azure Storage and the CLI</a:t>
-            </a:r>
-            <a:endParaRPr lang="en-US" dirty="0"/>
-          </a:p>
-        </p:txBody>
-      </p:sp>
     </p:spTree>
     <p:extLst>
       <p:ext uri="{BB962C8B-B14F-4D97-AF65-F5344CB8AC3E}">
-        <p14:creationId xmlns:p14="http://schemas.microsoft.com/office/powerpoint/2010/main" val="1225957095"/>
+        <p14:creationId xmlns:p14="http://schemas.microsoft.com/office/powerpoint/2010/main" val="2053561477"/>
       </p:ext>
     </p:extLst>
   </p:cSld>
@@ -13053,13 +12984,6 @@
               </a:rPr>
               <a:t>Accounts</a:t>
             </a:r>
-            <a:endParaRPr lang="en-US" sz="3200" dirty="0" smtClean="0">
-              <a:solidFill>
-                <a:schemeClr val="accent2"/>
-              </a:solidFill>
-              <a:latin typeface="Segoe UI Light" panose="020B0502040204020203" pitchFamily="34" charset="0"/>
-              <a:cs typeface="Segoe UI Light" panose="020B0502040204020203" pitchFamily="34" charset="0"/>
-            </a:endParaRPr>
           </a:p>
         </p:txBody>
       </p:sp>
@@ -13292,13 +13216,6 @@
               </a:rPr>
               <a:t>a4rlabs</a:t>
             </a:r>
-            <a:endParaRPr lang="en-US" sz="2200" dirty="0" smtClean="0">
-              <a:solidFill>
-                <a:schemeClr val="bg1"/>
-              </a:solidFill>
-              <a:latin typeface="Segoe UI Light" panose="020B0502040204020203" pitchFamily="34" charset="0"/>
-              <a:cs typeface="Segoe UI Light" panose="020B0502040204020203" pitchFamily="34" charset="0"/>
-            </a:endParaRPr>
           </a:p>
         </p:txBody>
       </p:sp>
@@ -14541,13 +14458,6 @@
               </a:rPr>
               <a:t>Accounts</a:t>
             </a:r>
-            <a:endParaRPr lang="en-US" sz="3200" dirty="0" smtClean="0">
-              <a:solidFill>
-                <a:schemeClr val="accent2"/>
-              </a:solidFill>
-              <a:latin typeface="Segoe UI Light" panose="020B0502040204020203" pitchFamily="34" charset="0"/>
-              <a:cs typeface="Segoe UI Light" panose="020B0502040204020203" pitchFamily="34" charset="0"/>
-            </a:endParaRPr>
           </a:p>
         </p:txBody>
       </p:sp>
@@ -14780,13 +14690,6 @@
               </a:rPr>
               <a:t>a4rlabs</a:t>
             </a:r>
-            <a:endParaRPr lang="en-US" sz="2200" dirty="0" smtClean="0">
-              <a:solidFill>
-                <a:schemeClr val="bg1"/>
-              </a:solidFill>
-              <a:latin typeface="Segoe UI Light" panose="020B0502040204020203" pitchFamily="34" charset="0"/>
-              <a:cs typeface="Segoe UI Light" panose="020B0502040204020203" pitchFamily="34" charset="0"/>
-            </a:endParaRPr>
           </a:p>
         </p:txBody>
       </p:sp>
@@ -15825,23 +15728,7 @@
           <a:p>
             <a:r>
               <a:rPr lang="en-US" dirty="0" smtClean="0"/>
-              <a:t>Keys can be used to generate shared-access </a:t>
-            </a:r>
-            <a:r>
-              <a:rPr lang="en-US" dirty="0" smtClean="0"/>
-              <a:t>signature </a:t>
-            </a:r>
-            <a:r>
-              <a:rPr lang="en-US" dirty="0" smtClean="0"/>
-              <a:t>(</a:t>
-            </a:r>
-            <a:r>
-              <a:rPr lang="en-US" dirty="0" smtClean="0"/>
-              <a:t>SAS) tokens for secure, time-limited </a:t>
-            </a:r>
-            <a:r>
-              <a:rPr lang="en-US" dirty="0" smtClean="0"/>
-              <a:t>access</a:t>
+              <a:t>Keys can be used to generate shared-access signature (SAS) tokens for secure, time-limited access</a:t>
             </a:r>
           </a:p>
         </p:txBody>
@@ -15977,9 +15864,8 @@
             </a:r>
             <a:r>
               <a:rPr lang="en-US" dirty="0" smtClean="0"/>
-              <a:t> for tools that do</a:t>
-            </a:r>
-            <a:endParaRPr lang="en-US" dirty="0" smtClean="0"/>
+              <a:t> for alternatives</a:t>
+            </a:r>
           </a:p>
         </p:txBody>
       </p:sp>
@@ -16297,7 +16183,7 @@
         </p:nvSpPr>
         <p:spPr bwMode="auto">
           <a:xfrm>
-            <a:off x="876001" y="3090109"/>
+            <a:off x="876001" y="2818803"/>
             <a:ext cx="10438410" cy="1662545"/>
           </a:xfrm>
           <a:prstGeom prst="rect">
@@ -16450,7 +16336,7 @@
         </p:nvSpPr>
         <p:spPr>
           <a:xfrm>
-            <a:off x="3212828" y="2136891"/>
+            <a:off x="3212828" y="1610575"/>
             <a:ext cx="2571217" cy="443198"/>
           </a:xfrm>
           <a:prstGeom prst="rect">
@@ -16501,7 +16387,7 @@
         </p:nvSpPr>
         <p:spPr>
           <a:xfrm>
-            <a:off x="6066470" y="2136891"/>
+            <a:off x="6066470" y="1610575"/>
             <a:ext cx="2757165" cy="443198"/>
           </a:xfrm>
           <a:prstGeom prst="rect">
@@ -16552,7 +16438,7 @@
         </p:nvSpPr>
         <p:spPr>
           <a:xfrm>
-            <a:off x="9147151" y="2136891"/>
+            <a:off x="9147151" y="1610575"/>
             <a:ext cx="1846659" cy="443198"/>
           </a:xfrm>
           <a:prstGeom prst="rect">
@@ -16603,8 +16489,8 @@
         </p:nvCxnSpPr>
         <p:spPr>
           <a:xfrm>
-            <a:off x="5545777" y="2580089"/>
-            <a:ext cx="463137" cy="951450"/>
+            <a:off x="5466303" y="2053773"/>
+            <a:ext cx="542611" cy="1206460"/>
           </a:xfrm>
           <a:prstGeom prst="straightConnector1">
             <a:avLst/>
@@ -16631,13 +16517,15 @@
       <p:cxnSp>
         <p:nvCxnSpPr>
           <p:cNvPr id="10" name="Straight Arrow Connector 9"/>
-          <p:cNvCxnSpPr/>
+          <p:cNvCxnSpPr>
+            <a:stCxn id="6" idx="2"/>
+          </p:cNvCxnSpPr>
           <p:nvPr/>
         </p:nvCxnSpPr>
         <p:spPr>
           <a:xfrm>
-            <a:off x="7508181" y="2580089"/>
-            <a:ext cx="231568" cy="951450"/>
+            <a:off x="7445053" y="2053773"/>
+            <a:ext cx="294696" cy="1206460"/>
           </a:xfrm>
           <a:prstGeom prst="straightConnector1">
             <a:avLst/>
@@ -16669,8 +16557,176 @@
         </p:nvCxnSpPr>
         <p:spPr>
           <a:xfrm flipH="1">
-            <a:off x="9239016" y="2580089"/>
-            <a:ext cx="289998" cy="951450"/>
+            <a:off x="9239016" y="2053773"/>
+            <a:ext cx="347111" cy="1206460"/>
+          </a:xfrm>
+          <a:prstGeom prst="straightConnector1">
+            <a:avLst/>
+          </a:prstGeom>
+          <a:ln w="57150">
+            <a:tailEnd type="triangle" w="lg" len="lg"/>
+          </a:ln>
+        </p:spPr>
+        <p:style>
+          <a:lnRef idx="1">
+            <a:schemeClr val="accent1"/>
+          </a:lnRef>
+          <a:fillRef idx="0">
+            <a:schemeClr val="accent1"/>
+          </a:fillRef>
+          <a:effectRef idx="0">
+            <a:schemeClr val="accent1"/>
+          </a:effectRef>
+          <a:fontRef idx="minor">
+            <a:schemeClr val="tx1"/>
+          </a:fontRef>
+        </p:style>
+      </p:cxnSp>
+      <p:sp>
+        <p:nvSpPr>
+          <p:cNvPr id="11" name="TextBox 10"/>
+          <p:cNvSpPr txBox="1"/>
+          <p:nvPr/>
+        </p:nvSpPr>
+        <p:spPr>
+          <a:xfrm>
+            <a:off x="876001" y="5186669"/>
+            <a:ext cx="3884077" cy="443198"/>
+          </a:xfrm>
+          <a:prstGeom prst="rect">
+            <a:avLst/>
+          </a:prstGeom>
+          <a:noFill/>
+        </p:spPr>
+        <p:txBody>
+          <a:bodyPr wrap="none" lIns="0" tIns="0" rIns="0" bIns="0" rtlCol="0">
+            <a:spAutoFit/>
+          </a:bodyPr>
+          <a:lstStyle/>
+          <a:p>
+            <a:pPr>
+              <a:lnSpc>
+                <a:spcPct val="90000"/>
+              </a:lnSpc>
+              <a:spcBef>
+                <a:spcPct val="20000"/>
+              </a:spcBef>
+              <a:buSzPct val="80000"/>
+            </a:pPr>
+            <a:r>
+              <a:rPr lang="en-US" sz="3200" dirty="0" smtClean="0">
+                <a:solidFill>
+                  <a:schemeClr val="accent1"/>
+                </a:solidFill>
+                <a:latin typeface="Segoe UI Light" panose="020B0502040204020203" pitchFamily="34" charset="0"/>
+                <a:cs typeface="Segoe UI Light" panose="020B0502040204020203" pitchFamily="34" charset="0"/>
+              </a:rPr>
+              <a:t>Storage account name</a:t>
+            </a:r>
+            <a:endParaRPr lang="en-US" sz="3200" dirty="0">
+              <a:solidFill>
+                <a:schemeClr val="accent1"/>
+              </a:solidFill>
+              <a:latin typeface="Segoe UI Light" panose="020B0502040204020203" pitchFamily="34" charset="0"/>
+              <a:cs typeface="Segoe UI Light" panose="020B0502040204020203" pitchFamily="34" charset="0"/>
+            </a:endParaRPr>
+          </a:p>
+        </p:txBody>
+      </p:sp>
+      <p:cxnSp>
+        <p:nvCxnSpPr>
+          <p:cNvPr id="13" name="Straight Arrow Connector 12"/>
+          <p:cNvCxnSpPr/>
+          <p:nvPr/>
+        </p:nvCxnSpPr>
+        <p:spPr>
+          <a:xfrm flipV="1">
+            <a:off x="1848897" y="4079631"/>
+            <a:ext cx="341644" cy="1107039"/>
+          </a:xfrm>
+          <a:prstGeom prst="straightConnector1">
+            <a:avLst/>
+          </a:prstGeom>
+          <a:ln w="57150">
+            <a:tailEnd type="triangle" w="lg" len="lg"/>
+          </a:ln>
+        </p:spPr>
+        <p:style>
+          <a:lnRef idx="1">
+            <a:schemeClr val="accent1"/>
+          </a:lnRef>
+          <a:fillRef idx="0">
+            <a:schemeClr val="accent1"/>
+          </a:fillRef>
+          <a:effectRef idx="0">
+            <a:schemeClr val="accent1"/>
+          </a:effectRef>
+          <a:fontRef idx="minor">
+            <a:schemeClr val="tx1"/>
+          </a:fontRef>
+        </p:style>
+      </p:cxnSp>
+      <p:sp>
+        <p:nvSpPr>
+          <p:cNvPr id="14" name="TextBox 13"/>
+          <p:cNvSpPr txBox="1"/>
+          <p:nvPr/>
+        </p:nvSpPr>
+        <p:spPr>
+          <a:xfrm>
+            <a:off x="5495672" y="5186669"/>
+            <a:ext cx="4698402" cy="443198"/>
+          </a:xfrm>
+          <a:prstGeom prst="rect">
+            <a:avLst/>
+          </a:prstGeom>
+          <a:noFill/>
+        </p:spPr>
+        <p:txBody>
+          <a:bodyPr wrap="none" lIns="0" tIns="0" rIns="0" bIns="0" rtlCol="0">
+            <a:spAutoFit/>
+          </a:bodyPr>
+          <a:lstStyle/>
+          <a:p>
+            <a:pPr>
+              <a:lnSpc>
+                <a:spcPct val="90000"/>
+              </a:lnSpc>
+              <a:spcBef>
+                <a:spcPct val="20000"/>
+              </a:spcBef>
+              <a:buSzPct val="80000"/>
+            </a:pPr>
+            <a:r>
+              <a:rPr lang="en-US" sz="3200" dirty="0" smtClean="0">
+                <a:solidFill>
+                  <a:schemeClr val="accent1"/>
+                </a:solidFill>
+                <a:latin typeface="Segoe UI Light" panose="020B0502040204020203" pitchFamily="34" charset="0"/>
+                <a:cs typeface="Segoe UI Light" panose="020B0502040204020203" pitchFamily="34" charset="0"/>
+              </a:rPr>
+              <a:t>Storage account access key</a:t>
+            </a:r>
+            <a:endParaRPr lang="en-US" sz="3200" dirty="0">
+              <a:solidFill>
+                <a:schemeClr val="accent1"/>
+              </a:solidFill>
+              <a:latin typeface="Segoe UI Light" panose="020B0502040204020203" pitchFamily="34" charset="0"/>
+              <a:cs typeface="Segoe UI Light" panose="020B0502040204020203" pitchFamily="34" charset="0"/>
+            </a:endParaRPr>
+          </a:p>
+        </p:txBody>
+      </p:sp>
+      <p:cxnSp>
+        <p:nvCxnSpPr>
+          <p:cNvPr id="15" name="Straight Arrow Connector 14"/>
+          <p:cNvCxnSpPr/>
+          <p:nvPr/>
+        </p:nvCxnSpPr>
+        <p:spPr>
+          <a:xfrm flipH="1" flipV="1">
+            <a:off x="5094514" y="4079631"/>
+            <a:ext cx="545895" cy="1022907"/>
           </a:xfrm>
           <a:prstGeom prst="straightConnector1">
             <a:avLst/>
@@ -16737,19 +16793,14 @@
             <p:ph type="ctrTitle"/>
           </p:nvPr>
         </p:nvSpPr>
-        <p:spPr>
-          <a:xfrm>
-            <a:off x="1889616" y="1447800"/>
-            <a:ext cx="7076253" cy="1523494"/>
-          </a:xfrm>
-        </p:spPr>
+        <p:spPr/>
         <p:txBody>
           <a:bodyPr/>
           <a:lstStyle/>
           <a:p>
             <a:r>
               <a:rPr lang="en-US" dirty="0" smtClean="0"/>
-              <a:t>Demo</a:t>
+              <a:t>Hands-On Lab</a:t>
             </a:r>
             <a:endParaRPr lang="en-US" dirty="0"/>
           </a:p>
@@ -16770,7 +16821,11 @@
           <a:bodyPr/>
           <a:lstStyle/>
           <a:p>
-            <a:endParaRPr lang="en-US"/>
+            <a:r>
+              <a:rPr lang="en-US" dirty="0" smtClean="0"/>
+              <a:t>StorageHOL.pdf</a:t>
+            </a:r>
+            <a:endParaRPr lang="en-US" dirty="0"/>
           </a:p>
         </p:txBody>
       </p:sp>
@@ -16791,7 +16846,7 @@
           <a:p>
             <a:r>
               <a:rPr lang="en-US" dirty="0" smtClean="0"/>
-              <a:t>Working with Storage</a:t>
+              <a:t>Azure Storage and the CLI</a:t>
             </a:r>
             <a:endParaRPr lang="en-US" dirty="0"/>
           </a:p>
@@ -16800,7 +16855,7 @@
     </p:spTree>
     <p:extLst>
       <p:ext uri="{BB962C8B-B14F-4D97-AF65-F5344CB8AC3E}">
-        <p14:creationId xmlns:p14="http://schemas.microsoft.com/office/powerpoint/2010/main" val="505314086"/>
+        <p14:creationId xmlns:p14="http://schemas.microsoft.com/office/powerpoint/2010/main" val="1225957095"/>
       </p:ext>
     </p:extLst>
   </p:cSld>

--- a/Content/Storage/Azure Storage and CLI.pptx
+++ b/Content/Storage/Azure Storage and CLI.pptx
@@ -5,19 +5,18 @@
     <p:sldMasterId id="2147483680" r:id="rId1"/>
   </p:sldMasterIdLst>
   <p:notesMasterIdLst>
-    <p:notesMasterId r:id="rId12"/>
+    <p:notesMasterId r:id="rId11"/>
   </p:notesMasterIdLst>
   <p:sldIdLst>
     <p:sldId id="256" r:id="rId2"/>
-    <p:sldId id="257" r:id="rId3"/>
+    <p:sldId id="286" r:id="rId3"/>
     <p:sldId id="280" r:id="rId4"/>
     <p:sldId id="281" r:id="rId5"/>
     <p:sldId id="275" r:id="rId6"/>
     <p:sldId id="276" r:id="rId7"/>
     <p:sldId id="284" r:id="rId8"/>
-    <p:sldId id="264" r:id="rId9"/>
-    <p:sldId id="271" r:id="rId10"/>
-    <p:sldId id="285" r:id="rId11"/>
+    <p:sldId id="271" r:id="rId9"/>
+    <p:sldId id="285" r:id="rId10"/>
   </p:sldIdLst>
   <p:sldSz cx="12192000" cy="6858000"/>
   <p:notesSz cx="6858000" cy="9144000"/>
@@ -206,7 +205,7 @@
           <a:p>
             <a:fld id="{2E5CA586-3557-4985-BCD4-35EF5AC8B4A4}" type="datetimeFigureOut">
               <a:rPr lang="en-US" smtClean="0"/>
-              <a:t>10/8/2015</a:t>
+              <a:t>10/10/2015</a:t>
             </a:fld>
             <a:endParaRPr lang="en-US"/>
           </a:p>
@@ -11347,39 +11346,6 @@
 </p:sld>
 </file>
 
-<file path=ppt/slides/slide10.xml><?xml version="1.0" encoding="utf-8"?>
-<p:sld xmlns:a="http://schemas.openxmlformats.org/drawingml/2006/main" xmlns:r="http://schemas.openxmlformats.org/officeDocument/2006/relationships" xmlns:p="http://schemas.openxmlformats.org/presentationml/2006/main">
-  <p:cSld>
-    <p:spTree>
-      <p:nvGrpSpPr>
-        <p:cNvPr id="1" name=""/>
-        <p:cNvGrpSpPr/>
-        <p:nvPr/>
-      </p:nvGrpSpPr>
-      <p:grpSpPr>
-        <a:xfrm>
-          <a:off x="0" y="0"/>
-          <a:ext cx="0" cy="0"/>
-          <a:chOff x="0" y="0"/>
-          <a:chExt cx="0" cy="0"/>
-        </a:xfrm>
-      </p:grpSpPr>
-    </p:spTree>
-    <p:extLst>
-      <p:ext uri="{BB962C8B-B14F-4D97-AF65-F5344CB8AC3E}">
-        <p14:creationId xmlns:p14="http://schemas.microsoft.com/office/powerpoint/2010/main" val="2053561477"/>
-      </p:ext>
-    </p:extLst>
-  </p:cSld>
-  <p:clrMapOvr>
-    <a:masterClrMapping/>
-  </p:clrMapOvr>
-  <p:transition>
-    <p:fade/>
-  </p:transition>
-</p:sld>
-</file>
-
 <file path=ppt/slides/slide2.xml><?xml version="1.0" encoding="utf-8"?>
 <p:sld xmlns:a="http://schemas.openxmlformats.org/drawingml/2006/main" xmlns:r="http://schemas.openxmlformats.org/officeDocument/2006/relationships" xmlns:p="http://schemas.openxmlformats.org/presentationml/2006/main">
   <p:cSld>
@@ -11422,47 +11388,14 @@
       </p:sp>
       <p:sp>
         <p:nvSpPr>
-          <p:cNvPr id="3" name="Content Placeholder 2"/>
-          <p:cNvSpPr>
-            <a:spLocks noGrp="1"/>
-          </p:cNvSpPr>
-          <p:nvPr>
-            <p:ph idx="1"/>
-          </p:nvPr>
-        </p:nvSpPr>
-        <p:spPr>
-          <a:xfrm>
-            <a:off x="519248" y="1447800"/>
-            <a:ext cx="11151916" cy="984629"/>
-          </a:xfrm>
-        </p:spPr>
-        <p:txBody>
-          <a:bodyPr/>
-          <a:lstStyle/>
-          <a:p>
-            <a:r>
-              <a:rPr lang="en-US" dirty="0" smtClean="0"/>
-              <a:t>Store data cheaply, reliably, and with high availability</a:t>
-            </a:r>
-          </a:p>
-          <a:p>
-            <a:r>
-              <a:rPr lang="en-US" dirty="0" smtClean="0"/>
-              <a:t>Accessible anywhere and in any programming language</a:t>
-            </a:r>
-          </a:p>
-        </p:txBody>
-      </p:sp>
-      <p:sp>
-        <p:nvSpPr>
-          <p:cNvPr id="4" name="Rectangle 3"/>
+          <p:cNvPr id="49" name="Rectangle 48"/>
           <p:cNvSpPr/>
           <p:nvPr/>
         </p:nvSpPr>
         <p:spPr bwMode="auto">
           <a:xfrm>
-            <a:off x="942274" y="2903729"/>
-            <a:ext cx="2078181" cy="2778826"/>
+            <a:off x="519249" y="1360440"/>
+            <a:ext cx="1791873" cy="2116290"/>
           </a:xfrm>
           <a:prstGeom prst="rect">
             <a:avLst/>
@@ -11508,7 +11441,7 @@
               </a:spcAft>
             </a:pPr>
             <a:r>
-              <a:rPr lang="en-US" sz="2800" dirty="0" smtClean="0">
+              <a:rPr lang="en-US" sz="2400" dirty="0" smtClean="0">
                 <a:gradFill>
                   <a:gsLst>
                     <a:gs pos="0">
@@ -11530,14 +11463,86 @@
       </p:sp>
       <p:sp>
         <p:nvSpPr>
-          <p:cNvPr id="5" name="Rectangle 4"/>
+          <p:cNvPr id="50" name="Flowchart: Multidocument 49"/>
           <p:cNvSpPr/>
           <p:nvPr/>
         </p:nvSpPr>
         <p:spPr bwMode="auto">
           <a:xfrm>
-            <a:off x="3693226" y="2903729"/>
-            <a:ext cx="2078181" cy="2778826"/>
+            <a:off x="796061" y="1598496"/>
+            <a:ext cx="1257900" cy="1348590"/>
+          </a:xfrm>
+          <a:prstGeom prst="flowChartMultidocument">
+            <a:avLst/>
+          </a:prstGeom>
+          <a:solidFill>
+            <a:schemeClr val="accent2"/>
+          </a:solidFill>
+          <a:ln w="57150">
+            <a:solidFill>
+              <a:schemeClr val="bg1"/>
+            </a:solidFill>
+            <a:headEnd type="none" w="med" len="med"/>
+            <a:tailEnd type="none" w="med" len="med"/>
+          </a:ln>
+          <a:effectLst/>
+        </p:spPr>
+        <p:style>
+          <a:lnRef idx="1">
+            <a:schemeClr val="accent2"/>
+          </a:lnRef>
+          <a:fillRef idx="3">
+            <a:schemeClr val="accent2"/>
+          </a:fillRef>
+          <a:effectRef idx="2">
+            <a:schemeClr val="accent2"/>
+          </a:effectRef>
+          <a:fontRef idx="minor">
+            <a:schemeClr val="lt1"/>
+          </a:fontRef>
+        </p:style>
+        <p:txBody>
+          <a:bodyPr vert="horz" wrap="square" lIns="91436" tIns="45718" rIns="91436" bIns="45718" numCol="1" rtlCol="0" anchor="ctr" anchorCtr="0" compatLnSpc="1">
+            <a:prstTxWarp prst="textNoShape">
+              <a:avLst/>
+            </a:prstTxWarp>
+          </a:bodyPr>
+          <a:lstStyle/>
+          <a:p>
+            <a:pPr algn="ctr" defTabSz="914099" fontAlgn="base">
+              <a:spcBef>
+                <a:spcPct val="0"/>
+              </a:spcBef>
+              <a:spcAft>
+                <a:spcPct val="0"/>
+              </a:spcAft>
+            </a:pPr>
+            <a:endParaRPr lang="en-US" sz="2200" dirty="0" smtClean="0">
+              <a:gradFill>
+                <a:gsLst>
+                  <a:gs pos="0">
+                    <a:srgbClr val="FFFFFF"/>
+                  </a:gs>
+                  <a:gs pos="100000">
+                    <a:srgbClr val="FFFFFF"/>
+                  </a:gs>
+                </a:gsLst>
+                <a:lin ang="5400000" scaled="0"/>
+              </a:gradFill>
+            </a:endParaRPr>
+          </a:p>
+        </p:txBody>
+      </p:sp>
+      <p:sp>
+        <p:nvSpPr>
+          <p:cNvPr id="52" name="Rectangle 51"/>
+          <p:cNvSpPr/>
+          <p:nvPr/>
+        </p:nvSpPr>
+        <p:spPr bwMode="auto">
+          <a:xfrm>
+            <a:off x="519249" y="3802189"/>
+            <a:ext cx="1791873" cy="2116290"/>
           </a:xfrm>
           <a:prstGeom prst="rect">
             <a:avLst/>
@@ -11583,7 +11588,7 @@
               </a:spcAft>
             </a:pPr>
             <a:r>
-              <a:rPr lang="en-US" sz="2800" dirty="0" smtClean="0">
+              <a:rPr lang="en-US" sz="2400" dirty="0" smtClean="0">
                 <a:gradFill>
                   <a:gsLst>
                     <a:gs pos="0">
@@ -11600,7 +11605,7 @@
               </a:rPr>
               <a:t>Tables</a:t>
             </a:r>
-            <a:endParaRPr lang="en-US" sz="2800" dirty="0">
+            <a:endParaRPr lang="en-US" sz="2400" dirty="0" smtClean="0">
               <a:gradFill>
                 <a:gsLst>
                   <a:gs pos="0">
@@ -11620,14 +11625,14 @@
       </p:sp>
       <p:sp>
         <p:nvSpPr>
-          <p:cNvPr id="6" name="Rectangle 5"/>
+          <p:cNvPr id="53" name="Rectangle 52"/>
           <p:cNvSpPr/>
           <p:nvPr/>
         </p:nvSpPr>
         <p:spPr bwMode="auto">
           <a:xfrm>
-            <a:off x="6444178" y="2903729"/>
-            <a:ext cx="2078181" cy="2778826"/>
+            <a:off x="6196568" y="3802189"/>
+            <a:ext cx="1791873" cy="2116290"/>
           </a:xfrm>
           <a:prstGeom prst="rect">
             <a:avLst/>
@@ -11673,7 +11678,7 @@
               </a:spcAft>
             </a:pPr>
             <a:r>
-              <a:rPr lang="en-US" sz="2800" dirty="0" smtClean="0">
+              <a:rPr lang="en-US" sz="2400" dirty="0" smtClean="0">
                 <a:gradFill>
                   <a:gsLst>
                     <a:gs pos="0">
@@ -11688,9 +11693,9 @@
                 <a:latin typeface="Segoe UI Light" panose="020B0502040204020203" pitchFamily="34" charset="0"/>
                 <a:cs typeface="Segoe UI Light" panose="020B0502040204020203" pitchFamily="34" charset="0"/>
               </a:rPr>
-              <a:t>Queues</a:t>
-            </a:r>
-            <a:endParaRPr lang="en-US" sz="2800" dirty="0">
+              <a:t>Files</a:t>
+            </a:r>
+            <a:endParaRPr lang="en-US" sz="2400" dirty="0" smtClean="0">
               <a:gradFill>
                 <a:gsLst>
                   <a:gs pos="0">
@@ -11710,14 +11715,14 @@
       </p:sp>
       <p:sp>
         <p:nvSpPr>
-          <p:cNvPr id="7" name="Rectangle 6"/>
+          <p:cNvPr id="54" name="Rectangle 53"/>
           <p:cNvSpPr/>
           <p:nvPr/>
         </p:nvSpPr>
         <p:spPr bwMode="auto">
           <a:xfrm>
-            <a:off x="9195130" y="2903729"/>
-            <a:ext cx="2078181" cy="2778826"/>
+            <a:off x="6196568" y="1360440"/>
+            <a:ext cx="1791873" cy="2116290"/>
           </a:xfrm>
           <a:prstGeom prst="rect">
             <a:avLst/>
@@ -11763,7 +11768,7 @@
               </a:spcAft>
             </a:pPr>
             <a:r>
-              <a:rPr lang="en-US" sz="2800" dirty="0" smtClean="0">
+              <a:rPr lang="en-US" sz="2400" dirty="0" smtClean="0">
                 <a:gradFill>
                   <a:gsLst>
                     <a:gs pos="0">
@@ -11778,9 +11783,9 @@
                 <a:latin typeface="Segoe UI Light" panose="020B0502040204020203" pitchFamily="34" charset="0"/>
                 <a:cs typeface="Segoe UI Light" panose="020B0502040204020203" pitchFamily="34" charset="0"/>
               </a:rPr>
-              <a:t>Files</a:t>
-            </a:r>
-            <a:endParaRPr lang="en-US" sz="2800" dirty="0">
+              <a:t>Queues</a:t>
+            </a:r>
+            <a:endParaRPr lang="en-US" sz="2400" dirty="0" smtClean="0">
               <a:gradFill>
                 <a:gsLst>
                   <a:gs pos="0">
@@ -11800,14 +11805,594 @@
       </p:sp>
       <p:sp>
         <p:nvSpPr>
-          <p:cNvPr id="19" name="Rectangle 18"/>
+          <p:cNvPr id="14" name="TextBox 13"/>
+          <p:cNvSpPr txBox="1"/>
+          <p:nvPr/>
+        </p:nvSpPr>
+        <p:spPr>
+          <a:xfrm>
+            <a:off x="2451798" y="1360440"/>
+            <a:ext cx="3205425" cy="1661993"/>
+          </a:xfrm>
+          <a:prstGeom prst="rect">
+            <a:avLst/>
+          </a:prstGeom>
+          <a:noFill/>
+        </p:spPr>
+        <p:txBody>
+          <a:bodyPr wrap="square" lIns="0" tIns="0" rIns="0" bIns="0" rtlCol="0">
+            <a:spAutoFit/>
+          </a:bodyPr>
+          <a:lstStyle/>
+          <a:p>
+            <a:pPr>
+              <a:lnSpc>
+                <a:spcPct val="90000"/>
+              </a:lnSpc>
+              <a:spcBef>
+                <a:spcPct val="20000"/>
+              </a:spcBef>
+              <a:buSzPct val="80000"/>
+            </a:pPr>
+            <a:r>
+              <a:rPr lang="en-US" sz="2400" dirty="0" smtClean="0">
+                <a:gradFill>
+                  <a:gsLst>
+                    <a:gs pos="0">
+                      <a:srgbClr val="292929">
+                        <a:lumMod val="90000"/>
+                        <a:lumOff val="10000"/>
+                      </a:srgbClr>
+                    </a:gs>
+                    <a:gs pos="86000">
+                      <a:srgbClr val="292929">
+                        <a:lumMod val="90000"/>
+                        <a:lumOff val="10000"/>
+                      </a:srgbClr>
+                    </a:gs>
+                  </a:gsLst>
+                  <a:lin ang="5400000" scaled="0"/>
+                </a:gradFill>
+                <a:latin typeface="Segoe UI Light" panose="020B0502040204020203" pitchFamily="34" charset="0"/>
+                <a:cs typeface="Segoe UI Light" panose="020B0502040204020203" pitchFamily="34" charset="0"/>
+              </a:rPr>
+              <a:t>Storage for </a:t>
+            </a:r>
+            <a:r>
+              <a:rPr lang="en-US" sz="2400" u="sng" dirty="0" smtClean="0">
+                <a:gradFill>
+                  <a:gsLst>
+                    <a:gs pos="0">
+                      <a:srgbClr val="292929">
+                        <a:lumMod val="90000"/>
+                        <a:lumOff val="10000"/>
+                      </a:srgbClr>
+                    </a:gs>
+                    <a:gs pos="86000">
+                      <a:srgbClr val="292929">
+                        <a:lumMod val="90000"/>
+                        <a:lumOff val="10000"/>
+                      </a:srgbClr>
+                    </a:gs>
+                  </a:gsLst>
+                  <a:lin ang="5400000" scaled="0"/>
+                </a:gradFill>
+                <a:latin typeface="Segoe UI Light" panose="020B0502040204020203" pitchFamily="34" charset="0"/>
+                <a:cs typeface="Segoe UI Light" panose="020B0502040204020203" pitchFamily="34" charset="0"/>
+              </a:rPr>
+              <a:t>any</a:t>
+            </a:r>
+            <a:r>
+              <a:rPr lang="en-US" sz="2400" dirty="0" smtClean="0">
+                <a:gradFill>
+                  <a:gsLst>
+                    <a:gs pos="0">
+                      <a:srgbClr val="292929">
+                        <a:lumMod val="90000"/>
+                        <a:lumOff val="10000"/>
+                      </a:srgbClr>
+                    </a:gs>
+                    <a:gs pos="86000">
+                      <a:srgbClr val="292929">
+                        <a:lumMod val="90000"/>
+                        <a:lumOff val="10000"/>
+                      </a:srgbClr>
+                    </a:gs>
+                  </a:gsLst>
+                  <a:lin ang="5400000" scaled="0"/>
+                </a:gradFill>
+                <a:latin typeface="Segoe UI Light" panose="020B0502040204020203" pitchFamily="34" charset="0"/>
+                <a:cs typeface="Segoe UI Light" panose="020B0502040204020203" pitchFamily="34" charset="0"/>
+              </a:rPr>
+              <a:t> type of data, analogous to files in a file system, with individual blobs storing up to 1 TB of data</a:t>
+            </a:r>
+            <a:endParaRPr lang="en-US" sz="2400" dirty="0">
+              <a:gradFill>
+                <a:gsLst>
+                  <a:gs pos="0">
+                    <a:srgbClr val="292929">
+                      <a:lumMod val="90000"/>
+                      <a:lumOff val="10000"/>
+                    </a:srgbClr>
+                  </a:gs>
+                  <a:gs pos="86000">
+                    <a:srgbClr val="292929">
+                      <a:lumMod val="90000"/>
+                      <a:lumOff val="10000"/>
+                    </a:srgbClr>
+                  </a:gs>
+                </a:gsLst>
+                <a:lin ang="5400000" scaled="0"/>
+              </a:gradFill>
+              <a:latin typeface="Segoe UI Light" panose="020B0502040204020203" pitchFamily="34" charset="0"/>
+              <a:cs typeface="Segoe UI Light" panose="020B0502040204020203" pitchFamily="34" charset="0"/>
+            </a:endParaRPr>
+          </a:p>
+        </p:txBody>
+      </p:sp>
+      <p:sp>
+        <p:nvSpPr>
+          <p:cNvPr id="55" name="TextBox 54"/>
+          <p:cNvSpPr txBox="1"/>
+          <p:nvPr/>
+        </p:nvSpPr>
+        <p:spPr>
+          <a:xfrm>
+            <a:off x="2451798" y="3802189"/>
+            <a:ext cx="3205425" cy="1661993"/>
+          </a:xfrm>
+          <a:prstGeom prst="rect">
+            <a:avLst/>
+          </a:prstGeom>
+          <a:noFill/>
+        </p:spPr>
+        <p:txBody>
+          <a:bodyPr wrap="square" lIns="0" tIns="0" rIns="0" bIns="0" rtlCol="0">
+            <a:spAutoFit/>
+          </a:bodyPr>
+          <a:lstStyle/>
+          <a:p>
+            <a:pPr>
+              <a:lnSpc>
+                <a:spcPct val="90000"/>
+              </a:lnSpc>
+              <a:spcBef>
+                <a:spcPct val="20000"/>
+              </a:spcBef>
+              <a:buSzPct val="80000"/>
+            </a:pPr>
+            <a:r>
+              <a:rPr lang="en-US" sz="2400" dirty="0" smtClean="0">
+                <a:gradFill>
+                  <a:gsLst>
+                    <a:gs pos="0">
+                      <a:srgbClr val="292929">
+                        <a:lumMod val="90000"/>
+                        <a:lumOff val="10000"/>
+                      </a:srgbClr>
+                    </a:gs>
+                    <a:gs pos="86000">
+                      <a:srgbClr val="292929">
+                        <a:lumMod val="90000"/>
+                        <a:lumOff val="10000"/>
+                      </a:srgbClr>
+                    </a:gs>
+                  </a:gsLst>
+                  <a:lin ang="5400000" scaled="0"/>
+                </a:gradFill>
+                <a:latin typeface="Segoe UI Light" panose="020B0502040204020203" pitchFamily="34" charset="0"/>
+                <a:cs typeface="Segoe UI Light" panose="020B0502040204020203" pitchFamily="34" charset="0"/>
+              </a:rPr>
+              <a:t>NoSQL storage of semi-structured data for rapid development and fast access to large quantities of data</a:t>
+            </a:r>
+            <a:endParaRPr lang="en-US" sz="2400" dirty="0">
+              <a:gradFill>
+                <a:gsLst>
+                  <a:gs pos="0">
+                    <a:srgbClr val="292929">
+                      <a:lumMod val="90000"/>
+                      <a:lumOff val="10000"/>
+                    </a:srgbClr>
+                  </a:gs>
+                  <a:gs pos="86000">
+                    <a:srgbClr val="292929">
+                      <a:lumMod val="90000"/>
+                      <a:lumOff val="10000"/>
+                    </a:srgbClr>
+                  </a:gs>
+                </a:gsLst>
+                <a:lin ang="5400000" scaled="0"/>
+              </a:gradFill>
+              <a:latin typeface="Segoe UI Light" panose="020B0502040204020203" pitchFamily="34" charset="0"/>
+              <a:cs typeface="Segoe UI Light" panose="020B0502040204020203" pitchFamily="34" charset="0"/>
+            </a:endParaRPr>
+          </a:p>
+        </p:txBody>
+      </p:sp>
+      <p:sp>
+        <p:nvSpPr>
+          <p:cNvPr id="56" name="TextBox 55"/>
+          <p:cNvSpPr txBox="1"/>
+          <p:nvPr/>
+        </p:nvSpPr>
+        <p:spPr>
+          <a:xfrm>
+            <a:off x="8139165" y="3802189"/>
+            <a:ext cx="3205425" cy="1329595"/>
+          </a:xfrm>
+          <a:prstGeom prst="rect">
+            <a:avLst/>
+          </a:prstGeom>
+          <a:noFill/>
+        </p:spPr>
+        <p:txBody>
+          <a:bodyPr wrap="square" lIns="0" tIns="0" rIns="0" bIns="0" rtlCol="0">
+            <a:spAutoFit/>
+          </a:bodyPr>
+          <a:lstStyle/>
+          <a:p>
+            <a:pPr>
+              <a:lnSpc>
+                <a:spcPct val="90000"/>
+              </a:lnSpc>
+              <a:spcBef>
+                <a:spcPct val="20000"/>
+              </a:spcBef>
+              <a:buSzPct val="80000"/>
+            </a:pPr>
+            <a:r>
+              <a:rPr lang="en-US" sz="2400" dirty="0" smtClean="0">
+                <a:gradFill>
+                  <a:gsLst>
+                    <a:gs pos="0">
+                      <a:srgbClr val="292929">
+                        <a:lumMod val="90000"/>
+                        <a:lumOff val="10000"/>
+                      </a:srgbClr>
+                    </a:gs>
+                    <a:gs pos="86000">
+                      <a:srgbClr val="292929">
+                        <a:lumMod val="90000"/>
+                        <a:lumOff val="10000"/>
+                      </a:srgbClr>
+                    </a:gs>
+                  </a:gsLst>
+                  <a:lin ang="5400000" scaled="0"/>
+                </a:gradFill>
+                <a:latin typeface="Segoe UI Light" panose="020B0502040204020203" pitchFamily="34" charset="0"/>
+                <a:cs typeface="Segoe UI Light" panose="020B0502040204020203" pitchFamily="34" charset="0"/>
+              </a:rPr>
+              <a:t>Shared storage for VMs and cloud services using Server Message Block (SMB) protocol</a:t>
+            </a:r>
+            <a:endParaRPr lang="en-US" sz="2400" dirty="0">
+              <a:gradFill>
+                <a:gsLst>
+                  <a:gs pos="0">
+                    <a:srgbClr val="292929">
+                      <a:lumMod val="90000"/>
+                      <a:lumOff val="10000"/>
+                    </a:srgbClr>
+                  </a:gs>
+                  <a:gs pos="86000">
+                    <a:srgbClr val="292929">
+                      <a:lumMod val="90000"/>
+                      <a:lumOff val="10000"/>
+                    </a:srgbClr>
+                  </a:gs>
+                </a:gsLst>
+                <a:lin ang="5400000" scaled="0"/>
+              </a:gradFill>
+              <a:latin typeface="Segoe UI Light" panose="020B0502040204020203" pitchFamily="34" charset="0"/>
+              <a:cs typeface="Segoe UI Light" panose="020B0502040204020203" pitchFamily="34" charset="0"/>
+            </a:endParaRPr>
+          </a:p>
+        </p:txBody>
+      </p:sp>
+      <p:sp>
+        <p:nvSpPr>
+          <p:cNvPr id="57" name="TextBox 56"/>
+          <p:cNvSpPr txBox="1"/>
+          <p:nvPr/>
+        </p:nvSpPr>
+        <p:spPr>
+          <a:xfrm>
+            <a:off x="8139165" y="1360440"/>
+            <a:ext cx="3205425" cy="1661993"/>
+          </a:xfrm>
+          <a:prstGeom prst="rect">
+            <a:avLst/>
+          </a:prstGeom>
+          <a:noFill/>
+        </p:spPr>
+        <p:txBody>
+          <a:bodyPr wrap="square" lIns="0" tIns="0" rIns="0" bIns="0" rtlCol="0">
+            <a:spAutoFit/>
+          </a:bodyPr>
+          <a:lstStyle/>
+          <a:p>
+            <a:pPr>
+              <a:lnSpc>
+                <a:spcPct val="90000"/>
+              </a:lnSpc>
+              <a:spcBef>
+                <a:spcPct val="20000"/>
+              </a:spcBef>
+              <a:buSzPct val="80000"/>
+            </a:pPr>
+            <a:r>
+              <a:rPr lang="en-US" sz="2400" dirty="0" smtClean="0">
+                <a:gradFill>
+                  <a:gsLst>
+                    <a:gs pos="0">
+                      <a:srgbClr val="292929">
+                        <a:lumMod val="90000"/>
+                        <a:lumOff val="10000"/>
+                      </a:srgbClr>
+                    </a:gs>
+                    <a:gs pos="86000">
+                      <a:srgbClr val="292929">
+                        <a:lumMod val="90000"/>
+                        <a:lumOff val="10000"/>
+                      </a:srgbClr>
+                    </a:gs>
+                  </a:gsLst>
+                  <a:lin ang="5400000" scaled="0"/>
+                </a:gradFill>
+                <a:latin typeface="Segoe UI Light" panose="020B0502040204020203" pitchFamily="34" charset="0"/>
+                <a:cs typeface="Segoe UI Light" panose="020B0502040204020203" pitchFamily="34" charset="0"/>
+              </a:rPr>
+              <a:t>Reliable messaging for workflow processing and for communication between applications or application components</a:t>
+            </a:r>
+            <a:endParaRPr lang="en-US" sz="2400" dirty="0">
+              <a:gradFill>
+                <a:gsLst>
+                  <a:gs pos="0">
+                    <a:srgbClr val="292929">
+                      <a:lumMod val="90000"/>
+                      <a:lumOff val="10000"/>
+                    </a:srgbClr>
+                  </a:gs>
+                  <a:gs pos="86000">
+                    <a:srgbClr val="292929">
+                      <a:lumMod val="90000"/>
+                      <a:lumOff val="10000"/>
+                    </a:srgbClr>
+                  </a:gs>
+                </a:gsLst>
+                <a:lin ang="5400000" scaled="0"/>
+              </a:gradFill>
+              <a:latin typeface="Segoe UI Light" panose="020B0502040204020203" pitchFamily="34" charset="0"/>
+              <a:cs typeface="Segoe UI Light" panose="020B0502040204020203" pitchFamily="34" charset="0"/>
+            </a:endParaRPr>
+          </a:p>
+        </p:txBody>
+      </p:sp>
+      <p:sp>
+        <p:nvSpPr>
+          <p:cNvPr id="58" name="Can 57"/>
           <p:cNvSpPr/>
           <p:nvPr/>
         </p:nvSpPr>
         <p:spPr bwMode="auto">
           <a:xfrm>
-            <a:off x="3987800" y="3352800"/>
-            <a:ext cx="1460500" cy="266700"/>
+            <a:off x="6421678" y="4036088"/>
+            <a:ext cx="1341650" cy="1359877"/>
+          </a:xfrm>
+          <a:prstGeom prst="can">
+            <a:avLst/>
+          </a:prstGeom>
+          <a:solidFill>
+            <a:srgbClr val="CC99FF"/>
+          </a:solidFill>
+          <a:ln w="57150">
+            <a:solidFill>
+              <a:schemeClr val="bg1"/>
+            </a:solidFill>
+            <a:headEnd type="none" w="med" len="med"/>
+            <a:tailEnd type="none" w="med" len="med"/>
+          </a:ln>
+          <a:effectLst/>
+        </p:spPr>
+        <p:style>
+          <a:lnRef idx="1">
+            <a:schemeClr val="accent2"/>
+          </a:lnRef>
+          <a:fillRef idx="3">
+            <a:schemeClr val="accent2"/>
+          </a:fillRef>
+          <a:effectRef idx="2">
+            <a:schemeClr val="accent2"/>
+          </a:effectRef>
+          <a:fontRef idx="minor">
+            <a:schemeClr val="lt1"/>
+          </a:fontRef>
+        </p:style>
+        <p:txBody>
+          <a:bodyPr vert="horz" wrap="square" lIns="91436" tIns="45718" rIns="91436" bIns="45718" numCol="1" rtlCol="0" anchor="ctr" anchorCtr="0" compatLnSpc="1">
+            <a:prstTxWarp prst="textNoShape">
+              <a:avLst/>
+            </a:prstTxWarp>
+          </a:bodyPr>
+          <a:lstStyle/>
+          <a:p>
+            <a:pPr algn="ctr" defTabSz="914099" fontAlgn="base">
+              <a:spcBef>
+                <a:spcPct val="0"/>
+              </a:spcBef>
+              <a:spcAft>
+                <a:spcPct val="0"/>
+              </a:spcAft>
+            </a:pPr>
+            <a:endParaRPr lang="en-US" sz="2200" dirty="0" smtClean="0">
+              <a:gradFill>
+                <a:gsLst>
+                  <a:gs pos="0">
+                    <a:srgbClr val="FFFFFF"/>
+                  </a:gs>
+                  <a:gs pos="100000">
+                    <a:srgbClr val="FFFFFF"/>
+                  </a:gs>
+                </a:gsLst>
+                <a:lin ang="5400000" scaled="0"/>
+              </a:gradFill>
+            </a:endParaRPr>
+          </a:p>
+        </p:txBody>
+      </p:sp>
+      <p:sp>
+        <p:nvSpPr>
+          <p:cNvPr id="63" name="Right Arrow 62"/>
+          <p:cNvSpPr/>
+          <p:nvPr/>
+        </p:nvSpPr>
+        <p:spPr bwMode="auto">
+          <a:xfrm>
+            <a:off x="6421678" y="1598496"/>
+            <a:ext cx="1341651" cy="655658"/>
+          </a:xfrm>
+          <a:prstGeom prst="rightArrow">
+            <a:avLst/>
+          </a:prstGeom>
+          <a:solidFill>
+            <a:srgbClr val="CC99FF"/>
+          </a:solidFill>
+          <a:ln w="57150">
+            <a:solidFill>
+              <a:schemeClr val="bg1"/>
+            </a:solidFill>
+            <a:headEnd type="none" w="med" len="med"/>
+            <a:tailEnd type="none" w="med" len="med"/>
+          </a:ln>
+          <a:effectLst/>
+        </p:spPr>
+        <p:style>
+          <a:lnRef idx="1">
+            <a:schemeClr val="accent2"/>
+          </a:lnRef>
+          <a:fillRef idx="3">
+            <a:schemeClr val="accent2"/>
+          </a:fillRef>
+          <a:effectRef idx="2">
+            <a:schemeClr val="accent2"/>
+          </a:effectRef>
+          <a:fontRef idx="minor">
+            <a:schemeClr val="lt1"/>
+          </a:fontRef>
+        </p:style>
+        <p:txBody>
+          <a:bodyPr vert="horz" wrap="square" lIns="91436" tIns="45718" rIns="91436" bIns="45718" numCol="1" rtlCol="0" anchor="ctr" anchorCtr="0" compatLnSpc="1">
+            <a:prstTxWarp prst="textNoShape">
+              <a:avLst/>
+            </a:prstTxWarp>
+          </a:bodyPr>
+          <a:lstStyle/>
+          <a:p>
+            <a:pPr algn="ctr" defTabSz="914099" fontAlgn="base">
+              <a:spcBef>
+                <a:spcPct val="0"/>
+              </a:spcBef>
+              <a:spcAft>
+                <a:spcPct val="0"/>
+              </a:spcAft>
+            </a:pPr>
+            <a:endParaRPr lang="en-US" sz="2200" dirty="0" smtClean="0">
+              <a:gradFill>
+                <a:gsLst>
+                  <a:gs pos="0">
+                    <a:srgbClr val="FFFFFF"/>
+                  </a:gs>
+                  <a:gs pos="100000">
+                    <a:srgbClr val="FFFFFF"/>
+                  </a:gs>
+                </a:gsLst>
+                <a:lin ang="5400000" scaled="0"/>
+              </a:gradFill>
+            </a:endParaRPr>
+          </a:p>
+        </p:txBody>
+      </p:sp>
+      <p:sp>
+        <p:nvSpPr>
+          <p:cNvPr id="64" name="Right Arrow 63"/>
+          <p:cNvSpPr/>
+          <p:nvPr/>
+        </p:nvSpPr>
+        <p:spPr bwMode="auto">
+          <a:xfrm rot="10800000">
+            <a:off x="6421677" y="2291428"/>
+            <a:ext cx="1341651" cy="655658"/>
+          </a:xfrm>
+          <a:prstGeom prst="rightArrow">
+            <a:avLst/>
+          </a:prstGeom>
+          <a:solidFill>
+            <a:srgbClr val="CC99FF"/>
+          </a:solidFill>
+          <a:ln w="57150">
+            <a:solidFill>
+              <a:schemeClr val="bg1"/>
+            </a:solidFill>
+            <a:headEnd type="none" w="med" len="med"/>
+            <a:tailEnd type="none" w="med" len="med"/>
+          </a:ln>
+          <a:effectLst/>
+        </p:spPr>
+        <p:style>
+          <a:lnRef idx="1">
+            <a:schemeClr val="accent2"/>
+          </a:lnRef>
+          <a:fillRef idx="3">
+            <a:schemeClr val="accent2"/>
+          </a:fillRef>
+          <a:effectRef idx="2">
+            <a:schemeClr val="accent2"/>
+          </a:effectRef>
+          <a:fontRef idx="minor">
+            <a:schemeClr val="lt1"/>
+          </a:fontRef>
+        </p:style>
+        <p:txBody>
+          <a:bodyPr vert="horz" wrap="square" lIns="91436" tIns="45718" rIns="91436" bIns="45718" numCol="1" rtlCol="0" anchor="ctr" anchorCtr="0" compatLnSpc="1">
+            <a:prstTxWarp prst="textNoShape">
+              <a:avLst/>
+            </a:prstTxWarp>
+          </a:bodyPr>
+          <a:lstStyle/>
+          <a:p>
+            <a:pPr algn="ctr" defTabSz="914099" fontAlgn="base">
+              <a:spcBef>
+                <a:spcPct val="0"/>
+              </a:spcBef>
+              <a:spcAft>
+                <a:spcPct val="0"/>
+              </a:spcAft>
+            </a:pPr>
+            <a:endParaRPr lang="en-US" sz="2200" dirty="0" smtClean="0">
+              <a:gradFill>
+                <a:gsLst>
+                  <a:gs pos="0">
+                    <a:srgbClr val="FFFFFF"/>
+                  </a:gs>
+                  <a:gs pos="100000">
+                    <a:srgbClr val="FFFFFF"/>
+                  </a:gs>
+                </a:gsLst>
+                <a:lin ang="5400000" scaled="0"/>
+              </a:gradFill>
+            </a:endParaRPr>
+          </a:p>
+        </p:txBody>
+      </p:sp>
+      <p:sp>
+        <p:nvSpPr>
+          <p:cNvPr id="65" name="Rectangle 64"/>
+          <p:cNvSpPr/>
+          <p:nvPr/>
+        </p:nvSpPr>
+        <p:spPr bwMode="auto">
+          <a:xfrm>
+            <a:off x="796061" y="4036088"/>
+            <a:ext cx="1257900" cy="266700"/>
           </a:xfrm>
           <a:prstGeom prst="rect">
             <a:avLst/>
@@ -11872,14 +12457,14 @@
       </p:sp>
       <p:sp>
         <p:nvSpPr>
-          <p:cNvPr id="20" name="Rectangle 19"/>
+          <p:cNvPr id="66" name="Rectangle 65"/>
           <p:cNvSpPr/>
           <p:nvPr/>
         </p:nvSpPr>
         <p:spPr bwMode="auto">
           <a:xfrm>
-            <a:off x="3987800" y="3619500"/>
-            <a:ext cx="1460500" cy="266700"/>
+            <a:off x="796061" y="4302788"/>
+            <a:ext cx="1257900" cy="266700"/>
           </a:xfrm>
           <a:prstGeom prst="rect">
             <a:avLst/>
@@ -11944,14 +12529,14 @@
       </p:sp>
       <p:sp>
         <p:nvSpPr>
-          <p:cNvPr id="21" name="Rectangle 20"/>
+          <p:cNvPr id="67" name="Rectangle 66"/>
           <p:cNvSpPr/>
           <p:nvPr/>
         </p:nvSpPr>
         <p:spPr bwMode="auto">
           <a:xfrm>
-            <a:off x="3987800" y="3886200"/>
-            <a:ext cx="1460500" cy="266700"/>
+            <a:off x="796061" y="4536687"/>
+            <a:ext cx="1257900" cy="266700"/>
           </a:xfrm>
           <a:prstGeom prst="rect">
             <a:avLst/>
@@ -12016,14 +12601,14 @@
       </p:sp>
       <p:sp>
         <p:nvSpPr>
-          <p:cNvPr id="22" name="Rectangle 21"/>
+          <p:cNvPr id="68" name="Rectangle 67"/>
           <p:cNvSpPr/>
           <p:nvPr/>
         </p:nvSpPr>
         <p:spPr bwMode="auto">
           <a:xfrm>
-            <a:off x="3987800" y="4152900"/>
-            <a:ext cx="1460500" cy="266700"/>
+            <a:off x="796061" y="4803387"/>
+            <a:ext cx="1257900" cy="266700"/>
           </a:xfrm>
           <a:prstGeom prst="rect">
             <a:avLst/>
@@ -12088,14 +12673,14 @@
       </p:sp>
       <p:sp>
         <p:nvSpPr>
-          <p:cNvPr id="23" name="Rectangle 22"/>
+          <p:cNvPr id="69" name="Rectangle 68"/>
           <p:cNvSpPr/>
           <p:nvPr/>
         </p:nvSpPr>
         <p:spPr bwMode="auto">
           <a:xfrm>
-            <a:off x="3987800" y="4419600"/>
-            <a:ext cx="1460500" cy="266700"/>
+            <a:off x="796061" y="5065756"/>
+            <a:ext cx="1257900" cy="266700"/>
           </a:xfrm>
           <a:prstGeom prst="rect">
             <a:avLst/>
@@ -12158,664 +12743,16 @@
           </a:p>
         </p:txBody>
       </p:sp>
-      <p:sp>
-        <p:nvSpPr>
-          <p:cNvPr id="24" name="Rectangle 23"/>
-          <p:cNvSpPr/>
-          <p:nvPr/>
-        </p:nvSpPr>
-        <p:spPr bwMode="auto">
-          <a:xfrm>
-            <a:off x="3987800" y="4686300"/>
-            <a:ext cx="1460500" cy="266700"/>
-          </a:xfrm>
-          <a:prstGeom prst="rect">
-            <a:avLst/>
-          </a:prstGeom>
-          <a:solidFill>
-            <a:srgbClr val="CC99FF"/>
-          </a:solidFill>
-          <a:ln w="57150">
-            <a:solidFill>
-              <a:schemeClr val="bg1"/>
-            </a:solidFill>
-            <a:headEnd type="none" w="med" len="med"/>
-            <a:tailEnd type="none" w="med" len="med"/>
-          </a:ln>
-          <a:effectLst/>
-        </p:spPr>
-        <p:style>
-          <a:lnRef idx="1">
-            <a:schemeClr val="accent2"/>
-          </a:lnRef>
-          <a:fillRef idx="3">
-            <a:schemeClr val="accent2"/>
-          </a:fillRef>
-          <a:effectRef idx="2">
-            <a:schemeClr val="accent2"/>
-          </a:effectRef>
-          <a:fontRef idx="minor">
-            <a:schemeClr val="lt1"/>
-          </a:fontRef>
-        </p:style>
-        <p:txBody>
-          <a:bodyPr vert="horz" wrap="square" lIns="91436" tIns="45718" rIns="91436" bIns="45718" numCol="1" rtlCol="0" anchor="ctr" anchorCtr="0" compatLnSpc="1">
-            <a:prstTxWarp prst="textNoShape">
-              <a:avLst/>
-            </a:prstTxWarp>
-          </a:bodyPr>
-          <a:lstStyle/>
-          <a:p>
-            <a:pPr algn="ctr" defTabSz="914099" fontAlgn="base">
-              <a:spcBef>
-                <a:spcPct val="0"/>
-              </a:spcBef>
-              <a:spcAft>
-                <a:spcPct val="0"/>
-              </a:spcAft>
-            </a:pPr>
-            <a:endParaRPr lang="en-US" sz="2200" dirty="0" smtClean="0">
-              <a:gradFill>
-                <a:gsLst>
-                  <a:gs pos="0">
-                    <a:srgbClr val="FFFFFF"/>
-                  </a:gs>
-                  <a:gs pos="100000">
-                    <a:srgbClr val="FFFFFF"/>
-                  </a:gs>
-                </a:gsLst>
-                <a:lin ang="5400000" scaled="0"/>
-              </a:gradFill>
-            </a:endParaRPr>
-          </a:p>
-        </p:txBody>
-      </p:sp>
-      <p:sp>
-        <p:nvSpPr>
-          <p:cNvPr id="25" name="Rectangle 24"/>
-          <p:cNvSpPr/>
-          <p:nvPr/>
-        </p:nvSpPr>
-        <p:spPr bwMode="auto">
-          <a:xfrm>
-            <a:off x="6718300" y="3352800"/>
-            <a:ext cx="304800" cy="1600200"/>
-          </a:xfrm>
-          <a:prstGeom prst="rect">
-            <a:avLst/>
-          </a:prstGeom>
-          <a:solidFill>
-            <a:srgbClr val="CC99FF"/>
-          </a:solidFill>
-          <a:ln w="57150">
-            <a:solidFill>
-              <a:schemeClr val="bg1"/>
-            </a:solidFill>
-            <a:headEnd type="none" w="med" len="med"/>
-            <a:tailEnd type="none" w="med" len="med"/>
-          </a:ln>
-          <a:effectLst/>
-        </p:spPr>
-        <p:style>
-          <a:lnRef idx="1">
-            <a:schemeClr val="accent2"/>
-          </a:lnRef>
-          <a:fillRef idx="3">
-            <a:schemeClr val="accent2"/>
-          </a:fillRef>
-          <a:effectRef idx="2">
-            <a:schemeClr val="accent2"/>
-          </a:effectRef>
-          <a:fontRef idx="minor">
-            <a:schemeClr val="lt1"/>
-          </a:fontRef>
-        </p:style>
-        <p:txBody>
-          <a:bodyPr vert="horz" wrap="square" lIns="91436" tIns="45718" rIns="91436" bIns="45718" numCol="1" rtlCol="0" anchor="ctr" anchorCtr="0" compatLnSpc="1">
-            <a:prstTxWarp prst="textNoShape">
-              <a:avLst/>
-            </a:prstTxWarp>
-          </a:bodyPr>
-          <a:lstStyle/>
-          <a:p>
-            <a:pPr algn="ctr" defTabSz="914099" fontAlgn="base">
-              <a:spcBef>
-                <a:spcPct val="0"/>
-              </a:spcBef>
-              <a:spcAft>
-                <a:spcPct val="0"/>
-              </a:spcAft>
-            </a:pPr>
-            <a:endParaRPr lang="en-US" sz="2200" dirty="0" smtClean="0">
-              <a:gradFill>
-                <a:gsLst>
-                  <a:gs pos="0">
-                    <a:srgbClr val="FFFFFF"/>
-                  </a:gs>
-                  <a:gs pos="100000">
-                    <a:srgbClr val="FFFFFF"/>
-                  </a:gs>
-                </a:gsLst>
-                <a:lin ang="5400000" scaled="0"/>
-              </a:gradFill>
-            </a:endParaRPr>
-          </a:p>
-        </p:txBody>
-      </p:sp>
-      <p:sp>
-        <p:nvSpPr>
-          <p:cNvPr id="26" name="Rectangle 25"/>
-          <p:cNvSpPr/>
-          <p:nvPr/>
-        </p:nvSpPr>
-        <p:spPr bwMode="auto">
-          <a:xfrm>
-            <a:off x="7023100" y="3352800"/>
-            <a:ext cx="304800" cy="1600200"/>
-          </a:xfrm>
-          <a:prstGeom prst="rect">
-            <a:avLst/>
-          </a:prstGeom>
-          <a:solidFill>
-            <a:srgbClr val="CC99FF"/>
-          </a:solidFill>
-          <a:ln w="57150">
-            <a:solidFill>
-              <a:schemeClr val="bg1"/>
-            </a:solidFill>
-            <a:headEnd type="none" w="med" len="med"/>
-            <a:tailEnd type="none" w="med" len="med"/>
-          </a:ln>
-          <a:effectLst/>
-        </p:spPr>
-        <p:style>
-          <a:lnRef idx="1">
-            <a:schemeClr val="accent2"/>
-          </a:lnRef>
-          <a:fillRef idx="3">
-            <a:schemeClr val="accent2"/>
-          </a:fillRef>
-          <a:effectRef idx="2">
-            <a:schemeClr val="accent2"/>
-          </a:effectRef>
-          <a:fontRef idx="minor">
-            <a:schemeClr val="lt1"/>
-          </a:fontRef>
-        </p:style>
-        <p:txBody>
-          <a:bodyPr vert="horz" wrap="square" lIns="91436" tIns="45718" rIns="91436" bIns="45718" numCol="1" rtlCol="0" anchor="ctr" anchorCtr="0" compatLnSpc="1">
-            <a:prstTxWarp prst="textNoShape">
-              <a:avLst/>
-            </a:prstTxWarp>
-          </a:bodyPr>
-          <a:lstStyle/>
-          <a:p>
-            <a:pPr algn="ctr" defTabSz="914099" fontAlgn="base">
-              <a:spcBef>
-                <a:spcPct val="0"/>
-              </a:spcBef>
-              <a:spcAft>
-                <a:spcPct val="0"/>
-              </a:spcAft>
-            </a:pPr>
-            <a:endParaRPr lang="en-US" sz="2200" dirty="0" smtClean="0">
-              <a:gradFill>
-                <a:gsLst>
-                  <a:gs pos="0">
-                    <a:srgbClr val="FFFFFF"/>
-                  </a:gs>
-                  <a:gs pos="100000">
-                    <a:srgbClr val="FFFFFF"/>
-                  </a:gs>
-                </a:gsLst>
-                <a:lin ang="5400000" scaled="0"/>
-              </a:gradFill>
-            </a:endParaRPr>
-          </a:p>
-        </p:txBody>
-      </p:sp>
-      <p:sp>
-        <p:nvSpPr>
-          <p:cNvPr id="27" name="Rectangle 26"/>
-          <p:cNvSpPr/>
-          <p:nvPr/>
-        </p:nvSpPr>
-        <p:spPr bwMode="auto">
-          <a:xfrm>
-            <a:off x="7327900" y="3352800"/>
-            <a:ext cx="304800" cy="1600200"/>
-          </a:xfrm>
-          <a:prstGeom prst="rect">
-            <a:avLst/>
-          </a:prstGeom>
-          <a:solidFill>
-            <a:srgbClr val="CC99FF"/>
-          </a:solidFill>
-          <a:ln w="57150">
-            <a:solidFill>
-              <a:schemeClr val="bg1"/>
-            </a:solidFill>
-            <a:headEnd type="none" w="med" len="med"/>
-            <a:tailEnd type="none" w="med" len="med"/>
-          </a:ln>
-          <a:effectLst/>
-        </p:spPr>
-        <p:style>
-          <a:lnRef idx="1">
-            <a:schemeClr val="accent2"/>
-          </a:lnRef>
-          <a:fillRef idx="3">
-            <a:schemeClr val="accent2"/>
-          </a:fillRef>
-          <a:effectRef idx="2">
-            <a:schemeClr val="accent2"/>
-          </a:effectRef>
-          <a:fontRef idx="minor">
-            <a:schemeClr val="lt1"/>
-          </a:fontRef>
-        </p:style>
-        <p:txBody>
-          <a:bodyPr vert="horz" wrap="square" lIns="91436" tIns="45718" rIns="91436" bIns="45718" numCol="1" rtlCol="0" anchor="ctr" anchorCtr="0" compatLnSpc="1">
-            <a:prstTxWarp prst="textNoShape">
-              <a:avLst/>
-            </a:prstTxWarp>
-          </a:bodyPr>
-          <a:lstStyle/>
-          <a:p>
-            <a:pPr algn="ctr" defTabSz="914099" fontAlgn="base">
-              <a:spcBef>
-                <a:spcPct val="0"/>
-              </a:spcBef>
-              <a:spcAft>
-                <a:spcPct val="0"/>
-              </a:spcAft>
-            </a:pPr>
-            <a:endParaRPr lang="en-US" sz="2200" dirty="0" smtClean="0">
-              <a:gradFill>
-                <a:gsLst>
-                  <a:gs pos="0">
-                    <a:srgbClr val="FFFFFF"/>
-                  </a:gs>
-                  <a:gs pos="100000">
-                    <a:srgbClr val="FFFFFF"/>
-                  </a:gs>
-                </a:gsLst>
-                <a:lin ang="5400000" scaled="0"/>
-              </a:gradFill>
-            </a:endParaRPr>
-          </a:p>
-        </p:txBody>
-      </p:sp>
-      <p:sp>
-        <p:nvSpPr>
-          <p:cNvPr id="28" name="Rectangle 27"/>
-          <p:cNvSpPr/>
-          <p:nvPr/>
-        </p:nvSpPr>
-        <p:spPr bwMode="auto">
-          <a:xfrm>
-            <a:off x="7620000" y="3352800"/>
-            <a:ext cx="304800" cy="1600200"/>
-          </a:xfrm>
-          <a:prstGeom prst="rect">
-            <a:avLst/>
-          </a:prstGeom>
-          <a:solidFill>
-            <a:srgbClr val="CC99FF"/>
-          </a:solidFill>
-          <a:ln w="57150">
-            <a:solidFill>
-              <a:schemeClr val="bg1"/>
-            </a:solidFill>
-            <a:headEnd type="none" w="med" len="med"/>
-            <a:tailEnd type="none" w="med" len="med"/>
-          </a:ln>
-          <a:effectLst/>
-        </p:spPr>
-        <p:style>
-          <a:lnRef idx="1">
-            <a:schemeClr val="accent2"/>
-          </a:lnRef>
-          <a:fillRef idx="3">
-            <a:schemeClr val="accent2"/>
-          </a:fillRef>
-          <a:effectRef idx="2">
-            <a:schemeClr val="accent2"/>
-          </a:effectRef>
-          <a:fontRef idx="minor">
-            <a:schemeClr val="lt1"/>
-          </a:fontRef>
-        </p:style>
-        <p:txBody>
-          <a:bodyPr vert="horz" wrap="square" lIns="91436" tIns="45718" rIns="91436" bIns="45718" numCol="1" rtlCol="0" anchor="ctr" anchorCtr="0" compatLnSpc="1">
-            <a:prstTxWarp prst="textNoShape">
-              <a:avLst/>
-            </a:prstTxWarp>
-          </a:bodyPr>
-          <a:lstStyle/>
-          <a:p>
-            <a:pPr algn="ctr" defTabSz="914099" fontAlgn="base">
-              <a:spcBef>
-                <a:spcPct val="0"/>
-              </a:spcBef>
-              <a:spcAft>
-                <a:spcPct val="0"/>
-              </a:spcAft>
-            </a:pPr>
-            <a:endParaRPr lang="en-US" sz="2200" dirty="0" smtClean="0">
-              <a:gradFill>
-                <a:gsLst>
-                  <a:gs pos="0">
-                    <a:srgbClr val="FFFFFF"/>
-                  </a:gs>
-                  <a:gs pos="100000">
-                    <a:srgbClr val="FFFFFF"/>
-                  </a:gs>
-                </a:gsLst>
-                <a:lin ang="5400000" scaled="0"/>
-              </a:gradFill>
-            </a:endParaRPr>
-          </a:p>
-        </p:txBody>
-      </p:sp>
-      <p:sp>
-        <p:nvSpPr>
-          <p:cNvPr id="29" name="Rectangle 28"/>
-          <p:cNvSpPr/>
-          <p:nvPr/>
-        </p:nvSpPr>
-        <p:spPr bwMode="auto">
-          <a:xfrm>
-            <a:off x="7924800" y="3352800"/>
-            <a:ext cx="304800" cy="1600200"/>
-          </a:xfrm>
-          <a:prstGeom prst="rect">
-            <a:avLst/>
-          </a:prstGeom>
-          <a:solidFill>
-            <a:srgbClr val="CC99FF"/>
-          </a:solidFill>
-          <a:ln w="57150">
-            <a:solidFill>
-              <a:schemeClr val="bg1"/>
-            </a:solidFill>
-            <a:headEnd type="none" w="med" len="med"/>
-            <a:tailEnd type="none" w="med" len="med"/>
-          </a:ln>
-          <a:effectLst/>
-        </p:spPr>
-        <p:style>
-          <a:lnRef idx="1">
-            <a:schemeClr val="accent2"/>
-          </a:lnRef>
-          <a:fillRef idx="3">
-            <a:schemeClr val="accent2"/>
-          </a:fillRef>
-          <a:effectRef idx="2">
-            <a:schemeClr val="accent2"/>
-          </a:effectRef>
-          <a:fontRef idx="minor">
-            <a:schemeClr val="lt1"/>
-          </a:fontRef>
-        </p:style>
-        <p:txBody>
-          <a:bodyPr vert="horz" wrap="square" lIns="91436" tIns="45718" rIns="91436" bIns="45718" numCol="1" rtlCol="0" anchor="ctr" anchorCtr="0" compatLnSpc="1">
-            <a:prstTxWarp prst="textNoShape">
-              <a:avLst/>
-            </a:prstTxWarp>
-          </a:bodyPr>
-          <a:lstStyle/>
-          <a:p>
-            <a:pPr algn="ctr" defTabSz="914099" fontAlgn="base">
-              <a:spcBef>
-                <a:spcPct val="0"/>
-              </a:spcBef>
-              <a:spcAft>
-                <a:spcPct val="0"/>
-              </a:spcAft>
-            </a:pPr>
-            <a:endParaRPr lang="en-US" sz="2200" dirty="0" smtClean="0">
-              <a:gradFill>
-                <a:gsLst>
-                  <a:gs pos="0">
-                    <a:srgbClr val="FFFFFF"/>
-                  </a:gs>
-                  <a:gs pos="100000">
-                    <a:srgbClr val="FFFFFF"/>
-                  </a:gs>
-                </a:gsLst>
-                <a:lin ang="5400000" scaled="0"/>
-              </a:gradFill>
-            </a:endParaRPr>
-          </a:p>
-        </p:txBody>
-      </p:sp>
-      <p:sp>
-        <p:nvSpPr>
-          <p:cNvPr id="30" name="Can 29"/>
-          <p:cNvSpPr/>
-          <p:nvPr/>
-        </p:nvSpPr>
-        <p:spPr bwMode="auto">
-          <a:xfrm>
-            <a:off x="9580170" y="3352800"/>
-            <a:ext cx="1308100" cy="1600200"/>
-          </a:xfrm>
-          <a:prstGeom prst="can">
-            <a:avLst/>
-          </a:prstGeom>
-          <a:solidFill>
-            <a:srgbClr val="CC99FF"/>
-          </a:solidFill>
-          <a:ln w="57150">
-            <a:solidFill>
-              <a:schemeClr val="bg1"/>
-            </a:solidFill>
-            <a:headEnd type="none" w="med" len="med"/>
-            <a:tailEnd type="none" w="med" len="med"/>
-          </a:ln>
-          <a:effectLst/>
-        </p:spPr>
-        <p:style>
-          <a:lnRef idx="1">
-            <a:schemeClr val="accent2"/>
-          </a:lnRef>
-          <a:fillRef idx="3">
-            <a:schemeClr val="accent2"/>
-          </a:fillRef>
-          <a:effectRef idx="2">
-            <a:schemeClr val="accent2"/>
-          </a:effectRef>
-          <a:fontRef idx="minor">
-            <a:schemeClr val="lt1"/>
-          </a:fontRef>
-        </p:style>
-        <p:txBody>
-          <a:bodyPr vert="horz" wrap="square" lIns="91436" tIns="45718" rIns="91436" bIns="45718" numCol="1" rtlCol="0" anchor="ctr" anchorCtr="0" compatLnSpc="1">
-            <a:prstTxWarp prst="textNoShape">
-              <a:avLst/>
-            </a:prstTxWarp>
-          </a:bodyPr>
-          <a:lstStyle/>
-          <a:p>
-            <a:pPr algn="ctr" defTabSz="914099" fontAlgn="base">
-              <a:spcBef>
-                <a:spcPct val="0"/>
-              </a:spcBef>
-              <a:spcAft>
-                <a:spcPct val="0"/>
-              </a:spcAft>
-            </a:pPr>
-            <a:endParaRPr lang="en-US" sz="2200" dirty="0" smtClean="0">
-              <a:gradFill>
-                <a:gsLst>
-                  <a:gs pos="0">
-                    <a:srgbClr val="FFFFFF"/>
-                  </a:gs>
-                  <a:gs pos="100000">
-                    <a:srgbClr val="FFFFFF"/>
-                  </a:gs>
-                </a:gsLst>
-                <a:lin ang="5400000" scaled="0"/>
-              </a:gradFill>
-            </a:endParaRPr>
-          </a:p>
-        </p:txBody>
-      </p:sp>
-      <p:sp>
-        <p:nvSpPr>
-          <p:cNvPr id="34" name="Right Arrow 33"/>
-          <p:cNvSpPr/>
-          <p:nvPr/>
-        </p:nvSpPr>
-        <p:spPr bwMode="auto">
-          <a:xfrm>
-            <a:off x="6718300" y="3686175"/>
-            <a:ext cx="1511300" cy="933450"/>
-          </a:xfrm>
-          <a:prstGeom prst="rightArrow">
-            <a:avLst/>
-          </a:prstGeom>
-          <a:solidFill>
-            <a:srgbClr val="CC99FF"/>
-          </a:solidFill>
-          <a:ln w="57150">
-            <a:solidFill>
-              <a:schemeClr val="bg1"/>
-            </a:solidFill>
-            <a:headEnd type="none" w="med" len="med"/>
-            <a:tailEnd type="none" w="med" len="med"/>
-          </a:ln>
-          <a:effectLst/>
-        </p:spPr>
-        <p:style>
-          <a:lnRef idx="1">
-            <a:schemeClr val="accent2"/>
-          </a:lnRef>
-          <a:fillRef idx="3">
-            <a:schemeClr val="accent2"/>
-          </a:fillRef>
-          <a:effectRef idx="2">
-            <a:schemeClr val="accent2"/>
-          </a:effectRef>
-          <a:fontRef idx="minor">
-            <a:schemeClr val="lt1"/>
-          </a:fontRef>
-        </p:style>
-        <p:txBody>
-          <a:bodyPr vert="horz" wrap="square" lIns="91436" tIns="45718" rIns="91436" bIns="45718" numCol="1" rtlCol="0" anchor="ctr" anchorCtr="0" compatLnSpc="1">
-            <a:prstTxWarp prst="textNoShape">
-              <a:avLst/>
-            </a:prstTxWarp>
-          </a:bodyPr>
-          <a:lstStyle/>
-          <a:p>
-            <a:pPr algn="ctr" defTabSz="914099" fontAlgn="base">
-              <a:spcBef>
-                <a:spcPct val="0"/>
-              </a:spcBef>
-              <a:spcAft>
-                <a:spcPct val="0"/>
-              </a:spcAft>
-            </a:pPr>
-            <a:endParaRPr lang="en-US" sz="2200" dirty="0" smtClean="0">
-              <a:gradFill>
-                <a:gsLst>
-                  <a:gs pos="0">
-                    <a:srgbClr val="FFFFFF"/>
-                  </a:gs>
-                  <a:gs pos="100000">
-                    <a:srgbClr val="FFFFFF"/>
-                  </a:gs>
-                </a:gsLst>
-                <a:lin ang="5400000" scaled="0"/>
-              </a:gradFill>
-            </a:endParaRPr>
-          </a:p>
-        </p:txBody>
-      </p:sp>
-      <p:sp>
-        <p:nvSpPr>
-          <p:cNvPr id="35" name="Flowchart: Multidocument 34"/>
-          <p:cNvSpPr/>
-          <p:nvPr/>
-        </p:nvSpPr>
-        <p:spPr bwMode="auto">
-          <a:xfrm>
-            <a:off x="1289214" y="3352800"/>
-            <a:ext cx="1384300" cy="1600200"/>
-          </a:xfrm>
-          <a:prstGeom prst="flowChartMultidocument">
-            <a:avLst/>
-          </a:prstGeom>
-          <a:solidFill>
-            <a:schemeClr val="accent2"/>
-          </a:solidFill>
-          <a:ln w="57150">
-            <a:solidFill>
-              <a:schemeClr val="bg1"/>
-            </a:solidFill>
-            <a:headEnd type="none" w="med" len="med"/>
-            <a:tailEnd type="none" w="med" len="med"/>
-          </a:ln>
-          <a:effectLst/>
-        </p:spPr>
-        <p:style>
-          <a:lnRef idx="1">
-            <a:schemeClr val="accent2"/>
-          </a:lnRef>
-          <a:fillRef idx="3">
-            <a:schemeClr val="accent2"/>
-          </a:fillRef>
-          <a:effectRef idx="2">
-            <a:schemeClr val="accent2"/>
-          </a:effectRef>
-          <a:fontRef idx="minor">
-            <a:schemeClr val="lt1"/>
-          </a:fontRef>
-        </p:style>
-        <p:txBody>
-          <a:bodyPr vert="horz" wrap="square" lIns="91436" tIns="45718" rIns="91436" bIns="45718" numCol="1" rtlCol="0" anchor="ctr" anchorCtr="0" compatLnSpc="1">
-            <a:prstTxWarp prst="textNoShape">
-              <a:avLst/>
-            </a:prstTxWarp>
-          </a:bodyPr>
-          <a:lstStyle/>
-          <a:p>
-            <a:pPr algn="ctr" defTabSz="914099" fontAlgn="base">
-              <a:spcBef>
-                <a:spcPct val="0"/>
-              </a:spcBef>
-              <a:spcAft>
-                <a:spcPct val="0"/>
-              </a:spcAft>
-            </a:pPr>
-            <a:endParaRPr lang="en-US" sz="2200" dirty="0" smtClean="0">
-              <a:gradFill>
-                <a:gsLst>
-                  <a:gs pos="0">
-                    <a:srgbClr val="FFFFFF"/>
-                  </a:gs>
-                  <a:gs pos="100000">
-                    <a:srgbClr val="FFFFFF"/>
-                  </a:gs>
-                </a:gsLst>
-                <a:lin ang="5400000" scaled="0"/>
-              </a:gradFill>
-            </a:endParaRPr>
-          </a:p>
-        </p:txBody>
-      </p:sp>
       <p:cxnSp>
         <p:nvCxnSpPr>
-          <p:cNvPr id="42" name="Straight Connector 41"/>
+          <p:cNvPr id="16" name="Straight Connector 15"/>
           <p:cNvCxnSpPr/>
           <p:nvPr/>
         </p:nvCxnSpPr>
         <p:spPr>
-          <a:xfrm flipH="1">
-            <a:off x="4488873" y="3352800"/>
-            <a:ext cx="11875" cy="1600200"/>
+          <a:xfrm>
+            <a:off x="1225900" y="4036088"/>
+            <a:ext cx="0" cy="1296368"/>
           </a:xfrm>
           <a:prstGeom prst="line">
             <a:avLst/>
@@ -12843,14 +12780,14 @@
       </p:cxnSp>
       <p:cxnSp>
         <p:nvCxnSpPr>
-          <p:cNvPr id="44" name="Straight Connector 43"/>
+          <p:cNvPr id="70" name="Straight Connector 69"/>
           <p:cNvCxnSpPr/>
           <p:nvPr/>
         </p:nvCxnSpPr>
         <p:spPr>
-          <a:xfrm flipH="1">
-            <a:off x="4962648" y="3352800"/>
-            <a:ext cx="11875" cy="1600200"/>
+          <a:xfrm>
+            <a:off x="1657979" y="4036088"/>
+            <a:ext cx="0" cy="1296368"/>
           </a:xfrm>
           <a:prstGeom prst="line">
             <a:avLst/>
@@ -12879,7 +12816,7 @@
     </p:spTree>
     <p:extLst>
       <p:ext uri="{BB962C8B-B14F-4D97-AF65-F5344CB8AC3E}">
-        <p14:creationId xmlns:p14="http://schemas.microsoft.com/office/powerpoint/2010/main" val="2234559650"/>
+        <p14:creationId xmlns:p14="http://schemas.microsoft.com/office/powerpoint/2010/main" val="774452207"/>
       </p:ext>
     </p:extLst>
   </p:cSld>
@@ -15404,7 +15341,7 @@
                   <a:lin ang="5400000" scaled="0"/>
                 </a:gradFill>
               </a:rPr>
-              <a:t>http[s]://</a:t>
+              <a:t>https://</a:t>
             </a:r>
             <a:r>
               <a:rPr lang="en-US" sz="3200" dirty="0" smtClean="0">
@@ -15539,7 +15476,7 @@
           <a:p>
             <a:r>
               <a:rPr lang="en-US" dirty="0" smtClean="0"/>
-              <a:t>Container Access Policy</a:t>
+              <a:t>Access Policies</a:t>
             </a:r>
             <a:endParaRPr lang="en-US" dirty="0"/>
           </a:p>
@@ -16159,7 +16096,7 @@
             <a:spLocks noGrp="1"/>
           </p:cNvSpPr>
           <p:nvPr>
-            <p:ph type="title"/>
+            <p:ph type="ctrTitle"/>
           </p:nvPr>
         </p:nvSpPr>
         <p:spPr/>
@@ -16169,7 +16106,7 @@
           <a:p>
             <a:r>
               <a:rPr lang="en-US" dirty="0" smtClean="0"/>
-              <a:t>Uploading a Blob with the Azure CLI</a:t>
+              <a:t>Hands-On Lab</a:t>
             </a:r>
             <a:endParaRPr lang="en-US" dirty="0"/>
           </a:p>
@@ -16177,583 +16114,54 @@
       </p:sp>
       <p:sp>
         <p:nvSpPr>
-          <p:cNvPr id="4" name="Rectangle 3"/>
-          <p:cNvSpPr/>
-          <p:nvPr/>
+          <p:cNvPr id="3" name="Subtitle 2"/>
+          <p:cNvSpPr>
+            <a:spLocks noGrp="1"/>
+          </p:cNvSpPr>
+          <p:nvPr>
+            <p:ph type="subTitle" idx="1"/>
+          </p:nvPr>
         </p:nvSpPr>
-        <p:spPr bwMode="auto">
-          <a:xfrm>
-            <a:off x="876001" y="2818803"/>
-            <a:ext cx="10438410" cy="1662545"/>
-          </a:xfrm>
-          <a:prstGeom prst="rect">
-            <a:avLst/>
-          </a:prstGeom>
-          <a:solidFill>
-            <a:schemeClr val="tx1">
-              <a:lumMod val="10000"/>
-              <a:lumOff val="90000"/>
-            </a:schemeClr>
-          </a:solidFill>
-          <a:ln w="38100">
-            <a:solidFill>
-              <a:schemeClr val="tx1">
-                <a:lumMod val="50000"/>
-                <a:lumOff val="50000"/>
-              </a:schemeClr>
-            </a:solidFill>
-            <a:headEnd type="none" w="med" len="med"/>
-            <a:tailEnd type="none" w="med" len="med"/>
-          </a:ln>
-          <a:effectLst/>
-        </p:spPr>
-        <p:style>
-          <a:lnRef idx="1">
-            <a:schemeClr val="accent2"/>
-          </a:lnRef>
-          <a:fillRef idx="3">
-            <a:schemeClr val="accent2"/>
-          </a:fillRef>
-          <a:effectRef idx="2">
-            <a:schemeClr val="accent2"/>
-          </a:effectRef>
-          <a:fontRef idx="minor">
-            <a:schemeClr val="lt1"/>
-          </a:fontRef>
-        </p:style>
+        <p:spPr/>
         <p:txBody>
-          <a:bodyPr vert="horz" wrap="square" lIns="91436" tIns="45718" rIns="91436" bIns="45718" numCol="1" rtlCol="0" anchor="ctr" anchorCtr="0" compatLnSpc="1">
-            <a:prstTxWarp prst="textNoShape">
-              <a:avLst/>
-            </a:prstTxWarp>
-          </a:bodyPr>
+          <a:bodyPr/>
           <a:lstStyle/>
           <a:p>
-            <a:pPr defTabSz="914099" fontAlgn="base">
-              <a:spcBef>
-                <a:spcPct val="0"/>
-              </a:spcBef>
-              <a:spcAft>
-                <a:spcPct val="0"/>
-              </a:spcAft>
-            </a:pPr>
-            <a:r>
-              <a:rPr lang="en-US" sz="2200" dirty="0">
-                <a:solidFill>
-                  <a:schemeClr val="tx1"/>
-                </a:solidFill>
-                <a:latin typeface="Lucida Console" panose="020B0609040504020204" pitchFamily="49" charset="0"/>
-              </a:rPr>
-              <a:t> azure storage blob upload </a:t>
-            </a:r>
-            <a:r>
-              <a:rPr lang="en-US" sz="2200" dirty="0" smtClean="0">
-                <a:solidFill>
-                  <a:schemeClr val="tx1"/>
-                </a:solidFill>
-                <a:latin typeface="Lucida Console" panose="020B0609040504020204" pitchFamily="49" charset="0"/>
-              </a:rPr>
-              <a:t>banner.jpg </a:t>
-            </a:r>
-            <a:r>
-              <a:rPr lang="en-US" sz="2200" dirty="0">
-                <a:solidFill>
-                  <a:schemeClr val="tx1"/>
-                </a:solidFill>
-                <a:latin typeface="Lucida Console" panose="020B0609040504020204" pitchFamily="49" charset="0"/>
-              </a:rPr>
-              <a:t>images </a:t>
-            </a:r>
-            <a:r>
-              <a:rPr lang="en-US" sz="2200" dirty="0" smtClean="0">
-                <a:solidFill>
-                  <a:schemeClr val="tx1"/>
-                </a:solidFill>
-                <a:latin typeface="Lucida Console" panose="020B0609040504020204" pitchFamily="49" charset="0"/>
-              </a:rPr>
-              <a:t>banner.jpg</a:t>
-            </a:r>
-          </a:p>
-          <a:p>
-            <a:pPr defTabSz="914099" fontAlgn="base">
-              <a:spcBef>
-                <a:spcPct val="0"/>
-              </a:spcBef>
-              <a:spcAft>
-                <a:spcPct val="0"/>
-              </a:spcAft>
-            </a:pPr>
-            <a:r>
-              <a:rPr lang="en-US" sz="2200" dirty="0">
-                <a:solidFill>
-                  <a:schemeClr val="tx1"/>
-                </a:solidFill>
-                <a:latin typeface="Lucida Console" panose="020B0609040504020204" pitchFamily="49" charset="0"/>
-              </a:rPr>
-              <a:t> -a </a:t>
-            </a:r>
-            <a:r>
-              <a:rPr lang="en-US" sz="2200" dirty="0" smtClean="0">
-                <a:solidFill>
-                  <a:schemeClr val="tx1"/>
-                </a:solidFill>
-                <a:latin typeface="Lucida Console" panose="020B0609040504020204" pitchFamily="49" charset="0"/>
-              </a:rPr>
-              <a:t>a4rlabs </a:t>
-            </a:r>
-            <a:r>
-              <a:rPr lang="en-US" sz="2200" dirty="0">
-                <a:solidFill>
-                  <a:schemeClr val="tx1"/>
-                </a:solidFill>
-                <a:latin typeface="Lucida Console" panose="020B0609040504020204" pitchFamily="49" charset="0"/>
-              </a:rPr>
-              <a:t>-k </a:t>
-            </a:r>
-            <a:r>
-              <a:rPr lang="en-US" sz="2200" i="1" dirty="0" err="1" smtClean="0">
-                <a:solidFill>
-                  <a:schemeClr val="tx1"/>
-                </a:solidFill>
-                <a:latin typeface="Lucida Console" panose="020B0609040504020204" pitchFamily="49" charset="0"/>
-              </a:rPr>
-              <a:t>accesskey</a:t>
-            </a:r>
-            <a:endParaRPr lang="en-US" sz="2200" i="1" dirty="0">
-              <a:solidFill>
-                <a:schemeClr val="tx1"/>
-              </a:solidFill>
-              <a:latin typeface="Lucida Console" panose="020B0609040504020204" pitchFamily="49" charset="0"/>
-            </a:endParaRPr>
+            <a:r>
+              <a:rPr lang="en-US" dirty="0" smtClean="0"/>
+              <a:t>StorageHOL.pdf</a:t>
+            </a:r>
+            <a:endParaRPr lang="en-US" dirty="0"/>
           </a:p>
         </p:txBody>
       </p:sp>
       <p:sp>
         <p:nvSpPr>
-          <p:cNvPr id="5" name="TextBox 4"/>
-          <p:cNvSpPr txBox="1"/>
-          <p:nvPr/>
+          <p:cNvPr id="4" name="Text Placeholder 3"/>
+          <p:cNvSpPr>
+            <a:spLocks noGrp="1"/>
+          </p:cNvSpPr>
+          <p:nvPr>
+            <p:ph type="body" sz="quarter" idx="10"/>
+          </p:nvPr>
         </p:nvSpPr>
-        <p:spPr>
-          <a:xfrm>
-            <a:off x="3212828" y="1610575"/>
-            <a:ext cx="2571217" cy="443198"/>
-          </a:xfrm>
-          <a:prstGeom prst="rect">
-            <a:avLst/>
-          </a:prstGeom>
-          <a:noFill/>
-        </p:spPr>
+        <p:spPr/>
         <p:txBody>
-          <a:bodyPr wrap="none" lIns="0" tIns="0" rIns="0" bIns="0" rtlCol="0">
-            <a:spAutoFit/>
-          </a:bodyPr>
+          <a:bodyPr/>
           <a:lstStyle/>
           <a:p>
-            <a:pPr>
-              <a:lnSpc>
-                <a:spcPct val="90000"/>
-              </a:lnSpc>
-              <a:spcBef>
-                <a:spcPct val="20000"/>
-              </a:spcBef>
-              <a:buSzPct val="80000"/>
-            </a:pPr>
-            <a:r>
-              <a:rPr lang="en-US" sz="3200" dirty="0" smtClean="0">
-                <a:solidFill>
-                  <a:schemeClr val="accent1"/>
-                </a:solidFill>
-                <a:latin typeface="Segoe UI Light" panose="020B0502040204020203" pitchFamily="34" charset="0"/>
-                <a:cs typeface="Segoe UI Light" panose="020B0502040204020203" pitchFamily="34" charset="0"/>
-              </a:rPr>
-              <a:t>Local file name</a:t>
-            </a:r>
-            <a:endParaRPr lang="en-US" sz="3200" dirty="0">
-              <a:solidFill>
-                <a:schemeClr val="accent1"/>
-              </a:solidFill>
-              <a:latin typeface="Segoe UI Light" panose="020B0502040204020203" pitchFamily="34" charset="0"/>
-              <a:cs typeface="Segoe UI Light" panose="020B0502040204020203" pitchFamily="34" charset="0"/>
-            </a:endParaRPr>
+            <a:r>
+              <a:rPr lang="en-US" dirty="0" smtClean="0"/>
+              <a:t>Azure Storage and the CLI</a:t>
+            </a:r>
+            <a:endParaRPr lang="en-US" dirty="0"/>
           </a:p>
         </p:txBody>
       </p:sp>
-      <p:sp>
-        <p:nvSpPr>
-          <p:cNvPr id="6" name="TextBox 5"/>
-          <p:cNvSpPr txBox="1"/>
-          <p:nvPr/>
-        </p:nvSpPr>
-        <p:spPr>
-          <a:xfrm>
-            <a:off x="6066470" y="1610575"/>
-            <a:ext cx="2757165" cy="443198"/>
-          </a:xfrm>
-          <a:prstGeom prst="rect">
-            <a:avLst/>
-          </a:prstGeom>
-          <a:noFill/>
-        </p:spPr>
-        <p:txBody>
-          <a:bodyPr wrap="none" lIns="0" tIns="0" rIns="0" bIns="0" rtlCol="0">
-            <a:spAutoFit/>
-          </a:bodyPr>
-          <a:lstStyle/>
-          <a:p>
-            <a:pPr>
-              <a:lnSpc>
-                <a:spcPct val="90000"/>
-              </a:lnSpc>
-              <a:spcBef>
-                <a:spcPct val="20000"/>
-              </a:spcBef>
-              <a:buSzPct val="80000"/>
-            </a:pPr>
-            <a:r>
-              <a:rPr lang="en-US" sz="3200" dirty="0" smtClean="0">
-                <a:solidFill>
-                  <a:schemeClr val="accent1"/>
-                </a:solidFill>
-                <a:latin typeface="Segoe UI Light" panose="020B0502040204020203" pitchFamily="34" charset="0"/>
-                <a:cs typeface="Segoe UI Light" panose="020B0502040204020203" pitchFamily="34" charset="0"/>
-              </a:rPr>
-              <a:t>Container name</a:t>
-            </a:r>
-            <a:endParaRPr lang="en-US" sz="3200" dirty="0">
-              <a:solidFill>
-                <a:schemeClr val="accent1"/>
-              </a:solidFill>
-              <a:latin typeface="Segoe UI Light" panose="020B0502040204020203" pitchFamily="34" charset="0"/>
-              <a:cs typeface="Segoe UI Light" panose="020B0502040204020203" pitchFamily="34" charset="0"/>
-            </a:endParaRPr>
-          </a:p>
-        </p:txBody>
-      </p:sp>
-      <p:sp>
-        <p:nvSpPr>
-          <p:cNvPr id="7" name="TextBox 6"/>
-          <p:cNvSpPr txBox="1"/>
-          <p:nvPr/>
-        </p:nvSpPr>
-        <p:spPr>
-          <a:xfrm>
-            <a:off x="9147151" y="1610575"/>
-            <a:ext cx="1846659" cy="443198"/>
-          </a:xfrm>
-          <a:prstGeom prst="rect">
-            <a:avLst/>
-          </a:prstGeom>
-          <a:noFill/>
-        </p:spPr>
-        <p:txBody>
-          <a:bodyPr wrap="none" lIns="0" tIns="0" rIns="0" bIns="0" rtlCol="0">
-            <a:spAutoFit/>
-          </a:bodyPr>
-          <a:lstStyle/>
-          <a:p>
-            <a:pPr>
-              <a:lnSpc>
-                <a:spcPct val="90000"/>
-              </a:lnSpc>
-              <a:spcBef>
-                <a:spcPct val="20000"/>
-              </a:spcBef>
-              <a:buSzPct val="80000"/>
-            </a:pPr>
-            <a:r>
-              <a:rPr lang="en-US" sz="3200" dirty="0" smtClean="0">
-                <a:solidFill>
-                  <a:schemeClr val="accent1"/>
-                </a:solidFill>
-                <a:latin typeface="Segoe UI Light" panose="020B0502040204020203" pitchFamily="34" charset="0"/>
-                <a:cs typeface="Segoe UI Light" panose="020B0502040204020203" pitchFamily="34" charset="0"/>
-              </a:rPr>
-              <a:t>Blob name</a:t>
-            </a:r>
-            <a:endParaRPr lang="en-US" sz="3200" dirty="0">
-              <a:solidFill>
-                <a:schemeClr val="accent1"/>
-              </a:solidFill>
-              <a:latin typeface="Segoe UI Light" panose="020B0502040204020203" pitchFamily="34" charset="0"/>
-              <a:cs typeface="Segoe UI Light" panose="020B0502040204020203" pitchFamily="34" charset="0"/>
-            </a:endParaRPr>
-          </a:p>
-        </p:txBody>
-      </p:sp>
-      <p:cxnSp>
-        <p:nvCxnSpPr>
-          <p:cNvPr id="9" name="Straight Arrow Connector 8"/>
-          <p:cNvCxnSpPr/>
-          <p:nvPr/>
-        </p:nvCxnSpPr>
-        <p:spPr>
-          <a:xfrm>
-            <a:off x="5466303" y="2053773"/>
-            <a:ext cx="542611" cy="1206460"/>
-          </a:xfrm>
-          <a:prstGeom prst="straightConnector1">
-            <a:avLst/>
-          </a:prstGeom>
-          <a:ln w="57150">
-            <a:tailEnd type="triangle" w="lg" len="lg"/>
-          </a:ln>
-        </p:spPr>
-        <p:style>
-          <a:lnRef idx="1">
-            <a:schemeClr val="accent1"/>
-          </a:lnRef>
-          <a:fillRef idx="0">
-            <a:schemeClr val="accent1"/>
-          </a:fillRef>
-          <a:effectRef idx="0">
-            <a:schemeClr val="accent1"/>
-          </a:effectRef>
-          <a:fontRef idx="minor">
-            <a:schemeClr val="tx1"/>
-          </a:fontRef>
-        </p:style>
-      </p:cxnSp>
-      <p:cxnSp>
-        <p:nvCxnSpPr>
-          <p:cNvPr id="10" name="Straight Arrow Connector 9"/>
-          <p:cNvCxnSpPr>
-            <a:stCxn id="6" idx="2"/>
-          </p:cNvCxnSpPr>
-          <p:nvPr/>
-        </p:nvCxnSpPr>
-        <p:spPr>
-          <a:xfrm>
-            <a:off x="7445053" y="2053773"/>
-            <a:ext cx="294696" cy="1206460"/>
-          </a:xfrm>
-          <a:prstGeom prst="straightConnector1">
-            <a:avLst/>
-          </a:prstGeom>
-          <a:ln w="57150">
-            <a:tailEnd type="triangle" w="lg" len="lg"/>
-          </a:ln>
-        </p:spPr>
-        <p:style>
-          <a:lnRef idx="1">
-            <a:schemeClr val="accent1"/>
-          </a:lnRef>
-          <a:fillRef idx="0">
-            <a:schemeClr val="accent1"/>
-          </a:fillRef>
-          <a:effectRef idx="0">
-            <a:schemeClr val="accent1"/>
-          </a:effectRef>
-          <a:fontRef idx="minor">
-            <a:schemeClr val="tx1"/>
-          </a:fontRef>
-        </p:style>
-      </p:cxnSp>
-      <p:cxnSp>
-        <p:nvCxnSpPr>
-          <p:cNvPr id="12" name="Straight Arrow Connector 11"/>
-          <p:cNvCxnSpPr/>
-          <p:nvPr/>
-        </p:nvCxnSpPr>
-        <p:spPr>
-          <a:xfrm flipH="1">
-            <a:off x="9239016" y="2053773"/>
-            <a:ext cx="347111" cy="1206460"/>
-          </a:xfrm>
-          <a:prstGeom prst="straightConnector1">
-            <a:avLst/>
-          </a:prstGeom>
-          <a:ln w="57150">
-            <a:tailEnd type="triangle" w="lg" len="lg"/>
-          </a:ln>
-        </p:spPr>
-        <p:style>
-          <a:lnRef idx="1">
-            <a:schemeClr val="accent1"/>
-          </a:lnRef>
-          <a:fillRef idx="0">
-            <a:schemeClr val="accent1"/>
-          </a:fillRef>
-          <a:effectRef idx="0">
-            <a:schemeClr val="accent1"/>
-          </a:effectRef>
-          <a:fontRef idx="minor">
-            <a:schemeClr val="tx1"/>
-          </a:fontRef>
-        </p:style>
-      </p:cxnSp>
-      <p:sp>
-        <p:nvSpPr>
-          <p:cNvPr id="11" name="TextBox 10"/>
-          <p:cNvSpPr txBox="1"/>
-          <p:nvPr/>
-        </p:nvSpPr>
-        <p:spPr>
-          <a:xfrm>
-            <a:off x="876001" y="5186669"/>
-            <a:ext cx="3884077" cy="443198"/>
-          </a:xfrm>
-          <a:prstGeom prst="rect">
-            <a:avLst/>
-          </a:prstGeom>
-          <a:noFill/>
-        </p:spPr>
-        <p:txBody>
-          <a:bodyPr wrap="none" lIns="0" tIns="0" rIns="0" bIns="0" rtlCol="0">
-            <a:spAutoFit/>
-          </a:bodyPr>
-          <a:lstStyle/>
-          <a:p>
-            <a:pPr>
-              <a:lnSpc>
-                <a:spcPct val="90000"/>
-              </a:lnSpc>
-              <a:spcBef>
-                <a:spcPct val="20000"/>
-              </a:spcBef>
-              <a:buSzPct val="80000"/>
-            </a:pPr>
-            <a:r>
-              <a:rPr lang="en-US" sz="3200" dirty="0" smtClean="0">
-                <a:solidFill>
-                  <a:schemeClr val="accent1"/>
-                </a:solidFill>
-                <a:latin typeface="Segoe UI Light" panose="020B0502040204020203" pitchFamily="34" charset="0"/>
-                <a:cs typeface="Segoe UI Light" panose="020B0502040204020203" pitchFamily="34" charset="0"/>
-              </a:rPr>
-              <a:t>Storage account name</a:t>
-            </a:r>
-            <a:endParaRPr lang="en-US" sz="3200" dirty="0">
-              <a:solidFill>
-                <a:schemeClr val="accent1"/>
-              </a:solidFill>
-              <a:latin typeface="Segoe UI Light" panose="020B0502040204020203" pitchFamily="34" charset="0"/>
-              <a:cs typeface="Segoe UI Light" panose="020B0502040204020203" pitchFamily="34" charset="0"/>
-            </a:endParaRPr>
-          </a:p>
-        </p:txBody>
-      </p:sp>
-      <p:cxnSp>
-        <p:nvCxnSpPr>
-          <p:cNvPr id="13" name="Straight Arrow Connector 12"/>
-          <p:cNvCxnSpPr/>
-          <p:nvPr/>
-        </p:nvCxnSpPr>
-        <p:spPr>
-          <a:xfrm flipV="1">
-            <a:off x="1848897" y="4079631"/>
-            <a:ext cx="341644" cy="1107039"/>
-          </a:xfrm>
-          <a:prstGeom prst="straightConnector1">
-            <a:avLst/>
-          </a:prstGeom>
-          <a:ln w="57150">
-            <a:tailEnd type="triangle" w="lg" len="lg"/>
-          </a:ln>
-        </p:spPr>
-        <p:style>
-          <a:lnRef idx="1">
-            <a:schemeClr val="accent1"/>
-          </a:lnRef>
-          <a:fillRef idx="0">
-            <a:schemeClr val="accent1"/>
-          </a:fillRef>
-          <a:effectRef idx="0">
-            <a:schemeClr val="accent1"/>
-          </a:effectRef>
-          <a:fontRef idx="minor">
-            <a:schemeClr val="tx1"/>
-          </a:fontRef>
-        </p:style>
-      </p:cxnSp>
-      <p:sp>
-        <p:nvSpPr>
-          <p:cNvPr id="14" name="TextBox 13"/>
-          <p:cNvSpPr txBox="1"/>
-          <p:nvPr/>
-        </p:nvSpPr>
-        <p:spPr>
-          <a:xfrm>
-            <a:off x="5495672" y="5186669"/>
-            <a:ext cx="4698402" cy="443198"/>
-          </a:xfrm>
-          <a:prstGeom prst="rect">
-            <a:avLst/>
-          </a:prstGeom>
-          <a:noFill/>
-        </p:spPr>
-        <p:txBody>
-          <a:bodyPr wrap="none" lIns="0" tIns="0" rIns="0" bIns="0" rtlCol="0">
-            <a:spAutoFit/>
-          </a:bodyPr>
-          <a:lstStyle/>
-          <a:p>
-            <a:pPr>
-              <a:lnSpc>
-                <a:spcPct val="90000"/>
-              </a:lnSpc>
-              <a:spcBef>
-                <a:spcPct val="20000"/>
-              </a:spcBef>
-              <a:buSzPct val="80000"/>
-            </a:pPr>
-            <a:r>
-              <a:rPr lang="en-US" sz="3200" dirty="0" smtClean="0">
-                <a:solidFill>
-                  <a:schemeClr val="accent1"/>
-                </a:solidFill>
-                <a:latin typeface="Segoe UI Light" panose="020B0502040204020203" pitchFamily="34" charset="0"/>
-                <a:cs typeface="Segoe UI Light" panose="020B0502040204020203" pitchFamily="34" charset="0"/>
-              </a:rPr>
-              <a:t>Storage account access key</a:t>
-            </a:r>
-            <a:endParaRPr lang="en-US" sz="3200" dirty="0">
-              <a:solidFill>
-                <a:schemeClr val="accent1"/>
-              </a:solidFill>
-              <a:latin typeface="Segoe UI Light" panose="020B0502040204020203" pitchFamily="34" charset="0"/>
-              <a:cs typeface="Segoe UI Light" panose="020B0502040204020203" pitchFamily="34" charset="0"/>
-            </a:endParaRPr>
-          </a:p>
-        </p:txBody>
-      </p:sp>
-      <p:cxnSp>
-        <p:nvCxnSpPr>
-          <p:cNvPr id="15" name="Straight Arrow Connector 14"/>
-          <p:cNvCxnSpPr/>
-          <p:nvPr/>
-        </p:nvCxnSpPr>
-        <p:spPr>
-          <a:xfrm flipH="1" flipV="1">
-            <a:off x="5094514" y="4079631"/>
-            <a:ext cx="545895" cy="1022907"/>
-          </a:xfrm>
-          <a:prstGeom prst="straightConnector1">
-            <a:avLst/>
-          </a:prstGeom>
-          <a:ln w="57150">
-            <a:tailEnd type="triangle" w="lg" len="lg"/>
-          </a:ln>
-        </p:spPr>
-        <p:style>
-          <a:lnRef idx="1">
-            <a:schemeClr val="accent1"/>
-          </a:lnRef>
-          <a:fillRef idx="0">
-            <a:schemeClr val="accent1"/>
-          </a:fillRef>
-          <a:effectRef idx="0">
-            <a:schemeClr val="accent1"/>
-          </a:effectRef>
-          <a:fontRef idx="minor">
-            <a:schemeClr val="tx1"/>
-          </a:fontRef>
-        </p:style>
-      </p:cxnSp>
     </p:spTree>
     <p:extLst>
       <p:ext uri="{BB962C8B-B14F-4D97-AF65-F5344CB8AC3E}">
-        <p14:creationId xmlns:p14="http://schemas.microsoft.com/office/powerpoint/2010/main" val="3305319333"/>
+        <p14:creationId xmlns:p14="http://schemas.microsoft.com/office/powerpoint/2010/main" val="1225957095"/>
       </p:ext>
     </p:extLst>
   </p:cSld>
@@ -16783,79 +16191,10 @@
           <a:chExt cx="0" cy="0"/>
         </a:xfrm>
       </p:grpSpPr>
-      <p:sp>
-        <p:nvSpPr>
-          <p:cNvPr id="2" name="Title 1"/>
-          <p:cNvSpPr>
-            <a:spLocks noGrp="1"/>
-          </p:cNvSpPr>
-          <p:nvPr>
-            <p:ph type="ctrTitle"/>
-          </p:nvPr>
-        </p:nvSpPr>
-        <p:spPr/>
-        <p:txBody>
-          <a:bodyPr/>
-          <a:lstStyle/>
-          <a:p>
-            <a:r>
-              <a:rPr lang="en-US" dirty="0" smtClean="0"/>
-              <a:t>Hands-On Lab</a:t>
-            </a:r>
-            <a:endParaRPr lang="en-US" dirty="0"/>
-          </a:p>
-        </p:txBody>
-      </p:sp>
-      <p:sp>
-        <p:nvSpPr>
-          <p:cNvPr id="3" name="Subtitle 2"/>
-          <p:cNvSpPr>
-            <a:spLocks noGrp="1"/>
-          </p:cNvSpPr>
-          <p:nvPr>
-            <p:ph type="subTitle" idx="1"/>
-          </p:nvPr>
-        </p:nvSpPr>
-        <p:spPr/>
-        <p:txBody>
-          <a:bodyPr/>
-          <a:lstStyle/>
-          <a:p>
-            <a:r>
-              <a:rPr lang="en-US" dirty="0" smtClean="0"/>
-              <a:t>StorageHOL.pdf</a:t>
-            </a:r>
-            <a:endParaRPr lang="en-US" dirty="0"/>
-          </a:p>
-        </p:txBody>
-      </p:sp>
-      <p:sp>
-        <p:nvSpPr>
-          <p:cNvPr id="4" name="Text Placeholder 3"/>
-          <p:cNvSpPr>
-            <a:spLocks noGrp="1"/>
-          </p:cNvSpPr>
-          <p:nvPr>
-            <p:ph type="body" sz="quarter" idx="10"/>
-          </p:nvPr>
-        </p:nvSpPr>
-        <p:spPr/>
-        <p:txBody>
-          <a:bodyPr/>
-          <a:lstStyle/>
-          <a:p>
-            <a:r>
-              <a:rPr lang="en-US" dirty="0" smtClean="0"/>
-              <a:t>Azure Storage and the CLI</a:t>
-            </a:r>
-            <a:endParaRPr lang="en-US" dirty="0"/>
-          </a:p>
-        </p:txBody>
-      </p:sp>
     </p:spTree>
     <p:extLst>
       <p:ext uri="{BB962C8B-B14F-4D97-AF65-F5344CB8AC3E}">
-        <p14:creationId xmlns:p14="http://schemas.microsoft.com/office/powerpoint/2010/main" val="1225957095"/>
+        <p14:creationId xmlns:p14="http://schemas.microsoft.com/office/powerpoint/2010/main" val="2053561477"/>
       </p:ext>
     </p:extLst>
   </p:cSld>

--- a/Content/Storage/Azure Storage and CLI.pptx
+++ b/Content/Storage/Azure Storage and CLI.pptx
@@ -205,7 +205,7 @@
           <a:p>
             <a:fld id="{2E5CA586-3557-4985-BCD4-35EF5AC8B4A4}" type="datetimeFigureOut">
               <a:rPr lang="en-US" smtClean="0"/>
-              <a:t>10/10/2015</a:t>
+              <a:t>1/4/16</a:t>
             </a:fld>
             <a:endParaRPr lang="en-US"/>
           </a:p>
@@ -6745,7 +6745,7 @@
           <a:p>
             <a:pPr defTabSz="913836" eaLnBrk="0" hangingPunct="0"/>
             <a:r>
-              <a:rPr lang="en-US" sz="700" dirty="0">
+              <a:rPr lang="en-US" sz="700">
                 <a:gradFill>
                   <a:gsLst>
                     <a:gs pos="0">
@@ -6762,7 +6762,7 @@
               <a:t>© </a:t>
             </a:r>
             <a:r>
-              <a:rPr lang="en-US" sz="700" dirty="0" smtClean="0">
+              <a:rPr lang="en-US" sz="700" smtClean="0">
                 <a:gradFill>
                   <a:gsLst>
                     <a:gs pos="0">
@@ -6779,7 +6779,7 @@
               <a:t>201</a:t>
             </a:r>
             <a:r>
-              <a:rPr lang="en-US" altLang="zh-CN" sz="700" dirty="0" smtClean="0">
+              <a:rPr lang="en-US" altLang="zh-CN" sz="700" smtClean="0">
                 <a:gradFill>
                   <a:gsLst>
                     <a:gs pos="0">
@@ -6793,10 +6793,10 @@
                 </a:gradFill>
                 <a:cs typeface="Segoe UI" pitchFamily="34" charset="0"/>
               </a:rPr>
-              <a:t>5</a:t>
-            </a:r>
-            <a:r>
-              <a:rPr lang="en-US" sz="700" dirty="0" smtClean="0">
+              <a:t>6</a:t>
+            </a:r>
+            <a:r>
+              <a:rPr lang="en-US" sz="700" smtClean="0">
                 <a:gradFill>
                   <a:gsLst>
                     <a:gs pos="0">
@@ -11605,21 +11605,6 @@
               </a:rPr>
               <a:t>Tables</a:t>
             </a:r>
-            <a:endParaRPr lang="en-US" sz="2400" dirty="0" smtClean="0">
-              <a:gradFill>
-                <a:gsLst>
-                  <a:gs pos="0">
-                    <a:srgbClr val="FFFFFF"/>
-                  </a:gs>
-                  <a:gs pos="100000">
-                    <a:srgbClr val="FFFFFF"/>
-                  </a:gs>
-                </a:gsLst>
-                <a:lin ang="5400000" scaled="0"/>
-              </a:gradFill>
-              <a:latin typeface="Segoe UI Light" panose="020B0502040204020203" pitchFamily="34" charset="0"/>
-              <a:cs typeface="Segoe UI Light" panose="020B0502040204020203" pitchFamily="34" charset="0"/>
-            </a:endParaRPr>
           </a:p>
         </p:txBody>
       </p:sp>
@@ -11695,21 +11680,6 @@
               </a:rPr>
               <a:t>Files</a:t>
             </a:r>
-            <a:endParaRPr lang="en-US" sz="2400" dirty="0" smtClean="0">
-              <a:gradFill>
-                <a:gsLst>
-                  <a:gs pos="0">
-                    <a:srgbClr val="FFFFFF"/>
-                  </a:gs>
-                  <a:gs pos="100000">
-                    <a:srgbClr val="FFFFFF"/>
-                  </a:gs>
-                </a:gsLst>
-                <a:lin ang="5400000" scaled="0"/>
-              </a:gradFill>
-              <a:latin typeface="Segoe UI Light" panose="020B0502040204020203" pitchFamily="34" charset="0"/>
-              <a:cs typeface="Segoe UI Light" panose="020B0502040204020203" pitchFamily="34" charset="0"/>
-            </a:endParaRPr>
           </a:p>
         </p:txBody>
       </p:sp>
@@ -11785,21 +11755,6 @@
               </a:rPr>
               <a:t>Queues</a:t>
             </a:r>
-            <a:endParaRPr lang="en-US" sz="2400" dirty="0" smtClean="0">
-              <a:gradFill>
-                <a:gsLst>
-                  <a:gs pos="0">
-                    <a:srgbClr val="FFFFFF"/>
-                  </a:gs>
-                  <a:gs pos="100000">
-                    <a:srgbClr val="FFFFFF"/>
-                  </a:gs>
-                </a:gsLst>
-                <a:lin ang="5400000" scaled="0"/>
-              </a:gradFill>
-              <a:latin typeface="Segoe UI Light" panose="020B0502040204020203" pitchFamily="34" charset="0"/>
-              <a:cs typeface="Segoe UI Light" panose="020B0502040204020203" pitchFamily="34" charset="0"/>
-            </a:endParaRPr>
           </a:p>
         </p:txBody>
       </p:sp>
